--- a/presentation slide deck.pptx
+++ b/presentation slide deck.pptx
@@ -2,7 +2,7 @@
 <file path=ppt/presentation.xml><?xml version="1.0" encoding="utf-8"?>
 <p:presentation xmlns:a="http://schemas.openxmlformats.org/drawingml/2006/main" xmlns:r="http://schemas.openxmlformats.org/officeDocument/2006/relationships" xmlns:p="http://schemas.openxmlformats.org/presentationml/2006/main" saveSubsetFonts="1">
   <p:sldMasterIdLst>
-    <p:sldMasterId id="2147483648" r:id="rId1"/>
+    <p:sldMasterId id="2147483672" r:id="rId1"/>
   </p:sldMasterIdLst>
   <p:sldIdLst>
     <p:sldId id="256" r:id="rId2"/>
@@ -18,7 +18,7 @@
     <a:defPPr>
       <a:defRPr lang="en-US"/>
     </a:defPPr>
-    <a:lvl1pPr marL="0" algn="l" defTabSz="914400" rtl="0" eaLnBrk="1" latinLnBrk="0" hangingPunct="1">
+    <a:lvl1pPr marL="0" algn="l" defTabSz="457200" rtl="0" eaLnBrk="1" latinLnBrk="0" hangingPunct="1">
       <a:defRPr sz="1800" kern="1200">
         <a:solidFill>
           <a:schemeClr val="tx1"/>
@@ -28,7 +28,7 @@
         <a:cs typeface="+mn-cs"/>
       </a:defRPr>
     </a:lvl1pPr>
-    <a:lvl2pPr marL="457200" algn="l" defTabSz="914400" rtl="0" eaLnBrk="1" latinLnBrk="0" hangingPunct="1">
+    <a:lvl2pPr marL="457200" algn="l" defTabSz="457200" rtl="0" eaLnBrk="1" latinLnBrk="0" hangingPunct="1">
       <a:defRPr sz="1800" kern="1200">
         <a:solidFill>
           <a:schemeClr val="tx1"/>
@@ -38,7 +38,7 @@
         <a:cs typeface="+mn-cs"/>
       </a:defRPr>
     </a:lvl2pPr>
-    <a:lvl3pPr marL="914400" algn="l" defTabSz="914400" rtl="0" eaLnBrk="1" latinLnBrk="0" hangingPunct="1">
+    <a:lvl3pPr marL="914400" algn="l" defTabSz="457200" rtl="0" eaLnBrk="1" latinLnBrk="0" hangingPunct="1">
       <a:defRPr sz="1800" kern="1200">
         <a:solidFill>
           <a:schemeClr val="tx1"/>
@@ -48,7 +48,7 @@
         <a:cs typeface="+mn-cs"/>
       </a:defRPr>
     </a:lvl3pPr>
-    <a:lvl4pPr marL="1371600" algn="l" defTabSz="914400" rtl="0" eaLnBrk="1" latinLnBrk="0" hangingPunct="1">
+    <a:lvl4pPr marL="1371600" algn="l" defTabSz="457200" rtl="0" eaLnBrk="1" latinLnBrk="0" hangingPunct="1">
       <a:defRPr sz="1800" kern="1200">
         <a:solidFill>
           <a:schemeClr val="tx1"/>
@@ -58,7 +58,7 @@
         <a:cs typeface="+mn-cs"/>
       </a:defRPr>
     </a:lvl4pPr>
-    <a:lvl5pPr marL="1828800" algn="l" defTabSz="914400" rtl="0" eaLnBrk="1" latinLnBrk="0" hangingPunct="1">
+    <a:lvl5pPr marL="1828800" algn="l" defTabSz="457200" rtl="0" eaLnBrk="1" latinLnBrk="0" hangingPunct="1">
       <a:defRPr sz="1800" kern="1200">
         <a:solidFill>
           <a:schemeClr val="tx1"/>
@@ -68,7 +68,7 @@
         <a:cs typeface="+mn-cs"/>
       </a:defRPr>
     </a:lvl5pPr>
-    <a:lvl6pPr marL="2286000" algn="l" defTabSz="914400" rtl="0" eaLnBrk="1" latinLnBrk="0" hangingPunct="1">
+    <a:lvl6pPr marL="2286000" algn="l" defTabSz="457200" rtl="0" eaLnBrk="1" latinLnBrk="0" hangingPunct="1">
       <a:defRPr sz="1800" kern="1200">
         <a:solidFill>
           <a:schemeClr val="tx1"/>
@@ -78,7 +78,7 @@
         <a:cs typeface="+mn-cs"/>
       </a:defRPr>
     </a:lvl6pPr>
-    <a:lvl7pPr marL="2743200" algn="l" defTabSz="914400" rtl="0" eaLnBrk="1" latinLnBrk="0" hangingPunct="1">
+    <a:lvl7pPr marL="2743200" algn="l" defTabSz="457200" rtl="0" eaLnBrk="1" latinLnBrk="0" hangingPunct="1">
       <a:defRPr sz="1800" kern="1200">
         <a:solidFill>
           <a:schemeClr val="tx1"/>
@@ -88,7 +88,7 @@
         <a:cs typeface="+mn-cs"/>
       </a:defRPr>
     </a:lvl7pPr>
-    <a:lvl8pPr marL="3200400" algn="l" defTabSz="914400" rtl="0" eaLnBrk="1" latinLnBrk="0" hangingPunct="1">
+    <a:lvl8pPr marL="3200400" algn="l" defTabSz="457200" rtl="0" eaLnBrk="1" latinLnBrk="0" hangingPunct="1">
       <a:defRPr sz="1800" kern="1200">
         <a:solidFill>
           <a:schemeClr val="tx1"/>
@@ -98,7 +98,7 @@
         <a:cs typeface="+mn-cs"/>
       </a:defRPr>
     </a:lvl8pPr>
-    <a:lvl9pPr marL="3657600" algn="l" defTabSz="914400" rtl="0" eaLnBrk="1" latinLnBrk="0" hangingPunct="1">
+    <a:lvl9pPr marL="3657600" algn="l" defTabSz="457200" rtl="0" eaLnBrk="1" latinLnBrk="0" hangingPunct="1">
       <a:defRPr sz="1800" kern="1200">
         <a:solidFill>
           <a:schemeClr val="tx1"/>
@@ -118,7 +118,7 @@
 </file>
 
 <file path=ppt/slideLayouts/slideLayout1.xml><?xml version="1.0" encoding="utf-8"?>
-<p:sldLayout xmlns:a="http://schemas.openxmlformats.org/drawingml/2006/main" xmlns:r="http://schemas.openxmlformats.org/officeDocument/2006/relationships" xmlns:p="http://schemas.openxmlformats.org/presentationml/2006/main" type="title" preserve="1">
+<p:sldLayout xmlns:a="http://schemas.openxmlformats.org/drawingml/2006/main" xmlns:r="http://schemas.openxmlformats.org/officeDocument/2006/relationships" xmlns:p="http://schemas.openxmlformats.org/presentationml/2006/main" showMasterSp="0" type="title" preserve="1">
   <p:cSld name="Title Slide">
     <p:spTree>
       <p:nvGrpSpPr>
@@ -134,15 +134,539 @@
           <a:chExt cx="0" cy="0"/>
         </a:xfrm>
       </p:grpSpPr>
-      <p:sp>
-        <p:nvSpPr>
-          <p:cNvPr id="2" name="Title 1">
-            <a:extLst>
-              <a:ext uri="{FF2B5EF4-FFF2-40B4-BE49-F238E27FC236}">
-                <a16:creationId xmlns:a16="http://schemas.microsoft.com/office/drawing/2014/main" id="{E0EF7430-5E67-405D-8D86-052AC9A52232}"/>
-              </a:ext>
-            </a:extLst>
-          </p:cNvPr>
+      <p:grpSp>
+        <p:nvGrpSpPr>
+          <p:cNvPr id="7" name="Group 6"/>
+          <p:cNvGrpSpPr/>
+          <p:nvPr/>
+        </p:nvGrpSpPr>
+        <p:grpSpPr>
+          <a:xfrm>
+            <a:off x="0" y="-8467"/>
+            <a:ext cx="12192000" cy="6866467"/>
+            <a:chOff x="0" y="-8467"/>
+            <a:chExt cx="12192000" cy="6866467"/>
+          </a:xfrm>
+        </p:grpSpPr>
+        <p:cxnSp>
+          <p:nvCxnSpPr>
+            <p:cNvPr id="32" name="Straight Connector 31"/>
+            <p:cNvCxnSpPr/>
+            <p:nvPr/>
+          </p:nvCxnSpPr>
+          <p:spPr>
+            <a:xfrm>
+              <a:off x="9371012" y="0"/>
+              <a:ext cx="1219200" cy="6858000"/>
+            </a:xfrm>
+            <a:prstGeom prst="line">
+              <a:avLst/>
+            </a:prstGeom>
+            <a:ln w="9525">
+              <a:solidFill>
+                <a:schemeClr val="bg1">
+                  <a:lumMod val="75000"/>
+                </a:schemeClr>
+              </a:solidFill>
+            </a:ln>
+          </p:spPr>
+          <p:style>
+            <a:lnRef idx="2">
+              <a:schemeClr val="accent1"/>
+            </a:lnRef>
+            <a:fillRef idx="0">
+              <a:schemeClr val="accent1"/>
+            </a:fillRef>
+            <a:effectRef idx="1">
+              <a:schemeClr val="accent1"/>
+            </a:effectRef>
+            <a:fontRef idx="minor">
+              <a:schemeClr val="tx1"/>
+            </a:fontRef>
+          </p:style>
+        </p:cxnSp>
+        <p:cxnSp>
+          <p:nvCxnSpPr>
+            <p:cNvPr id="21" name="Straight Connector 20"/>
+            <p:cNvCxnSpPr/>
+            <p:nvPr/>
+          </p:nvCxnSpPr>
+          <p:spPr>
+            <a:xfrm flipH="1">
+              <a:off x="7425267" y="3681413"/>
+              <a:ext cx="4763558" cy="3176587"/>
+            </a:xfrm>
+            <a:prstGeom prst="line">
+              <a:avLst/>
+            </a:prstGeom>
+            <a:ln w="9525">
+              <a:solidFill>
+                <a:schemeClr val="bg1">
+                  <a:lumMod val="85000"/>
+                </a:schemeClr>
+              </a:solidFill>
+            </a:ln>
+          </p:spPr>
+          <p:style>
+            <a:lnRef idx="2">
+              <a:schemeClr val="accent1"/>
+            </a:lnRef>
+            <a:fillRef idx="0">
+              <a:schemeClr val="accent1"/>
+            </a:fillRef>
+            <a:effectRef idx="1">
+              <a:schemeClr val="accent1"/>
+            </a:effectRef>
+            <a:fontRef idx="minor">
+              <a:schemeClr val="tx1"/>
+            </a:fontRef>
+          </p:style>
+        </p:cxnSp>
+        <p:sp>
+          <p:nvSpPr>
+            <p:cNvPr id="24" name="Rectangle 23"/>
+            <p:cNvSpPr/>
+            <p:nvPr/>
+          </p:nvSpPr>
+          <p:spPr>
+            <a:xfrm>
+              <a:off x="9181476" y="-8467"/>
+              <a:ext cx="3007349" cy="6866467"/>
+            </a:xfrm>
+            <a:custGeom>
+              <a:avLst/>
+              <a:gdLst/>
+              <a:ahLst/>
+              <a:cxnLst/>
+              <a:rect l="l" t="t" r="r" b="b"/>
+              <a:pathLst>
+                <a:path w="3007349" h="6866467">
+                  <a:moveTo>
+                    <a:pt x="2045532" y="0"/>
+                  </a:moveTo>
+                  <a:lnTo>
+                    <a:pt x="3007349" y="0"/>
+                  </a:lnTo>
+                  <a:lnTo>
+                    <a:pt x="3007349" y="6866467"/>
+                  </a:lnTo>
+                  <a:lnTo>
+                    <a:pt x="0" y="6866467"/>
+                  </a:lnTo>
+                  <a:lnTo>
+                    <a:pt x="2045532" y="0"/>
+                  </a:lnTo>
+                  <a:close/>
+                </a:path>
+              </a:pathLst>
+            </a:custGeom>
+            <a:solidFill>
+              <a:schemeClr val="accent1">
+                <a:alpha val="30000"/>
+              </a:schemeClr>
+            </a:solidFill>
+            <a:ln>
+              <a:noFill/>
+            </a:ln>
+            <a:effectLst/>
+          </p:spPr>
+          <p:style>
+            <a:lnRef idx="1">
+              <a:schemeClr val="accent1"/>
+            </a:lnRef>
+            <a:fillRef idx="3">
+              <a:schemeClr val="accent1"/>
+            </a:fillRef>
+            <a:effectRef idx="2">
+              <a:schemeClr val="accent1"/>
+            </a:effectRef>
+            <a:fontRef idx="minor">
+              <a:schemeClr val="lt1"/>
+            </a:fontRef>
+          </p:style>
+        </p:sp>
+        <p:sp>
+          <p:nvSpPr>
+            <p:cNvPr id="26" name="Rectangle 25"/>
+            <p:cNvSpPr/>
+            <p:nvPr/>
+          </p:nvSpPr>
+          <p:spPr>
+            <a:xfrm>
+              <a:off x="9603442" y="-8467"/>
+              <a:ext cx="2588558" cy="6866467"/>
+            </a:xfrm>
+            <a:custGeom>
+              <a:avLst/>
+              <a:gdLst/>
+              <a:ahLst/>
+              <a:cxnLst/>
+              <a:rect l="l" t="t" r="r" b="b"/>
+              <a:pathLst>
+                <a:path w="2573311" h="6866467">
+                  <a:moveTo>
+                    <a:pt x="0" y="0"/>
+                  </a:moveTo>
+                  <a:lnTo>
+                    <a:pt x="2573311" y="0"/>
+                  </a:lnTo>
+                  <a:lnTo>
+                    <a:pt x="2573311" y="6866467"/>
+                  </a:lnTo>
+                  <a:lnTo>
+                    <a:pt x="1202336" y="6866467"/>
+                  </a:lnTo>
+                  <a:lnTo>
+                    <a:pt x="0" y="0"/>
+                  </a:lnTo>
+                  <a:close/>
+                </a:path>
+              </a:pathLst>
+            </a:custGeom>
+            <a:solidFill>
+              <a:schemeClr val="accent1">
+                <a:alpha val="20000"/>
+              </a:schemeClr>
+            </a:solidFill>
+            <a:ln>
+              <a:noFill/>
+            </a:ln>
+            <a:effectLst/>
+          </p:spPr>
+          <p:style>
+            <a:lnRef idx="1">
+              <a:schemeClr val="accent1"/>
+            </a:lnRef>
+            <a:fillRef idx="3">
+              <a:schemeClr val="accent1"/>
+            </a:fillRef>
+            <a:effectRef idx="2">
+              <a:schemeClr val="accent1"/>
+            </a:effectRef>
+            <a:fontRef idx="minor">
+              <a:schemeClr val="lt1"/>
+            </a:fontRef>
+          </p:style>
+        </p:sp>
+        <p:sp>
+          <p:nvSpPr>
+            <p:cNvPr id="27" name="Isosceles Triangle 26"/>
+            <p:cNvSpPr/>
+            <p:nvPr/>
+          </p:nvSpPr>
+          <p:spPr>
+            <a:xfrm>
+              <a:off x="8932333" y="3048000"/>
+              <a:ext cx="3259667" cy="3810000"/>
+            </a:xfrm>
+            <a:prstGeom prst="triangle">
+              <a:avLst>
+                <a:gd name="adj" fmla="val 100000"/>
+              </a:avLst>
+            </a:prstGeom>
+            <a:solidFill>
+              <a:schemeClr val="accent2">
+                <a:alpha val="72000"/>
+              </a:schemeClr>
+            </a:solidFill>
+            <a:ln>
+              <a:noFill/>
+            </a:ln>
+            <a:effectLst/>
+          </p:spPr>
+          <p:style>
+            <a:lnRef idx="1">
+              <a:schemeClr val="accent1"/>
+            </a:lnRef>
+            <a:fillRef idx="3">
+              <a:schemeClr val="accent1"/>
+            </a:fillRef>
+            <a:effectRef idx="2">
+              <a:schemeClr val="accent1"/>
+            </a:effectRef>
+            <a:fontRef idx="minor">
+              <a:schemeClr val="lt1"/>
+            </a:fontRef>
+          </p:style>
+        </p:sp>
+        <p:sp>
+          <p:nvSpPr>
+            <p:cNvPr id="28" name="Rectangle 27"/>
+            <p:cNvSpPr/>
+            <p:nvPr/>
+          </p:nvSpPr>
+          <p:spPr>
+            <a:xfrm>
+              <a:off x="9334500" y="-8467"/>
+              <a:ext cx="2854326" cy="6866467"/>
+            </a:xfrm>
+            <a:custGeom>
+              <a:avLst/>
+              <a:gdLst/>
+              <a:ahLst/>
+              <a:cxnLst/>
+              <a:rect l="l" t="t" r="r" b="b"/>
+              <a:pathLst>
+                <a:path w="2858013" h="6866467">
+                  <a:moveTo>
+                    <a:pt x="0" y="0"/>
+                  </a:moveTo>
+                  <a:lnTo>
+                    <a:pt x="2858013" y="0"/>
+                  </a:lnTo>
+                  <a:lnTo>
+                    <a:pt x="2858013" y="6866467"/>
+                  </a:lnTo>
+                  <a:lnTo>
+                    <a:pt x="2473942" y="6866467"/>
+                  </a:lnTo>
+                  <a:lnTo>
+                    <a:pt x="0" y="0"/>
+                  </a:lnTo>
+                  <a:close/>
+                </a:path>
+              </a:pathLst>
+            </a:custGeom>
+            <a:solidFill>
+              <a:schemeClr val="accent2">
+                <a:lumMod val="75000"/>
+                <a:alpha val="70000"/>
+              </a:schemeClr>
+            </a:solidFill>
+            <a:ln>
+              <a:noFill/>
+            </a:ln>
+            <a:effectLst/>
+          </p:spPr>
+          <p:style>
+            <a:lnRef idx="1">
+              <a:schemeClr val="accent1"/>
+            </a:lnRef>
+            <a:fillRef idx="3">
+              <a:schemeClr val="accent1"/>
+            </a:fillRef>
+            <a:effectRef idx="2">
+              <a:schemeClr val="accent1"/>
+            </a:effectRef>
+            <a:fontRef idx="minor">
+              <a:schemeClr val="lt1"/>
+            </a:fontRef>
+          </p:style>
+        </p:sp>
+        <p:sp>
+          <p:nvSpPr>
+            <p:cNvPr id="29" name="Rectangle 28"/>
+            <p:cNvSpPr/>
+            <p:nvPr/>
+          </p:nvSpPr>
+          <p:spPr>
+            <a:xfrm>
+              <a:off x="10898730" y="-8467"/>
+              <a:ext cx="1290094" cy="6866467"/>
+            </a:xfrm>
+            <a:custGeom>
+              <a:avLst/>
+              <a:gdLst/>
+              <a:ahLst/>
+              <a:cxnLst/>
+              <a:rect l="l" t="t" r="r" b="b"/>
+              <a:pathLst>
+                <a:path w="1290094" h="6858000">
+                  <a:moveTo>
+                    <a:pt x="1019735" y="0"/>
+                  </a:moveTo>
+                  <a:lnTo>
+                    <a:pt x="1290094" y="0"/>
+                  </a:lnTo>
+                  <a:lnTo>
+                    <a:pt x="1290094" y="6858000"/>
+                  </a:lnTo>
+                  <a:lnTo>
+                    <a:pt x="0" y="6858000"/>
+                  </a:lnTo>
+                  <a:lnTo>
+                    <a:pt x="1019735" y="0"/>
+                  </a:lnTo>
+                  <a:close/>
+                </a:path>
+              </a:pathLst>
+            </a:custGeom>
+            <a:solidFill>
+              <a:schemeClr val="accent1">
+                <a:lumMod val="60000"/>
+                <a:lumOff val="40000"/>
+                <a:alpha val="70000"/>
+              </a:schemeClr>
+            </a:solidFill>
+            <a:ln>
+              <a:noFill/>
+            </a:ln>
+            <a:effectLst/>
+          </p:spPr>
+          <p:style>
+            <a:lnRef idx="1">
+              <a:schemeClr val="accent1"/>
+            </a:lnRef>
+            <a:fillRef idx="3">
+              <a:schemeClr val="accent1"/>
+            </a:fillRef>
+            <a:effectRef idx="2">
+              <a:schemeClr val="accent1"/>
+            </a:effectRef>
+            <a:fontRef idx="minor">
+              <a:schemeClr val="lt1"/>
+            </a:fontRef>
+          </p:style>
+        </p:sp>
+        <p:sp>
+          <p:nvSpPr>
+            <p:cNvPr id="30" name="Rectangle 29"/>
+            <p:cNvSpPr/>
+            <p:nvPr/>
+          </p:nvSpPr>
+          <p:spPr>
+            <a:xfrm>
+              <a:off x="10938999" y="-8467"/>
+              <a:ext cx="1249825" cy="6866467"/>
+            </a:xfrm>
+            <a:custGeom>
+              <a:avLst/>
+              <a:gdLst/>
+              <a:ahLst/>
+              <a:cxnLst/>
+              <a:rect l="l" t="t" r="r" b="b"/>
+              <a:pathLst>
+                <a:path w="1249825" h="6858000">
+                  <a:moveTo>
+                    <a:pt x="0" y="0"/>
+                  </a:moveTo>
+                  <a:lnTo>
+                    <a:pt x="1249825" y="0"/>
+                  </a:lnTo>
+                  <a:lnTo>
+                    <a:pt x="1249825" y="6858000"/>
+                  </a:lnTo>
+                  <a:lnTo>
+                    <a:pt x="1109382" y="6858000"/>
+                  </a:lnTo>
+                  <a:lnTo>
+                    <a:pt x="0" y="0"/>
+                  </a:lnTo>
+                  <a:close/>
+                </a:path>
+              </a:pathLst>
+            </a:custGeom>
+            <a:solidFill>
+              <a:schemeClr val="accent1">
+                <a:alpha val="65000"/>
+              </a:schemeClr>
+            </a:solidFill>
+            <a:ln>
+              <a:noFill/>
+            </a:ln>
+            <a:effectLst/>
+          </p:spPr>
+          <p:style>
+            <a:lnRef idx="1">
+              <a:schemeClr val="accent1"/>
+            </a:lnRef>
+            <a:fillRef idx="3">
+              <a:schemeClr val="accent1"/>
+            </a:fillRef>
+            <a:effectRef idx="2">
+              <a:schemeClr val="accent1"/>
+            </a:effectRef>
+            <a:fontRef idx="minor">
+              <a:schemeClr val="lt1"/>
+            </a:fontRef>
+          </p:style>
+        </p:sp>
+        <p:sp>
+          <p:nvSpPr>
+            <p:cNvPr id="31" name="Isosceles Triangle 30"/>
+            <p:cNvSpPr/>
+            <p:nvPr/>
+          </p:nvSpPr>
+          <p:spPr>
+            <a:xfrm>
+              <a:off x="10371666" y="3589867"/>
+              <a:ext cx="1817159" cy="3268133"/>
+            </a:xfrm>
+            <a:prstGeom prst="triangle">
+              <a:avLst>
+                <a:gd name="adj" fmla="val 100000"/>
+              </a:avLst>
+            </a:prstGeom>
+            <a:solidFill>
+              <a:schemeClr val="accent1">
+                <a:alpha val="80000"/>
+              </a:schemeClr>
+            </a:solidFill>
+            <a:ln>
+              <a:noFill/>
+            </a:ln>
+            <a:effectLst/>
+          </p:spPr>
+          <p:style>
+            <a:lnRef idx="1">
+              <a:schemeClr val="accent1"/>
+            </a:lnRef>
+            <a:fillRef idx="3">
+              <a:schemeClr val="accent1"/>
+            </a:fillRef>
+            <a:effectRef idx="2">
+              <a:schemeClr val="accent1"/>
+            </a:effectRef>
+            <a:fontRef idx="minor">
+              <a:schemeClr val="lt1"/>
+            </a:fontRef>
+          </p:style>
+        </p:sp>
+        <p:sp>
+          <p:nvSpPr>
+            <p:cNvPr id="19" name="Isosceles Triangle 18"/>
+            <p:cNvSpPr/>
+            <p:nvPr/>
+          </p:nvSpPr>
+          <p:spPr>
+            <a:xfrm rot="10800000">
+              <a:off x="0" y="0"/>
+              <a:ext cx="842596" cy="5666154"/>
+            </a:xfrm>
+            <a:prstGeom prst="triangle">
+              <a:avLst>
+                <a:gd name="adj" fmla="val 100000"/>
+              </a:avLst>
+            </a:prstGeom>
+            <a:solidFill>
+              <a:schemeClr val="accent1">
+                <a:alpha val="85000"/>
+              </a:schemeClr>
+            </a:solidFill>
+            <a:ln>
+              <a:noFill/>
+            </a:ln>
+            <a:effectLst/>
+          </p:spPr>
+          <p:style>
+            <a:lnRef idx="1">
+              <a:schemeClr val="accent1"/>
+            </a:lnRef>
+            <a:fillRef idx="3">
+              <a:schemeClr val="accent1"/>
+            </a:fillRef>
+            <a:effectRef idx="2">
+              <a:schemeClr val="accent1"/>
+            </a:effectRef>
+            <a:fontRef idx="minor">
+              <a:schemeClr val="lt1"/>
+            </a:fontRef>
+          </p:style>
+        </p:sp>
+      </p:grpSp>
+      <p:sp>
+        <p:nvSpPr>
+          <p:cNvPr id="2" name="Title 1"/>
           <p:cNvSpPr>
             <a:spLocks noGrp="1"/>
           </p:cNvSpPr>
@@ -152,15 +676,21 @@
         </p:nvSpPr>
         <p:spPr>
           <a:xfrm>
-            <a:off x="1524000" y="1122363"/>
-            <a:ext cx="9144000" cy="2387600"/>
+            <a:off x="1507067" y="2404534"/>
+            <a:ext cx="7766936" cy="1646302"/>
           </a:xfrm>
         </p:spPr>
         <p:txBody>
-          <a:bodyPr anchor="b"/>
+          <a:bodyPr anchor="b">
+            <a:noAutofit/>
+          </a:bodyPr>
           <a:lstStyle>
-            <a:lvl1pPr algn="ctr">
-              <a:defRPr sz="6000"/>
+            <a:lvl1pPr algn="r">
+              <a:defRPr sz="5400">
+                <a:solidFill>
+                  <a:schemeClr val="accent1"/>
+                </a:solidFill>
+              </a:defRPr>
             </a:lvl1pPr>
           </a:lstStyle>
           <a:p>
@@ -168,18 +698,13 @@
               <a:rPr lang="en-US"/>
               <a:t>Click to edit Master title style</a:t>
             </a:r>
-          </a:p>
-        </p:txBody>
-      </p:sp>
-      <p:sp>
-        <p:nvSpPr>
-          <p:cNvPr id="3" name="Subtitle 2">
-            <a:extLst>
-              <a:ext uri="{FF2B5EF4-FFF2-40B4-BE49-F238E27FC236}">
-                <a16:creationId xmlns:a16="http://schemas.microsoft.com/office/drawing/2014/main" id="{04A4FF03-78AF-45CC-9DCD-AEE4601CB2DC}"/>
-              </a:ext>
-            </a:extLst>
-          </p:cNvPr>
+            <a:endParaRPr lang="en-US" dirty="0"/>
+          </a:p>
+        </p:txBody>
+      </p:sp>
+      <p:sp>
+        <p:nvSpPr>
+          <p:cNvPr id="3" name="Subtitle 2"/>
           <p:cNvSpPr>
             <a:spLocks noGrp="1"/>
           </p:cNvSpPr>
@@ -189,48 +714,103 @@
         </p:nvSpPr>
         <p:spPr>
           <a:xfrm>
-            <a:off x="1524000" y="3602038"/>
-            <a:ext cx="9144000" cy="1655762"/>
+            <a:off x="1507067" y="4050833"/>
+            <a:ext cx="7766936" cy="1096899"/>
           </a:xfrm>
         </p:spPr>
         <p:txBody>
-          <a:bodyPr/>
+          <a:bodyPr anchor="t"/>
           <a:lstStyle>
-            <a:lvl1pPr marL="0" indent="0" algn="ctr">
-              <a:buNone/>
-              <a:defRPr sz="2400"/>
+            <a:lvl1pPr marL="0" indent="0" algn="r">
+              <a:buNone/>
+              <a:defRPr>
+                <a:solidFill>
+                  <a:schemeClr val="tx1">
+                    <a:lumMod val="50000"/>
+                    <a:lumOff val="50000"/>
+                  </a:schemeClr>
+                </a:solidFill>
+              </a:defRPr>
             </a:lvl1pPr>
             <a:lvl2pPr marL="457200" indent="0" algn="ctr">
               <a:buNone/>
-              <a:defRPr sz="2000"/>
+              <a:defRPr>
+                <a:solidFill>
+                  <a:schemeClr val="tx1">
+                    <a:tint val="75000"/>
+                  </a:schemeClr>
+                </a:solidFill>
+              </a:defRPr>
             </a:lvl2pPr>
             <a:lvl3pPr marL="914400" indent="0" algn="ctr">
               <a:buNone/>
-              <a:defRPr sz="1800"/>
+              <a:defRPr>
+                <a:solidFill>
+                  <a:schemeClr val="tx1">
+                    <a:tint val="75000"/>
+                  </a:schemeClr>
+                </a:solidFill>
+              </a:defRPr>
             </a:lvl3pPr>
             <a:lvl4pPr marL="1371600" indent="0" algn="ctr">
               <a:buNone/>
-              <a:defRPr sz="1600"/>
+              <a:defRPr>
+                <a:solidFill>
+                  <a:schemeClr val="tx1">
+                    <a:tint val="75000"/>
+                  </a:schemeClr>
+                </a:solidFill>
+              </a:defRPr>
             </a:lvl4pPr>
             <a:lvl5pPr marL="1828800" indent="0" algn="ctr">
               <a:buNone/>
-              <a:defRPr sz="1600"/>
+              <a:defRPr>
+                <a:solidFill>
+                  <a:schemeClr val="tx1">
+                    <a:tint val="75000"/>
+                  </a:schemeClr>
+                </a:solidFill>
+              </a:defRPr>
             </a:lvl5pPr>
             <a:lvl6pPr marL="2286000" indent="0" algn="ctr">
               <a:buNone/>
-              <a:defRPr sz="1600"/>
+              <a:defRPr>
+                <a:solidFill>
+                  <a:schemeClr val="tx1">
+                    <a:tint val="75000"/>
+                  </a:schemeClr>
+                </a:solidFill>
+              </a:defRPr>
             </a:lvl6pPr>
             <a:lvl7pPr marL="2743200" indent="0" algn="ctr">
               <a:buNone/>
-              <a:defRPr sz="1600"/>
+              <a:defRPr>
+                <a:solidFill>
+                  <a:schemeClr val="tx1">
+                    <a:tint val="75000"/>
+                  </a:schemeClr>
+                </a:solidFill>
+              </a:defRPr>
             </a:lvl7pPr>
             <a:lvl8pPr marL="3200400" indent="0" algn="ctr">
               <a:buNone/>
-              <a:defRPr sz="1600"/>
+              <a:defRPr>
+                <a:solidFill>
+                  <a:schemeClr val="tx1">
+                    <a:tint val="75000"/>
+                  </a:schemeClr>
+                </a:solidFill>
+              </a:defRPr>
             </a:lvl8pPr>
             <a:lvl9pPr marL="3657600" indent="0" algn="ctr">
               <a:buNone/>
-              <a:defRPr sz="1600"/>
+              <a:defRPr>
+                <a:solidFill>
+                  <a:schemeClr val="tx1">
+                    <a:tint val="75000"/>
+                  </a:schemeClr>
+                </a:solidFill>
+              </a:defRPr>
             </a:lvl9pPr>
           </a:lstStyle>
           <a:p>
@@ -238,18 +818,13 @@
               <a:rPr lang="en-US"/>
               <a:t>Click to edit Master subtitle style</a:t>
             </a:r>
-          </a:p>
-        </p:txBody>
-      </p:sp>
-      <p:sp>
-        <p:nvSpPr>
-          <p:cNvPr id="4" name="Date Placeholder 3">
-            <a:extLst>
-              <a:ext uri="{FF2B5EF4-FFF2-40B4-BE49-F238E27FC236}">
-                <a16:creationId xmlns:a16="http://schemas.microsoft.com/office/drawing/2014/main" id="{F1C4B04C-5A62-4140-9A7B-82365E481EDD}"/>
-              </a:ext>
-            </a:extLst>
-          </p:cNvPr>
+            <a:endParaRPr lang="en-US" dirty="0"/>
+          </a:p>
+        </p:txBody>
+      </p:sp>
+      <p:sp>
+        <p:nvSpPr>
+          <p:cNvPr id="4" name="Date Placeholder 3"/>
           <p:cNvSpPr>
             <a:spLocks noGrp="1"/>
           </p:cNvSpPr>
@@ -264,7 +839,7 @@
           <a:p>
             <a:fld id="{A8772C97-20F4-4C81-9859-95A3E31E8BE1}" type="datetimeFigureOut">
               <a:rPr lang="en-US" smtClean="0"/>
-              <a:t>12/3/2019</a:t>
+              <a:t>5/8/2020</a:t>
             </a:fld>
             <a:endParaRPr lang="en-US"/>
           </a:p>
@@ -272,13 +847,7 @@
       </p:sp>
       <p:sp>
         <p:nvSpPr>
-          <p:cNvPr id="5" name="Footer Placeholder 4">
-            <a:extLst>
-              <a:ext uri="{FF2B5EF4-FFF2-40B4-BE49-F238E27FC236}">
-                <a16:creationId xmlns:a16="http://schemas.microsoft.com/office/drawing/2014/main" id="{A1BF480B-A939-4ACD-9F61-25757B6BC55B}"/>
-              </a:ext>
-            </a:extLst>
-          </p:cNvPr>
+          <p:cNvPr id="5" name="Footer Placeholder 4"/>
           <p:cNvSpPr>
             <a:spLocks noGrp="1"/>
           </p:cNvSpPr>
@@ -297,13 +866,7 @@
       </p:sp>
       <p:sp>
         <p:nvSpPr>
-          <p:cNvPr id="6" name="Slide Number Placeholder 5">
-            <a:extLst>
-              <a:ext uri="{FF2B5EF4-FFF2-40B4-BE49-F238E27FC236}">
-                <a16:creationId xmlns:a16="http://schemas.microsoft.com/office/drawing/2014/main" id="{1E7DE0B8-A4F2-4261-9DF7-6AAC9CA2C99B}"/>
-              </a:ext>
-            </a:extLst>
-          </p:cNvPr>
+          <p:cNvPr id="6" name="Slide Number Placeholder 5"/>
           <p:cNvSpPr>
             <a:spLocks noGrp="1"/>
           </p:cNvSpPr>
@@ -327,7 +890,7 @@
     </p:spTree>
     <p:extLst>
       <p:ext uri="{BB962C8B-B14F-4D97-AF65-F5344CB8AC3E}">
-        <p14:creationId xmlns:p14="http://schemas.microsoft.com/office/powerpoint/2010/main" val="2921183045"/>
+        <p14:creationId xmlns:p14="http://schemas.microsoft.com/office/powerpoint/2010/main" val="4105713095"/>
       </p:ext>
     </p:extLst>
   </p:cSld>
@@ -338,6 +901,1619 @@
 </file>
 
 <file path=ppt/slideLayouts/slideLayout10.xml><?xml version="1.0" encoding="utf-8"?>
+<p:sldLayout xmlns:a="http://schemas.openxmlformats.org/drawingml/2006/main" xmlns:r="http://schemas.openxmlformats.org/officeDocument/2006/relationships" xmlns:p="http://schemas.openxmlformats.org/presentationml/2006/main" preserve="1">
+  <p:cSld name="Title and Caption">
+    <p:spTree>
+      <p:nvGrpSpPr>
+        <p:cNvPr id="1" name=""/>
+        <p:cNvGrpSpPr/>
+        <p:nvPr/>
+      </p:nvGrpSpPr>
+      <p:grpSpPr>
+        <a:xfrm>
+          <a:off x="0" y="0"/>
+          <a:ext cx="0" cy="0"/>
+          <a:chOff x="0" y="0"/>
+          <a:chExt cx="0" cy="0"/>
+        </a:xfrm>
+      </p:grpSpPr>
+      <p:sp>
+        <p:nvSpPr>
+          <p:cNvPr id="2" name="Title 1"/>
+          <p:cNvSpPr>
+            <a:spLocks noGrp="1"/>
+          </p:cNvSpPr>
+          <p:nvPr>
+            <p:ph type="title"/>
+          </p:nvPr>
+        </p:nvSpPr>
+        <p:spPr>
+          <a:xfrm>
+            <a:off x="677335" y="609600"/>
+            <a:ext cx="8596668" cy="3403600"/>
+          </a:xfrm>
+        </p:spPr>
+        <p:txBody>
+          <a:bodyPr anchor="ctr">
+            <a:normAutofit/>
+          </a:bodyPr>
+          <a:lstStyle>
+            <a:lvl1pPr algn="l">
+              <a:defRPr sz="4400" b="0" cap="none"/>
+            </a:lvl1pPr>
+          </a:lstStyle>
+          <a:p>
+            <a:r>
+              <a:rPr lang="en-US"/>
+              <a:t>Click to edit Master title style</a:t>
+            </a:r>
+            <a:endParaRPr lang="en-US" dirty="0"/>
+          </a:p>
+        </p:txBody>
+      </p:sp>
+      <p:sp>
+        <p:nvSpPr>
+          <p:cNvPr id="3" name="Text Placeholder 2"/>
+          <p:cNvSpPr>
+            <a:spLocks noGrp="1"/>
+          </p:cNvSpPr>
+          <p:nvPr>
+            <p:ph type="body" idx="1"/>
+          </p:nvPr>
+        </p:nvSpPr>
+        <p:spPr>
+          <a:xfrm>
+            <a:off x="677335" y="4470400"/>
+            <a:ext cx="8596668" cy="1570962"/>
+          </a:xfrm>
+        </p:spPr>
+        <p:txBody>
+          <a:bodyPr anchor="ctr">
+            <a:normAutofit/>
+          </a:bodyPr>
+          <a:lstStyle>
+            <a:lvl1pPr marL="0" indent="0" algn="l">
+              <a:buNone/>
+              <a:defRPr sz="1800">
+                <a:solidFill>
+                  <a:schemeClr val="tx1">
+                    <a:lumMod val="75000"/>
+                    <a:lumOff val="25000"/>
+                  </a:schemeClr>
+                </a:solidFill>
+              </a:defRPr>
+            </a:lvl1pPr>
+            <a:lvl2pPr marL="457200" indent="0">
+              <a:buNone/>
+              <a:defRPr sz="1800">
+                <a:solidFill>
+                  <a:schemeClr val="tx1">
+                    <a:tint val="75000"/>
+                  </a:schemeClr>
+                </a:solidFill>
+              </a:defRPr>
+            </a:lvl2pPr>
+            <a:lvl3pPr marL="914400" indent="0">
+              <a:buNone/>
+              <a:defRPr sz="1600">
+                <a:solidFill>
+                  <a:schemeClr val="tx1">
+                    <a:tint val="75000"/>
+                  </a:schemeClr>
+                </a:solidFill>
+              </a:defRPr>
+            </a:lvl3pPr>
+            <a:lvl4pPr marL="1371600" indent="0">
+              <a:buNone/>
+              <a:defRPr sz="1400">
+                <a:solidFill>
+                  <a:schemeClr val="tx1">
+                    <a:tint val="75000"/>
+                  </a:schemeClr>
+                </a:solidFill>
+              </a:defRPr>
+            </a:lvl4pPr>
+            <a:lvl5pPr marL="1828800" indent="0">
+              <a:buNone/>
+              <a:defRPr sz="1400">
+                <a:solidFill>
+                  <a:schemeClr val="tx1">
+                    <a:tint val="75000"/>
+                  </a:schemeClr>
+                </a:solidFill>
+              </a:defRPr>
+            </a:lvl5pPr>
+            <a:lvl6pPr marL="2286000" indent="0">
+              <a:buNone/>
+              <a:defRPr sz="1400">
+                <a:solidFill>
+                  <a:schemeClr val="tx1">
+                    <a:tint val="75000"/>
+                  </a:schemeClr>
+                </a:solidFill>
+              </a:defRPr>
+            </a:lvl6pPr>
+            <a:lvl7pPr marL="2743200" indent="0">
+              <a:buNone/>
+              <a:defRPr sz="1400">
+                <a:solidFill>
+                  <a:schemeClr val="tx1">
+                    <a:tint val="75000"/>
+                  </a:schemeClr>
+                </a:solidFill>
+              </a:defRPr>
+            </a:lvl7pPr>
+            <a:lvl8pPr marL="3200400" indent="0">
+              <a:buNone/>
+              <a:defRPr sz="1400">
+                <a:solidFill>
+                  <a:schemeClr val="tx1">
+                    <a:tint val="75000"/>
+                  </a:schemeClr>
+                </a:solidFill>
+              </a:defRPr>
+            </a:lvl8pPr>
+            <a:lvl9pPr marL="3657600" indent="0">
+              <a:buNone/>
+              <a:defRPr sz="1400">
+                <a:solidFill>
+                  <a:schemeClr val="tx1">
+                    <a:tint val="75000"/>
+                  </a:schemeClr>
+                </a:solidFill>
+              </a:defRPr>
+            </a:lvl9pPr>
+          </a:lstStyle>
+          <a:p>
+            <a:pPr lvl="0"/>
+            <a:r>
+              <a:rPr lang="en-US"/>
+              <a:t>Edit Master text styles</a:t>
+            </a:r>
+          </a:p>
+        </p:txBody>
+      </p:sp>
+      <p:sp>
+        <p:nvSpPr>
+          <p:cNvPr id="4" name="Date Placeholder 3"/>
+          <p:cNvSpPr>
+            <a:spLocks noGrp="1"/>
+          </p:cNvSpPr>
+          <p:nvPr>
+            <p:ph type="dt" sz="half" idx="10"/>
+          </p:nvPr>
+        </p:nvSpPr>
+        <p:spPr/>
+        <p:txBody>
+          <a:bodyPr/>
+          <a:lstStyle/>
+          <a:p>
+            <a:fld id="{A8772C97-20F4-4C81-9859-95A3E31E8BE1}" type="datetimeFigureOut">
+              <a:rPr lang="en-US" smtClean="0"/>
+              <a:t>5/8/2020</a:t>
+            </a:fld>
+            <a:endParaRPr lang="en-US"/>
+          </a:p>
+        </p:txBody>
+      </p:sp>
+      <p:sp>
+        <p:nvSpPr>
+          <p:cNvPr id="5" name="Footer Placeholder 4"/>
+          <p:cNvSpPr>
+            <a:spLocks noGrp="1"/>
+          </p:cNvSpPr>
+          <p:nvPr>
+            <p:ph type="ftr" sz="quarter" idx="11"/>
+          </p:nvPr>
+        </p:nvSpPr>
+        <p:spPr/>
+        <p:txBody>
+          <a:bodyPr/>
+          <a:lstStyle/>
+          <a:p>
+            <a:endParaRPr lang="en-US"/>
+          </a:p>
+        </p:txBody>
+      </p:sp>
+      <p:sp>
+        <p:nvSpPr>
+          <p:cNvPr id="6" name="Slide Number Placeholder 5"/>
+          <p:cNvSpPr>
+            <a:spLocks noGrp="1"/>
+          </p:cNvSpPr>
+          <p:nvPr>
+            <p:ph type="sldNum" sz="quarter" idx="12"/>
+          </p:nvPr>
+        </p:nvSpPr>
+        <p:spPr/>
+        <p:txBody>
+          <a:bodyPr/>
+          <a:lstStyle/>
+          <a:p>
+            <a:fld id="{D43CD4D6-2C9A-4354-AC6C-6F2CC4FD8B9F}" type="slidenum">
+              <a:rPr lang="en-US" smtClean="0"/>
+              <a:t>‹#›</a:t>
+            </a:fld>
+            <a:endParaRPr lang="en-US"/>
+          </a:p>
+        </p:txBody>
+      </p:sp>
+    </p:spTree>
+    <p:extLst>
+      <p:ext uri="{BB962C8B-B14F-4D97-AF65-F5344CB8AC3E}">
+        <p14:creationId xmlns:p14="http://schemas.microsoft.com/office/powerpoint/2010/main" val="2395107283"/>
+      </p:ext>
+    </p:extLst>
+  </p:cSld>
+  <p:clrMapOvr>
+    <a:masterClrMapping/>
+  </p:clrMapOvr>
+</p:sldLayout>
+</file>
+
+<file path=ppt/slideLayouts/slideLayout11.xml><?xml version="1.0" encoding="utf-8"?>
+<p:sldLayout xmlns:a="http://schemas.openxmlformats.org/drawingml/2006/main" xmlns:r="http://schemas.openxmlformats.org/officeDocument/2006/relationships" xmlns:p="http://schemas.openxmlformats.org/presentationml/2006/main" preserve="1">
+  <p:cSld name="Quote with Caption">
+    <p:spTree>
+      <p:nvGrpSpPr>
+        <p:cNvPr id="1" name=""/>
+        <p:cNvGrpSpPr/>
+        <p:nvPr/>
+      </p:nvGrpSpPr>
+      <p:grpSpPr>
+        <a:xfrm>
+          <a:off x="0" y="0"/>
+          <a:ext cx="0" cy="0"/>
+          <a:chOff x="0" y="0"/>
+          <a:chExt cx="0" cy="0"/>
+        </a:xfrm>
+      </p:grpSpPr>
+      <p:sp>
+        <p:nvSpPr>
+          <p:cNvPr id="2" name="Title 1"/>
+          <p:cNvSpPr>
+            <a:spLocks noGrp="1"/>
+          </p:cNvSpPr>
+          <p:nvPr>
+            <p:ph type="title"/>
+          </p:nvPr>
+        </p:nvSpPr>
+        <p:spPr>
+          <a:xfrm>
+            <a:off x="931334" y="609600"/>
+            <a:ext cx="8094134" cy="3022600"/>
+          </a:xfrm>
+        </p:spPr>
+        <p:txBody>
+          <a:bodyPr anchor="ctr">
+            <a:normAutofit/>
+          </a:bodyPr>
+          <a:lstStyle>
+            <a:lvl1pPr algn="l">
+              <a:defRPr sz="4400" b="0" cap="none"/>
+            </a:lvl1pPr>
+          </a:lstStyle>
+          <a:p>
+            <a:r>
+              <a:rPr lang="en-US"/>
+              <a:t>Click to edit Master title style</a:t>
+            </a:r>
+            <a:endParaRPr lang="en-US" dirty="0"/>
+          </a:p>
+        </p:txBody>
+      </p:sp>
+      <p:sp>
+        <p:nvSpPr>
+          <p:cNvPr id="23" name="Text Placeholder 9"/>
+          <p:cNvSpPr>
+            <a:spLocks noGrp="1"/>
+          </p:cNvSpPr>
+          <p:nvPr>
+            <p:ph type="body" sz="quarter" idx="13"/>
+          </p:nvPr>
+        </p:nvSpPr>
+        <p:spPr>
+          <a:xfrm>
+            <a:off x="1366139" y="3632200"/>
+            <a:ext cx="7224524" cy="381000"/>
+          </a:xfrm>
+        </p:spPr>
+        <p:txBody>
+          <a:bodyPr anchor="ctr">
+            <a:noAutofit/>
+          </a:bodyPr>
+          <a:lstStyle>
+            <a:lvl1pPr marL="0" indent="0">
+              <a:buFontTx/>
+              <a:buNone/>
+              <a:defRPr sz="1600">
+                <a:solidFill>
+                  <a:schemeClr val="tx1">
+                    <a:lumMod val="50000"/>
+                    <a:lumOff val="50000"/>
+                  </a:schemeClr>
+                </a:solidFill>
+              </a:defRPr>
+            </a:lvl1pPr>
+            <a:lvl2pPr marL="457200" indent="0">
+              <a:buFontTx/>
+              <a:buNone/>
+              <a:defRPr/>
+            </a:lvl2pPr>
+            <a:lvl3pPr marL="914400" indent="0">
+              <a:buFontTx/>
+              <a:buNone/>
+              <a:defRPr/>
+            </a:lvl3pPr>
+            <a:lvl4pPr marL="1371600" indent="0">
+              <a:buFontTx/>
+              <a:buNone/>
+              <a:defRPr/>
+            </a:lvl4pPr>
+            <a:lvl5pPr marL="1828800" indent="0">
+              <a:buFontTx/>
+              <a:buNone/>
+              <a:defRPr/>
+            </a:lvl5pPr>
+          </a:lstStyle>
+          <a:p>
+            <a:pPr lvl="0"/>
+            <a:r>
+              <a:rPr lang="en-US"/>
+              <a:t>Edit Master text styles</a:t>
+            </a:r>
+          </a:p>
+        </p:txBody>
+      </p:sp>
+      <p:sp>
+        <p:nvSpPr>
+          <p:cNvPr id="3" name="Text Placeholder 2"/>
+          <p:cNvSpPr>
+            <a:spLocks noGrp="1"/>
+          </p:cNvSpPr>
+          <p:nvPr>
+            <p:ph type="body" idx="1"/>
+          </p:nvPr>
+        </p:nvSpPr>
+        <p:spPr>
+          <a:xfrm>
+            <a:off x="677335" y="4470400"/>
+            <a:ext cx="8596668" cy="1570962"/>
+          </a:xfrm>
+        </p:spPr>
+        <p:txBody>
+          <a:bodyPr anchor="ctr">
+            <a:normAutofit/>
+          </a:bodyPr>
+          <a:lstStyle>
+            <a:lvl1pPr marL="0" indent="0" algn="l">
+              <a:buNone/>
+              <a:defRPr sz="1800">
+                <a:solidFill>
+                  <a:schemeClr val="tx1">
+                    <a:lumMod val="75000"/>
+                    <a:lumOff val="25000"/>
+                  </a:schemeClr>
+                </a:solidFill>
+              </a:defRPr>
+            </a:lvl1pPr>
+            <a:lvl2pPr marL="457200" indent="0">
+              <a:buNone/>
+              <a:defRPr sz="1800">
+                <a:solidFill>
+                  <a:schemeClr val="tx1">
+                    <a:tint val="75000"/>
+                  </a:schemeClr>
+                </a:solidFill>
+              </a:defRPr>
+            </a:lvl2pPr>
+            <a:lvl3pPr marL="914400" indent="0">
+              <a:buNone/>
+              <a:defRPr sz="1600">
+                <a:solidFill>
+                  <a:schemeClr val="tx1">
+                    <a:tint val="75000"/>
+                  </a:schemeClr>
+                </a:solidFill>
+              </a:defRPr>
+            </a:lvl3pPr>
+            <a:lvl4pPr marL="1371600" indent="0">
+              <a:buNone/>
+              <a:defRPr sz="1400">
+                <a:solidFill>
+                  <a:schemeClr val="tx1">
+                    <a:tint val="75000"/>
+                  </a:schemeClr>
+                </a:solidFill>
+              </a:defRPr>
+            </a:lvl4pPr>
+            <a:lvl5pPr marL="1828800" indent="0">
+              <a:buNone/>
+              <a:defRPr sz="1400">
+                <a:solidFill>
+                  <a:schemeClr val="tx1">
+                    <a:tint val="75000"/>
+                  </a:schemeClr>
+                </a:solidFill>
+              </a:defRPr>
+            </a:lvl5pPr>
+            <a:lvl6pPr marL="2286000" indent="0">
+              <a:buNone/>
+              <a:defRPr sz="1400">
+                <a:solidFill>
+                  <a:schemeClr val="tx1">
+                    <a:tint val="75000"/>
+                  </a:schemeClr>
+                </a:solidFill>
+              </a:defRPr>
+            </a:lvl6pPr>
+            <a:lvl7pPr marL="2743200" indent="0">
+              <a:buNone/>
+              <a:defRPr sz="1400">
+                <a:solidFill>
+                  <a:schemeClr val="tx1">
+                    <a:tint val="75000"/>
+                  </a:schemeClr>
+                </a:solidFill>
+              </a:defRPr>
+            </a:lvl7pPr>
+            <a:lvl8pPr marL="3200400" indent="0">
+              <a:buNone/>
+              <a:defRPr sz="1400">
+                <a:solidFill>
+                  <a:schemeClr val="tx1">
+                    <a:tint val="75000"/>
+                  </a:schemeClr>
+                </a:solidFill>
+              </a:defRPr>
+            </a:lvl8pPr>
+            <a:lvl9pPr marL="3657600" indent="0">
+              <a:buNone/>
+              <a:defRPr sz="1400">
+                <a:solidFill>
+                  <a:schemeClr val="tx1">
+                    <a:tint val="75000"/>
+                  </a:schemeClr>
+                </a:solidFill>
+              </a:defRPr>
+            </a:lvl9pPr>
+          </a:lstStyle>
+          <a:p>
+            <a:pPr lvl="0"/>
+            <a:r>
+              <a:rPr lang="en-US"/>
+              <a:t>Edit Master text styles</a:t>
+            </a:r>
+          </a:p>
+        </p:txBody>
+      </p:sp>
+      <p:sp>
+        <p:nvSpPr>
+          <p:cNvPr id="4" name="Date Placeholder 3"/>
+          <p:cNvSpPr>
+            <a:spLocks noGrp="1"/>
+          </p:cNvSpPr>
+          <p:nvPr>
+            <p:ph type="dt" sz="half" idx="10"/>
+          </p:nvPr>
+        </p:nvSpPr>
+        <p:spPr/>
+        <p:txBody>
+          <a:bodyPr/>
+          <a:lstStyle/>
+          <a:p>
+            <a:fld id="{A8772C97-20F4-4C81-9859-95A3E31E8BE1}" type="datetimeFigureOut">
+              <a:rPr lang="en-US" smtClean="0"/>
+              <a:t>5/8/2020</a:t>
+            </a:fld>
+            <a:endParaRPr lang="en-US"/>
+          </a:p>
+        </p:txBody>
+      </p:sp>
+      <p:sp>
+        <p:nvSpPr>
+          <p:cNvPr id="5" name="Footer Placeholder 4"/>
+          <p:cNvSpPr>
+            <a:spLocks noGrp="1"/>
+          </p:cNvSpPr>
+          <p:nvPr>
+            <p:ph type="ftr" sz="quarter" idx="11"/>
+          </p:nvPr>
+        </p:nvSpPr>
+        <p:spPr/>
+        <p:txBody>
+          <a:bodyPr/>
+          <a:lstStyle/>
+          <a:p>
+            <a:endParaRPr lang="en-US"/>
+          </a:p>
+        </p:txBody>
+      </p:sp>
+      <p:sp>
+        <p:nvSpPr>
+          <p:cNvPr id="6" name="Slide Number Placeholder 5"/>
+          <p:cNvSpPr>
+            <a:spLocks noGrp="1"/>
+          </p:cNvSpPr>
+          <p:nvPr>
+            <p:ph type="sldNum" sz="quarter" idx="12"/>
+          </p:nvPr>
+        </p:nvSpPr>
+        <p:spPr/>
+        <p:txBody>
+          <a:bodyPr/>
+          <a:lstStyle/>
+          <a:p>
+            <a:fld id="{D43CD4D6-2C9A-4354-AC6C-6F2CC4FD8B9F}" type="slidenum">
+              <a:rPr lang="en-US" smtClean="0"/>
+              <a:t>‹#›</a:t>
+            </a:fld>
+            <a:endParaRPr lang="en-US"/>
+          </a:p>
+        </p:txBody>
+      </p:sp>
+      <p:sp>
+        <p:nvSpPr>
+          <p:cNvPr id="20" name="TextBox 19"/>
+          <p:cNvSpPr txBox="1"/>
+          <p:nvPr/>
+        </p:nvSpPr>
+        <p:spPr>
+          <a:xfrm>
+            <a:off x="541870" y="790378"/>
+            <a:ext cx="609600" cy="584776"/>
+          </a:xfrm>
+          <a:prstGeom prst="rect">
+            <a:avLst/>
+          </a:prstGeom>
+        </p:spPr>
+        <p:txBody>
+          <a:bodyPr vert="horz" lIns="91440" tIns="45720" rIns="91440" bIns="45720" rtlCol="0" anchor="ctr">
+            <a:noAutofit/>
+          </a:bodyPr>
+          <a:lstStyle/>
+          <a:p>
+            <a:pPr lvl="0"/>
+            <a:r>
+              <a:rPr lang="en-US" sz="8000" baseline="0" dirty="0">
+                <a:ln w="3175" cmpd="sng">
+                  <a:noFill/>
+                </a:ln>
+                <a:solidFill>
+                  <a:schemeClr val="accent1">
+                    <a:lumMod val="60000"/>
+                    <a:lumOff val="40000"/>
+                  </a:schemeClr>
+                </a:solidFill>
+                <a:effectLst/>
+                <a:latin typeface="Arial"/>
+              </a:rPr>
+              <a:t>“</a:t>
+            </a:r>
+          </a:p>
+        </p:txBody>
+      </p:sp>
+      <p:sp>
+        <p:nvSpPr>
+          <p:cNvPr id="22" name="TextBox 21"/>
+          <p:cNvSpPr txBox="1"/>
+          <p:nvPr/>
+        </p:nvSpPr>
+        <p:spPr>
+          <a:xfrm>
+            <a:off x="8893011" y="2886556"/>
+            <a:ext cx="609600" cy="584776"/>
+          </a:xfrm>
+          <a:prstGeom prst="rect">
+            <a:avLst/>
+          </a:prstGeom>
+        </p:spPr>
+        <p:txBody>
+          <a:bodyPr vert="horz" lIns="91440" tIns="45720" rIns="91440" bIns="45720" rtlCol="0" anchor="ctr">
+            <a:noAutofit/>
+          </a:bodyPr>
+          <a:lstStyle/>
+          <a:p>
+            <a:pPr lvl="0"/>
+            <a:r>
+              <a:rPr lang="en-US" sz="8000" baseline="0" dirty="0">
+                <a:ln w="3175" cmpd="sng">
+                  <a:noFill/>
+                </a:ln>
+                <a:solidFill>
+                  <a:schemeClr val="accent1">
+                    <a:lumMod val="60000"/>
+                    <a:lumOff val="40000"/>
+                  </a:schemeClr>
+                </a:solidFill>
+                <a:latin typeface="Arial"/>
+              </a:rPr>
+              <a:t>”</a:t>
+            </a:r>
+            <a:endParaRPr lang="en-US" dirty="0">
+              <a:solidFill>
+                <a:schemeClr val="accent1">
+                  <a:lumMod val="60000"/>
+                  <a:lumOff val="40000"/>
+                </a:schemeClr>
+              </a:solidFill>
+              <a:latin typeface="Arial"/>
+            </a:endParaRPr>
+          </a:p>
+        </p:txBody>
+      </p:sp>
+    </p:spTree>
+    <p:extLst>
+      <p:ext uri="{BB962C8B-B14F-4D97-AF65-F5344CB8AC3E}">
+        <p14:creationId xmlns:p14="http://schemas.microsoft.com/office/powerpoint/2010/main" val="1764987866"/>
+      </p:ext>
+    </p:extLst>
+  </p:cSld>
+  <p:clrMapOvr>
+    <a:masterClrMapping/>
+  </p:clrMapOvr>
+</p:sldLayout>
+</file>
+
+<file path=ppt/slideLayouts/slideLayout12.xml><?xml version="1.0" encoding="utf-8"?>
+<p:sldLayout xmlns:a="http://schemas.openxmlformats.org/drawingml/2006/main" xmlns:r="http://schemas.openxmlformats.org/officeDocument/2006/relationships" xmlns:p="http://schemas.openxmlformats.org/presentationml/2006/main" preserve="1">
+  <p:cSld name="Name Card">
+    <p:spTree>
+      <p:nvGrpSpPr>
+        <p:cNvPr id="1" name=""/>
+        <p:cNvGrpSpPr/>
+        <p:nvPr/>
+      </p:nvGrpSpPr>
+      <p:grpSpPr>
+        <a:xfrm>
+          <a:off x="0" y="0"/>
+          <a:ext cx="0" cy="0"/>
+          <a:chOff x="0" y="0"/>
+          <a:chExt cx="0" cy="0"/>
+        </a:xfrm>
+      </p:grpSpPr>
+      <p:sp>
+        <p:nvSpPr>
+          <p:cNvPr id="2" name="Title 1"/>
+          <p:cNvSpPr>
+            <a:spLocks noGrp="1"/>
+          </p:cNvSpPr>
+          <p:nvPr>
+            <p:ph type="title"/>
+          </p:nvPr>
+        </p:nvSpPr>
+        <p:spPr>
+          <a:xfrm>
+            <a:off x="677335" y="1931988"/>
+            <a:ext cx="8596668" cy="2595460"/>
+          </a:xfrm>
+        </p:spPr>
+        <p:txBody>
+          <a:bodyPr anchor="b">
+            <a:normAutofit/>
+          </a:bodyPr>
+          <a:lstStyle>
+            <a:lvl1pPr algn="l">
+              <a:defRPr sz="4400" b="0" cap="none"/>
+            </a:lvl1pPr>
+          </a:lstStyle>
+          <a:p>
+            <a:r>
+              <a:rPr lang="en-US"/>
+              <a:t>Click to edit Master title style</a:t>
+            </a:r>
+            <a:endParaRPr lang="en-US" dirty="0"/>
+          </a:p>
+        </p:txBody>
+      </p:sp>
+      <p:sp>
+        <p:nvSpPr>
+          <p:cNvPr id="3" name="Text Placeholder 2"/>
+          <p:cNvSpPr>
+            <a:spLocks noGrp="1"/>
+          </p:cNvSpPr>
+          <p:nvPr>
+            <p:ph type="body" idx="1"/>
+          </p:nvPr>
+        </p:nvSpPr>
+        <p:spPr>
+          <a:xfrm>
+            <a:off x="677335" y="4527448"/>
+            <a:ext cx="8596668" cy="1513914"/>
+          </a:xfrm>
+        </p:spPr>
+        <p:txBody>
+          <a:bodyPr anchor="t">
+            <a:normAutofit/>
+          </a:bodyPr>
+          <a:lstStyle>
+            <a:lvl1pPr marL="0" indent="0" algn="l">
+              <a:buNone/>
+              <a:defRPr sz="1800">
+                <a:solidFill>
+                  <a:schemeClr val="tx1">
+                    <a:lumMod val="75000"/>
+                    <a:lumOff val="25000"/>
+                  </a:schemeClr>
+                </a:solidFill>
+              </a:defRPr>
+            </a:lvl1pPr>
+            <a:lvl2pPr marL="457200" indent="0">
+              <a:buNone/>
+              <a:defRPr sz="1800">
+                <a:solidFill>
+                  <a:schemeClr val="tx1">
+                    <a:tint val="75000"/>
+                  </a:schemeClr>
+                </a:solidFill>
+              </a:defRPr>
+            </a:lvl2pPr>
+            <a:lvl3pPr marL="914400" indent="0">
+              <a:buNone/>
+              <a:defRPr sz="1600">
+                <a:solidFill>
+                  <a:schemeClr val="tx1">
+                    <a:tint val="75000"/>
+                  </a:schemeClr>
+                </a:solidFill>
+              </a:defRPr>
+            </a:lvl3pPr>
+            <a:lvl4pPr marL="1371600" indent="0">
+              <a:buNone/>
+              <a:defRPr sz="1400">
+                <a:solidFill>
+                  <a:schemeClr val="tx1">
+                    <a:tint val="75000"/>
+                  </a:schemeClr>
+                </a:solidFill>
+              </a:defRPr>
+            </a:lvl4pPr>
+            <a:lvl5pPr marL="1828800" indent="0">
+              <a:buNone/>
+              <a:defRPr sz="1400">
+                <a:solidFill>
+                  <a:schemeClr val="tx1">
+                    <a:tint val="75000"/>
+                  </a:schemeClr>
+                </a:solidFill>
+              </a:defRPr>
+            </a:lvl5pPr>
+            <a:lvl6pPr marL="2286000" indent="0">
+              <a:buNone/>
+              <a:defRPr sz="1400">
+                <a:solidFill>
+                  <a:schemeClr val="tx1">
+                    <a:tint val="75000"/>
+                  </a:schemeClr>
+                </a:solidFill>
+              </a:defRPr>
+            </a:lvl6pPr>
+            <a:lvl7pPr marL="2743200" indent="0">
+              <a:buNone/>
+              <a:defRPr sz="1400">
+                <a:solidFill>
+                  <a:schemeClr val="tx1">
+                    <a:tint val="75000"/>
+                  </a:schemeClr>
+                </a:solidFill>
+              </a:defRPr>
+            </a:lvl7pPr>
+            <a:lvl8pPr marL="3200400" indent="0">
+              <a:buNone/>
+              <a:defRPr sz="1400">
+                <a:solidFill>
+                  <a:schemeClr val="tx1">
+                    <a:tint val="75000"/>
+                  </a:schemeClr>
+                </a:solidFill>
+              </a:defRPr>
+            </a:lvl8pPr>
+            <a:lvl9pPr marL="3657600" indent="0">
+              <a:buNone/>
+              <a:defRPr sz="1400">
+                <a:solidFill>
+                  <a:schemeClr val="tx1">
+                    <a:tint val="75000"/>
+                  </a:schemeClr>
+                </a:solidFill>
+              </a:defRPr>
+            </a:lvl9pPr>
+          </a:lstStyle>
+          <a:p>
+            <a:pPr lvl="0"/>
+            <a:r>
+              <a:rPr lang="en-US"/>
+              <a:t>Edit Master text styles</a:t>
+            </a:r>
+          </a:p>
+        </p:txBody>
+      </p:sp>
+      <p:sp>
+        <p:nvSpPr>
+          <p:cNvPr id="4" name="Date Placeholder 3"/>
+          <p:cNvSpPr>
+            <a:spLocks noGrp="1"/>
+          </p:cNvSpPr>
+          <p:nvPr>
+            <p:ph type="dt" sz="half" idx="10"/>
+          </p:nvPr>
+        </p:nvSpPr>
+        <p:spPr/>
+        <p:txBody>
+          <a:bodyPr/>
+          <a:lstStyle/>
+          <a:p>
+            <a:fld id="{A8772C97-20F4-4C81-9859-95A3E31E8BE1}" type="datetimeFigureOut">
+              <a:rPr lang="en-US" smtClean="0"/>
+              <a:t>5/8/2020</a:t>
+            </a:fld>
+            <a:endParaRPr lang="en-US"/>
+          </a:p>
+        </p:txBody>
+      </p:sp>
+      <p:sp>
+        <p:nvSpPr>
+          <p:cNvPr id="5" name="Footer Placeholder 4"/>
+          <p:cNvSpPr>
+            <a:spLocks noGrp="1"/>
+          </p:cNvSpPr>
+          <p:nvPr>
+            <p:ph type="ftr" sz="quarter" idx="11"/>
+          </p:nvPr>
+        </p:nvSpPr>
+        <p:spPr/>
+        <p:txBody>
+          <a:bodyPr/>
+          <a:lstStyle/>
+          <a:p>
+            <a:endParaRPr lang="en-US"/>
+          </a:p>
+        </p:txBody>
+      </p:sp>
+      <p:sp>
+        <p:nvSpPr>
+          <p:cNvPr id="6" name="Slide Number Placeholder 5"/>
+          <p:cNvSpPr>
+            <a:spLocks noGrp="1"/>
+          </p:cNvSpPr>
+          <p:nvPr>
+            <p:ph type="sldNum" sz="quarter" idx="12"/>
+          </p:nvPr>
+        </p:nvSpPr>
+        <p:spPr/>
+        <p:txBody>
+          <a:bodyPr/>
+          <a:lstStyle/>
+          <a:p>
+            <a:fld id="{D43CD4D6-2C9A-4354-AC6C-6F2CC4FD8B9F}" type="slidenum">
+              <a:rPr lang="en-US" smtClean="0"/>
+              <a:t>‹#›</a:t>
+            </a:fld>
+            <a:endParaRPr lang="en-US"/>
+          </a:p>
+        </p:txBody>
+      </p:sp>
+    </p:spTree>
+    <p:extLst>
+      <p:ext uri="{BB962C8B-B14F-4D97-AF65-F5344CB8AC3E}">
+        <p14:creationId xmlns:p14="http://schemas.microsoft.com/office/powerpoint/2010/main" val="2593195690"/>
+      </p:ext>
+    </p:extLst>
+  </p:cSld>
+  <p:clrMapOvr>
+    <a:masterClrMapping/>
+  </p:clrMapOvr>
+</p:sldLayout>
+</file>
+
+<file path=ppt/slideLayouts/slideLayout13.xml><?xml version="1.0" encoding="utf-8"?>
+<p:sldLayout xmlns:a="http://schemas.openxmlformats.org/drawingml/2006/main" xmlns:r="http://schemas.openxmlformats.org/officeDocument/2006/relationships" xmlns:p="http://schemas.openxmlformats.org/presentationml/2006/main" preserve="1">
+  <p:cSld name="Quote Name Card">
+    <p:spTree>
+      <p:nvGrpSpPr>
+        <p:cNvPr id="1" name=""/>
+        <p:cNvGrpSpPr/>
+        <p:nvPr/>
+      </p:nvGrpSpPr>
+      <p:grpSpPr>
+        <a:xfrm>
+          <a:off x="0" y="0"/>
+          <a:ext cx="0" cy="0"/>
+          <a:chOff x="0" y="0"/>
+          <a:chExt cx="0" cy="0"/>
+        </a:xfrm>
+      </p:grpSpPr>
+      <p:sp>
+        <p:nvSpPr>
+          <p:cNvPr id="2" name="Title 1"/>
+          <p:cNvSpPr>
+            <a:spLocks noGrp="1"/>
+          </p:cNvSpPr>
+          <p:nvPr>
+            <p:ph type="title"/>
+          </p:nvPr>
+        </p:nvSpPr>
+        <p:spPr>
+          <a:xfrm>
+            <a:off x="931334" y="609600"/>
+            <a:ext cx="8094134" cy="3022600"/>
+          </a:xfrm>
+        </p:spPr>
+        <p:txBody>
+          <a:bodyPr anchor="ctr">
+            <a:normAutofit/>
+          </a:bodyPr>
+          <a:lstStyle>
+            <a:lvl1pPr algn="l">
+              <a:defRPr sz="4400" b="0" cap="none"/>
+            </a:lvl1pPr>
+          </a:lstStyle>
+          <a:p>
+            <a:r>
+              <a:rPr lang="en-US"/>
+              <a:t>Click to edit Master title style</a:t>
+            </a:r>
+            <a:endParaRPr lang="en-US" dirty="0"/>
+          </a:p>
+        </p:txBody>
+      </p:sp>
+      <p:sp>
+        <p:nvSpPr>
+          <p:cNvPr id="23" name="Text Placeholder 9"/>
+          <p:cNvSpPr>
+            <a:spLocks noGrp="1"/>
+          </p:cNvSpPr>
+          <p:nvPr>
+            <p:ph type="body" sz="quarter" idx="13"/>
+          </p:nvPr>
+        </p:nvSpPr>
+        <p:spPr>
+          <a:xfrm>
+            <a:off x="677332" y="4013200"/>
+            <a:ext cx="8596669" cy="514248"/>
+          </a:xfrm>
+        </p:spPr>
+        <p:txBody>
+          <a:bodyPr anchor="b">
+            <a:noAutofit/>
+          </a:bodyPr>
+          <a:lstStyle>
+            <a:lvl1pPr marL="0" indent="0">
+              <a:buFontTx/>
+              <a:buNone/>
+              <a:defRPr sz="2400">
+                <a:solidFill>
+                  <a:schemeClr val="tx1">
+                    <a:lumMod val="75000"/>
+                    <a:lumOff val="25000"/>
+                  </a:schemeClr>
+                </a:solidFill>
+              </a:defRPr>
+            </a:lvl1pPr>
+            <a:lvl2pPr marL="457200" indent="0">
+              <a:buFontTx/>
+              <a:buNone/>
+              <a:defRPr/>
+            </a:lvl2pPr>
+            <a:lvl3pPr marL="914400" indent="0">
+              <a:buFontTx/>
+              <a:buNone/>
+              <a:defRPr/>
+            </a:lvl3pPr>
+            <a:lvl4pPr marL="1371600" indent="0">
+              <a:buFontTx/>
+              <a:buNone/>
+              <a:defRPr/>
+            </a:lvl4pPr>
+            <a:lvl5pPr marL="1828800" indent="0">
+              <a:buFontTx/>
+              <a:buNone/>
+              <a:defRPr/>
+            </a:lvl5pPr>
+          </a:lstStyle>
+          <a:p>
+            <a:pPr lvl="0"/>
+            <a:r>
+              <a:rPr lang="en-US"/>
+              <a:t>Edit Master text styles</a:t>
+            </a:r>
+          </a:p>
+        </p:txBody>
+      </p:sp>
+      <p:sp>
+        <p:nvSpPr>
+          <p:cNvPr id="3" name="Text Placeholder 2"/>
+          <p:cNvSpPr>
+            <a:spLocks noGrp="1"/>
+          </p:cNvSpPr>
+          <p:nvPr>
+            <p:ph type="body" idx="1"/>
+          </p:nvPr>
+        </p:nvSpPr>
+        <p:spPr>
+          <a:xfrm>
+            <a:off x="677335" y="4527448"/>
+            <a:ext cx="8596668" cy="1513914"/>
+          </a:xfrm>
+        </p:spPr>
+        <p:txBody>
+          <a:bodyPr anchor="t">
+            <a:normAutofit/>
+          </a:bodyPr>
+          <a:lstStyle>
+            <a:lvl1pPr marL="0" indent="0" algn="l">
+              <a:buNone/>
+              <a:defRPr sz="1800">
+                <a:solidFill>
+                  <a:schemeClr val="tx1">
+                    <a:lumMod val="50000"/>
+                    <a:lumOff val="50000"/>
+                  </a:schemeClr>
+                </a:solidFill>
+              </a:defRPr>
+            </a:lvl1pPr>
+            <a:lvl2pPr marL="457200" indent="0">
+              <a:buNone/>
+              <a:defRPr sz="1800">
+                <a:solidFill>
+                  <a:schemeClr val="tx1">
+                    <a:tint val="75000"/>
+                  </a:schemeClr>
+                </a:solidFill>
+              </a:defRPr>
+            </a:lvl2pPr>
+            <a:lvl3pPr marL="914400" indent="0">
+              <a:buNone/>
+              <a:defRPr sz="1600">
+                <a:solidFill>
+                  <a:schemeClr val="tx1">
+                    <a:tint val="75000"/>
+                  </a:schemeClr>
+                </a:solidFill>
+              </a:defRPr>
+            </a:lvl3pPr>
+            <a:lvl4pPr marL="1371600" indent="0">
+              <a:buNone/>
+              <a:defRPr sz="1400">
+                <a:solidFill>
+                  <a:schemeClr val="tx1">
+                    <a:tint val="75000"/>
+                  </a:schemeClr>
+                </a:solidFill>
+              </a:defRPr>
+            </a:lvl4pPr>
+            <a:lvl5pPr marL="1828800" indent="0">
+              <a:buNone/>
+              <a:defRPr sz="1400">
+                <a:solidFill>
+                  <a:schemeClr val="tx1">
+                    <a:tint val="75000"/>
+                  </a:schemeClr>
+                </a:solidFill>
+              </a:defRPr>
+            </a:lvl5pPr>
+            <a:lvl6pPr marL="2286000" indent="0">
+              <a:buNone/>
+              <a:defRPr sz="1400">
+                <a:solidFill>
+                  <a:schemeClr val="tx1">
+                    <a:tint val="75000"/>
+                  </a:schemeClr>
+                </a:solidFill>
+              </a:defRPr>
+            </a:lvl6pPr>
+            <a:lvl7pPr marL="2743200" indent="0">
+              <a:buNone/>
+              <a:defRPr sz="1400">
+                <a:solidFill>
+                  <a:schemeClr val="tx1">
+                    <a:tint val="75000"/>
+                  </a:schemeClr>
+                </a:solidFill>
+              </a:defRPr>
+            </a:lvl7pPr>
+            <a:lvl8pPr marL="3200400" indent="0">
+              <a:buNone/>
+              <a:defRPr sz="1400">
+                <a:solidFill>
+                  <a:schemeClr val="tx1">
+                    <a:tint val="75000"/>
+                  </a:schemeClr>
+                </a:solidFill>
+              </a:defRPr>
+            </a:lvl8pPr>
+            <a:lvl9pPr marL="3657600" indent="0">
+              <a:buNone/>
+              <a:defRPr sz="1400">
+                <a:solidFill>
+                  <a:schemeClr val="tx1">
+                    <a:tint val="75000"/>
+                  </a:schemeClr>
+                </a:solidFill>
+              </a:defRPr>
+            </a:lvl9pPr>
+          </a:lstStyle>
+          <a:p>
+            <a:pPr lvl="0"/>
+            <a:r>
+              <a:rPr lang="en-US"/>
+              <a:t>Edit Master text styles</a:t>
+            </a:r>
+          </a:p>
+        </p:txBody>
+      </p:sp>
+      <p:sp>
+        <p:nvSpPr>
+          <p:cNvPr id="4" name="Date Placeholder 3"/>
+          <p:cNvSpPr>
+            <a:spLocks noGrp="1"/>
+          </p:cNvSpPr>
+          <p:nvPr>
+            <p:ph type="dt" sz="half" idx="10"/>
+          </p:nvPr>
+        </p:nvSpPr>
+        <p:spPr/>
+        <p:txBody>
+          <a:bodyPr/>
+          <a:lstStyle/>
+          <a:p>
+            <a:fld id="{A8772C97-20F4-4C81-9859-95A3E31E8BE1}" type="datetimeFigureOut">
+              <a:rPr lang="en-US" smtClean="0"/>
+              <a:t>5/8/2020</a:t>
+            </a:fld>
+            <a:endParaRPr lang="en-US"/>
+          </a:p>
+        </p:txBody>
+      </p:sp>
+      <p:sp>
+        <p:nvSpPr>
+          <p:cNvPr id="5" name="Footer Placeholder 4"/>
+          <p:cNvSpPr>
+            <a:spLocks noGrp="1"/>
+          </p:cNvSpPr>
+          <p:nvPr>
+            <p:ph type="ftr" sz="quarter" idx="11"/>
+          </p:nvPr>
+        </p:nvSpPr>
+        <p:spPr/>
+        <p:txBody>
+          <a:bodyPr/>
+          <a:lstStyle/>
+          <a:p>
+            <a:endParaRPr lang="en-US"/>
+          </a:p>
+        </p:txBody>
+      </p:sp>
+      <p:sp>
+        <p:nvSpPr>
+          <p:cNvPr id="6" name="Slide Number Placeholder 5"/>
+          <p:cNvSpPr>
+            <a:spLocks noGrp="1"/>
+          </p:cNvSpPr>
+          <p:nvPr>
+            <p:ph type="sldNum" sz="quarter" idx="12"/>
+          </p:nvPr>
+        </p:nvSpPr>
+        <p:spPr/>
+        <p:txBody>
+          <a:bodyPr/>
+          <a:lstStyle/>
+          <a:p>
+            <a:fld id="{D43CD4D6-2C9A-4354-AC6C-6F2CC4FD8B9F}" type="slidenum">
+              <a:rPr lang="en-US" smtClean="0"/>
+              <a:t>‹#›</a:t>
+            </a:fld>
+            <a:endParaRPr lang="en-US"/>
+          </a:p>
+        </p:txBody>
+      </p:sp>
+      <p:sp>
+        <p:nvSpPr>
+          <p:cNvPr id="24" name="TextBox 23"/>
+          <p:cNvSpPr txBox="1"/>
+          <p:nvPr/>
+        </p:nvSpPr>
+        <p:spPr>
+          <a:xfrm>
+            <a:off x="541870" y="790378"/>
+            <a:ext cx="609600" cy="584776"/>
+          </a:xfrm>
+          <a:prstGeom prst="rect">
+            <a:avLst/>
+          </a:prstGeom>
+        </p:spPr>
+        <p:txBody>
+          <a:bodyPr vert="horz" lIns="91440" tIns="45720" rIns="91440" bIns="45720" rtlCol="0" anchor="ctr">
+            <a:noAutofit/>
+          </a:bodyPr>
+          <a:lstStyle/>
+          <a:p>
+            <a:pPr lvl="0"/>
+            <a:r>
+              <a:rPr lang="en-US" sz="8000" baseline="0" dirty="0">
+                <a:ln w="3175" cmpd="sng">
+                  <a:noFill/>
+                </a:ln>
+                <a:solidFill>
+                  <a:schemeClr val="accent1">
+                    <a:lumMod val="60000"/>
+                    <a:lumOff val="40000"/>
+                  </a:schemeClr>
+                </a:solidFill>
+                <a:effectLst/>
+                <a:latin typeface="Arial"/>
+              </a:rPr>
+              <a:t>“</a:t>
+            </a:r>
+          </a:p>
+        </p:txBody>
+      </p:sp>
+      <p:sp>
+        <p:nvSpPr>
+          <p:cNvPr id="25" name="TextBox 24"/>
+          <p:cNvSpPr txBox="1"/>
+          <p:nvPr/>
+        </p:nvSpPr>
+        <p:spPr>
+          <a:xfrm>
+            <a:off x="8893011" y="2886556"/>
+            <a:ext cx="609600" cy="584776"/>
+          </a:xfrm>
+          <a:prstGeom prst="rect">
+            <a:avLst/>
+          </a:prstGeom>
+        </p:spPr>
+        <p:txBody>
+          <a:bodyPr vert="horz" lIns="91440" tIns="45720" rIns="91440" bIns="45720" rtlCol="0" anchor="ctr">
+            <a:noAutofit/>
+          </a:bodyPr>
+          <a:lstStyle/>
+          <a:p>
+            <a:pPr lvl="0"/>
+            <a:r>
+              <a:rPr lang="en-US" sz="8000" baseline="0" dirty="0">
+                <a:ln w="3175" cmpd="sng">
+                  <a:noFill/>
+                </a:ln>
+                <a:solidFill>
+                  <a:schemeClr val="accent1">
+                    <a:lumMod val="60000"/>
+                    <a:lumOff val="40000"/>
+                  </a:schemeClr>
+                </a:solidFill>
+                <a:effectLst/>
+                <a:latin typeface="Arial"/>
+              </a:rPr>
+              <a:t>”</a:t>
+            </a:r>
+          </a:p>
+        </p:txBody>
+      </p:sp>
+    </p:spTree>
+    <p:extLst>
+      <p:ext uri="{BB962C8B-B14F-4D97-AF65-F5344CB8AC3E}">
+        <p14:creationId xmlns:p14="http://schemas.microsoft.com/office/powerpoint/2010/main" val="470041001"/>
+      </p:ext>
+    </p:extLst>
+  </p:cSld>
+  <p:clrMapOvr>
+    <a:masterClrMapping/>
+  </p:clrMapOvr>
+</p:sldLayout>
+</file>
+
+<file path=ppt/slideLayouts/slideLayout14.xml><?xml version="1.0" encoding="utf-8"?>
+<p:sldLayout xmlns:a="http://schemas.openxmlformats.org/drawingml/2006/main" xmlns:r="http://schemas.openxmlformats.org/officeDocument/2006/relationships" xmlns:p="http://schemas.openxmlformats.org/presentationml/2006/main" preserve="1">
+  <p:cSld name="True or False">
+    <p:spTree>
+      <p:nvGrpSpPr>
+        <p:cNvPr id="1" name=""/>
+        <p:cNvGrpSpPr/>
+        <p:nvPr/>
+      </p:nvGrpSpPr>
+      <p:grpSpPr>
+        <a:xfrm>
+          <a:off x="0" y="0"/>
+          <a:ext cx="0" cy="0"/>
+          <a:chOff x="0" y="0"/>
+          <a:chExt cx="0" cy="0"/>
+        </a:xfrm>
+      </p:grpSpPr>
+      <p:sp>
+        <p:nvSpPr>
+          <p:cNvPr id="2" name="Title 1"/>
+          <p:cNvSpPr>
+            <a:spLocks noGrp="1"/>
+          </p:cNvSpPr>
+          <p:nvPr>
+            <p:ph type="title"/>
+          </p:nvPr>
+        </p:nvSpPr>
+        <p:spPr>
+          <a:xfrm>
+            <a:off x="685799" y="609600"/>
+            <a:ext cx="8588203" cy="3022600"/>
+          </a:xfrm>
+        </p:spPr>
+        <p:txBody>
+          <a:bodyPr anchor="ctr">
+            <a:normAutofit/>
+          </a:bodyPr>
+          <a:lstStyle>
+            <a:lvl1pPr algn="l">
+              <a:defRPr sz="4400" b="0" cap="none"/>
+            </a:lvl1pPr>
+          </a:lstStyle>
+          <a:p>
+            <a:r>
+              <a:rPr lang="en-US"/>
+              <a:t>Click to edit Master title style</a:t>
+            </a:r>
+            <a:endParaRPr lang="en-US" dirty="0"/>
+          </a:p>
+        </p:txBody>
+      </p:sp>
+      <p:sp>
+        <p:nvSpPr>
+          <p:cNvPr id="23" name="Text Placeholder 9"/>
+          <p:cNvSpPr>
+            <a:spLocks noGrp="1"/>
+          </p:cNvSpPr>
+          <p:nvPr>
+            <p:ph type="body" sz="quarter" idx="13"/>
+          </p:nvPr>
+        </p:nvSpPr>
+        <p:spPr>
+          <a:xfrm>
+            <a:off x="677332" y="4013200"/>
+            <a:ext cx="8596669" cy="514248"/>
+          </a:xfrm>
+        </p:spPr>
+        <p:txBody>
+          <a:bodyPr anchor="b">
+            <a:noAutofit/>
+          </a:bodyPr>
+          <a:lstStyle>
+            <a:lvl1pPr marL="0" indent="0">
+              <a:buFontTx/>
+              <a:buNone/>
+              <a:defRPr sz="2400">
+                <a:solidFill>
+                  <a:schemeClr val="accent1"/>
+                </a:solidFill>
+              </a:defRPr>
+            </a:lvl1pPr>
+            <a:lvl2pPr marL="457200" indent="0">
+              <a:buFontTx/>
+              <a:buNone/>
+              <a:defRPr/>
+            </a:lvl2pPr>
+            <a:lvl3pPr marL="914400" indent="0">
+              <a:buFontTx/>
+              <a:buNone/>
+              <a:defRPr/>
+            </a:lvl3pPr>
+            <a:lvl4pPr marL="1371600" indent="0">
+              <a:buFontTx/>
+              <a:buNone/>
+              <a:defRPr/>
+            </a:lvl4pPr>
+            <a:lvl5pPr marL="1828800" indent="0">
+              <a:buFontTx/>
+              <a:buNone/>
+              <a:defRPr/>
+            </a:lvl5pPr>
+          </a:lstStyle>
+          <a:p>
+            <a:pPr lvl="0"/>
+            <a:r>
+              <a:rPr lang="en-US"/>
+              <a:t>Edit Master text styles</a:t>
+            </a:r>
+          </a:p>
+        </p:txBody>
+      </p:sp>
+      <p:sp>
+        <p:nvSpPr>
+          <p:cNvPr id="3" name="Text Placeholder 2"/>
+          <p:cNvSpPr>
+            <a:spLocks noGrp="1"/>
+          </p:cNvSpPr>
+          <p:nvPr>
+            <p:ph type="body" idx="1"/>
+          </p:nvPr>
+        </p:nvSpPr>
+        <p:spPr>
+          <a:xfrm>
+            <a:off x="677335" y="4527448"/>
+            <a:ext cx="8596668" cy="1513914"/>
+          </a:xfrm>
+        </p:spPr>
+        <p:txBody>
+          <a:bodyPr anchor="t">
+            <a:normAutofit/>
+          </a:bodyPr>
+          <a:lstStyle>
+            <a:lvl1pPr marL="0" indent="0" algn="l">
+              <a:buNone/>
+              <a:defRPr sz="1800">
+                <a:solidFill>
+                  <a:schemeClr val="tx1">
+                    <a:lumMod val="50000"/>
+                    <a:lumOff val="50000"/>
+                  </a:schemeClr>
+                </a:solidFill>
+              </a:defRPr>
+            </a:lvl1pPr>
+            <a:lvl2pPr marL="457200" indent="0">
+              <a:buNone/>
+              <a:defRPr sz="1800">
+                <a:solidFill>
+                  <a:schemeClr val="tx1">
+                    <a:tint val="75000"/>
+                  </a:schemeClr>
+                </a:solidFill>
+              </a:defRPr>
+            </a:lvl2pPr>
+            <a:lvl3pPr marL="914400" indent="0">
+              <a:buNone/>
+              <a:defRPr sz="1600">
+                <a:solidFill>
+                  <a:schemeClr val="tx1">
+                    <a:tint val="75000"/>
+                  </a:schemeClr>
+                </a:solidFill>
+              </a:defRPr>
+            </a:lvl3pPr>
+            <a:lvl4pPr marL="1371600" indent="0">
+              <a:buNone/>
+              <a:defRPr sz="1400">
+                <a:solidFill>
+                  <a:schemeClr val="tx1">
+                    <a:tint val="75000"/>
+                  </a:schemeClr>
+                </a:solidFill>
+              </a:defRPr>
+            </a:lvl4pPr>
+            <a:lvl5pPr marL="1828800" indent="0">
+              <a:buNone/>
+              <a:defRPr sz="1400">
+                <a:solidFill>
+                  <a:schemeClr val="tx1">
+                    <a:tint val="75000"/>
+                  </a:schemeClr>
+                </a:solidFill>
+              </a:defRPr>
+            </a:lvl5pPr>
+            <a:lvl6pPr marL="2286000" indent="0">
+              <a:buNone/>
+              <a:defRPr sz="1400">
+                <a:solidFill>
+                  <a:schemeClr val="tx1">
+                    <a:tint val="75000"/>
+                  </a:schemeClr>
+                </a:solidFill>
+              </a:defRPr>
+            </a:lvl6pPr>
+            <a:lvl7pPr marL="2743200" indent="0">
+              <a:buNone/>
+              <a:defRPr sz="1400">
+                <a:solidFill>
+                  <a:schemeClr val="tx1">
+                    <a:tint val="75000"/>
+                  </a:schemeClr>
+                </a:solidFill>
+              </a:defRPr>
+            </a:lvl7pPr>
+            <a:lvl8pPr marL="3200400" indent="0">
+              <a:buNone/>
+              <a:defRPr sz="1400">
+                <a:solidFill>
+                  <a:schemeClr val="tx1">
+                    <a:tint val="75000"/>
+                  </a:schemeClr>
+                </a:solidFill>
+              </a:defRPr>
+            </a:lvl8pPr>
+            <a:lvl9pPr marL="3657600" indent="0">
+              <a:buNone/>
+              <a:defRPr sz="1400">
+                <a:solidFill>
+                  <a:schemeClr val="tx1">
+                    <a:tint val="75000"/>
+                  </a:schemeClr>
+                </a:solidFill>
+              </a:defRPr>
+            </a:lvl9pPr>
+          </a:lstStyle>
+          <a:p>
+            <a:pPr lvl="0"/>
+            <a:r>
+              <a:rPr lang="en-US"/>
+              <a:t>Edit Master text styles</a:t>
+            </a:r>
+          </a:p>
+        </p:txBody>
+      </p:sp>
+      <p:sp>
+        <p:nvSpPr>
+          <p:cNvPr id="4" name="Date Placeholder 3"/>
+          <p:cNvSpPr>
+            <a:spLocks noGrp="1"/>
+          </p:cNvSpPr>
+          <p:nvPr>
+            <p:ph type="dt" sz="half" idx="10"/>
+          </p:nvPr>
+        </p:nvSpPr>
+        <p:spPr/>
+        <p:txBody>
+          <a:bodyPr/>
+          <a:lstStyle/>
+          <a:p>
+            <a:fld id="{A8772C97-20F4-4C81-9859-95A3E31E8BE1}" type="datetimeFigureOut">
+              <a:rPr lang="en-US" smtClean="0"/>
+              <a:t>5/8/2020</a:t>
+            </a:fld>
+            <a:endParaRPr lang="en-US"/>
+          </a:p>
+        </p:txBody>
+      </p:sp>
+      <p:sp>
+        <p:nvSpPr>
+          <p:cNvPr id="5" name="Footer Placeholder 4"/>
+          <p:cNvSpPr>
+            <a:spLocks noGrp="1"/>
+          </p:cNvSpPr>
+          <p:nvPr>
+            <p:ph type="ftr" sz="quarter" idx="11"/>
+          </p:nvPr>
+        </p:nvSpPr>
+        <p:spPr/>
+        <p:txBody>
+          <a:bodyPr/>
+          <a:lstStyle/>
+          <a:p>
+            <a:endParaRPr lang="en-US"/>
+          </a:p>
+        </p:txBody>
+      </p:sp>
+      <p:sp>
+        <p:nvSpPr>
+          <p:cNvPr id="6" name="Slide Number Placeholder 5"/>
+          <p:cNvSpPr>
+            <a:spLocks noGrp="1"/>
+          </p:cNvSpPr>
+          <p:nvPr>
+            <p:ph type="sldNum" sz="quarter" idx="12"/>
+          </p:nvPr>
+        </p:nvSpPr>
+        <p:spPr/>
+        <p:txBody>
+          <a:bodyPr/>
+          <a:lstStyle/>
+          <a:p>
+            <a:fld id="{D43CD4D6-2C9A-4354-AC6C-6F2CC4FD8B9F}" type="slidenum">
+              <a:rPr lang="en-US" smtClean="0"/>
+              <a:t>‹#›</a:t>
+            </a:fld>
+            <a:endParaRPr lang="en-US"/>
+          </a:p>
+        </p:txBody>
+      </p:sp>
+    </p:spTree>
+    <p:extLst>
+      <p:ext uri="{BB962C8B-B14F-4D97-AF65-F5344CB8AC3E}">
+        <p14:creationId xmlns:p14="http://schemas.microsoft.com/office/powerpoint/2010/main" val="1676392057"/>
+      </p:ext>
+    </p:extLst>
+  </p:cSld>
+  <p:clrMapOvr>
+    <a:masterClrMapping/>
+  </p:clrMapOvr>
+</p:sldLayout>
+</file>
+
+<file path=ppt/slideLayouts/slideLayout15.xml><?xml version="1.0" encoding="utf-8"?>
 <p:sldLayout xmlns:a="http://schemas.openxmlformats.org/drawingml/2006/main" xmlns:r="http://schemas.openxmlformats.org/officeDocument/2006/relationships" xmlns:p="http://schemas.openxmlformats.org/presentationml/2006/main" type="vertTx" preserve="1">
   <p:cSld name="Title and Vertical Text">
     <p:spTree>
@@ -356,13 +2532,7 @@
       </p:grpSpPr>
       <p:sp>
         <p:nvSpPr>
-          <p:cNvPr id="2" name="Title 1">
-            <a:extLst>
-              <a:ext uri="{FF2B5EF4-FFF2-40B4-BE49-F238E27FC236}">
-                <a16:creationId xmlns:a16="http://schemas.microsoft.com/office/drawing/2014/main" id="{049CCB42-8221-4932-BC4B-368E2E03F823}"/>
-              </a:ext>
-            </a:extLst>
-          </p:cNvPr>
+          <p:cNvPr id="2" name="Title 1"/>
           <p:cNvSpPr>
             <a:spLocks noGrp="1"/>
           </p:cNvSpPr>
@@ -379,18 +2549,13 @@
               <a:rPr lang="en-US"/>
               <a:t>Click to edit Master title style</a:t>
             </a:r>
-          </a:p>
-        </p:txBody>
-      </p:sp>
-      <p:sp>
-        <p:nvSpPr>
-          <p:cNvPr id="3" name="Vertical Text Placeholder 2">
-            <a:extLst>
-              <a:ext uri="{FF2B5EF4-FFF2-40B4-BE49-F238E27FC236}">
-                <a16:creationId xmlns:a16="http://schemas.microsoft.com/office/drawing/2014/main" id="{1BCBD4AF-CC33-4F18-BC83-0D460BA1E8D4}"/>
-              </a:ext>
-            </a:extLst>
-          </p:cNvPr>
+            <a:endParaRPr lang="en-US" dirty="0"/>
+          </a:p>
+        </p:txBody>
+      </p:sp>
+      <p:sp>
+        <p:nvSpPr>
+          <p:cNvPr id="3" name="Vertical Text Placeholder 2"/>
           <p:cNvSpPr>
             <a:spLocks noGrp="1"/>
           </p:cNvSpPr>
@@ -406,7 +2571,7 @@
             <a:pPr lvl="0"/>
             <a:r>
               <a:rPr lang="en-US"/>
-              <a:t>Click to edit Master text styles</a:t>
+              <a:t>Edit Master text styles</a:t>
             </a:r>
           </a:p>
           <a:p>
@@ -436,18 +2601,13 @@
               <a:rPr lang="en-US"/>
               <a:t>Fifth level</a:t>
             </a:r>
-          </a:p>
-        </p:txBody>
-      </p:sp>
-      <p:sp>
-        <p:nvSpPr>
-          <p:cNvPr id="4" name="Date Placeholder 3">
-            <a:extLst>
-              <a:ext uri="{FF2B5EF4-FFF2-40B4-BE49-F238E27FC236}">
-                <a16:creationId xmlns:a16="http://schemas.microsoft.com/office/drawing/2014/main" id="{2FBD7610-6DAC-4179-8870-C609846A3810}"/>
-              </a:ext>
-            </a:extLst>
-          </p:cNvPr>
+            <a:endParaRPr lang="en-US" dirty="0"/>
+          </a:p>
+        </p:txBody>
+      </p:sp>
+      <p:sp>
+        <p:nvSpPr>
+          <p:cNvPr id="4" name="Date Placeholder 3"/>
           <p:cNvSpPr>
             <a:spLocks noGrp="1"/>
           </p:cNvSpPr>
@@ -462,7 +2622,7 @@
           <a:p>
             <a:fld id="{A8772C97-20F4-4C81-9859-95A3E31E8BE1}" type="datetimeFigureOut">
               <a:rPr lang="en-US" smtClean="0"/>
-              <a:t>12/3/2019</a:t>
+              <a:t>5/8/2020</a:t>
             </a:fld>
             <a:endParaRPr lang="en-US"/>
           </a:p>
@@ -470,13 +2630,7 @@
       </p:sp>
       <p:sp>
         <p:nvSpPr>
-          <p:cNvPr id="5" name="Footer Placeholder 4">
-            <a:extLst>
-              <a:ext uri="{FF2B5EF4-FFF2-40B4-BE49-F238E27FC236}">
-                <a16:creationId xmlns:a16="http://schemas.microsoft.com/office/drawing/2014/main" id="{2A4FC77E-39BC-40D3-B70E-D79EFFCF5F28}"/>
-              </a:ext>
-            </a:extLst>
-          </p:cNvPr>
+          <p:cNvPr id="5" name="Footer Placeholder 4"/>
           <p:cNvSpPr>
             <a:spLocks noGrp="1"/>
           </p:cNvSpPr>
@@ -495,13 +2649,7 @@
       </p:sp>
       <p:sp>
         <p:nvSpPr>
-          <p:cNvPr id="6" name="Slide Number Placeholder 5">
-            <a:extLst>
-              <a:ext uri="{FF2B5EF4-FFF2-40B4-BE49-F238E27FC236}">
-                <a16:creationId xmlns:a16="http://schemas.microsoft.com/office/drawing/2014/main" id="{9BBA940D-384B-426D-8A1B-C93599DAD6E5}"/>
-              </a:ext>
-            </a:extLst>
-          </p:cNvPr>
+          <p:cNvPr id="6" name="Slide Number Placeholder 5"/>
           <p:cNvSpPr>
             <a:spLocks noGrp="1"/>
           </p:cNvSpPr>
@@ -525,7 +2673,7 @@
     </p:spTree>
     <p:extLst>
       <p:ext uri="{BB962C8B-B14F-4D97-AF65-F5344CB8AC3E}">
-        <p14:creationId xmlns:p14="http://schemas.microsoft.com/office/powerpoint/2010/main" val="2513900574"/>
+        <p14:creationId xmlns:p14="http://schemas.microsoft.com/office/powerpoint/2010/main" val="4286768678"/>
       </p:ext>
     </p:extLst>
   </p:cSld>
@@ -535,7 +2683,7 @@
 </p:sldLayout>
 </file>
 
-<file path=ppt/slideLayouts/slideLayout11.xml><?xml version="1.0" encoding="utf-8"?>
+<file path=ppt/slideLayouts/slideLayout16.xml><?xml version="1.0" encoding="utf-8"?>
 <p:sldLayout xmlns:a="http://schemas.openxmlformats.org/drawingml/2006/main" xmlns:r="http://schemas.openxmlformats.org/officeDocument/2006/relationships" xmlns:p="http://schemas.openxmlformats.org/presentationml/2006/main" type="vertTitleAndTx" preserve="1">
   <p:cSld name="Vertical Title and Text">
     <p:spTree>
@@ -554,13 +2702,7 @@
       </p:grpSpPr>
       <p:sp>
         <p:nvSpPr>
-          <p:cNvPr id="2" name="Vertical Title 1">
-            <a:extLst>
-              <a:ext uri="{FF2B5EF4-FFF2-40B4-BE49-F238E27FC236}">
-                <a16:creationId xmlns:a16="http://schemas.microsoft.com/office/drawing/2014/main" id="{0E0F225A-ABA6-4591-A399-64AD19700E1D}"/>
-              </a:ext>
-            </a:extLst>
-          </p:cNvPr>
+          <p:cNvPr id="2" name="Vertical Title 1"/>
           <p:cNvSpPr>
             <a:spLocks noGrp="1"/>
           </p:cNvSpPr>
@@ -570,30 +2712,25 @@
         </p:nvSpPr>
         <p:spPr>
           <a:xfrm>
-            <a:off x="8724900" y="365125"/>
-            <a:ext cx="2628900" cy="5811838"/>
+            <a:off x="7967673" y="609599"/>
+            <a:ext cx="1304743" cy="5251451"/>
           </a:xfrm>
         </p:spPr>
         <p:txBody>
-          <a:bodyPr vert="eaVert"/>
+          <a:bodyPr vert="eaVert" anchor="ctr"/>
           <a:lstStyle/>
           <a:p>
             <a:r>
               <a:rPr lang="en-US"/>
               <a:t>Click to edit Master title style</a:t>
             </a:r>
-          </a:p>
-        </p:txBody>
-      </p:sp>
-      <p:sp>
-        <p:nvSpPr>
-          <p:cNvPr id="3" name="Vertical Text Placeholder 2">
-            <a:extLst>
-              <a:ext uri="{FF2B5EF4-FFF2-40B4-BE49-F238E27FC236}">
-                <a16:creationId xmlns:a16="http://schemas.microsoft.com/office/drawing/2014/main" id="{6256547E-7444-45FA-9ECB-5C47016362A3}"/>
-              </a:ext>
-            </a:extLst>
-          </p:cNvPr>
+            <a:endParaRPr lang="en-US" dirty="0"/>
+          </a:p>
+        </p:txBody>
+      </p:sp>
+      <p:sp>
+        <p:nvSpPr>
+          <p:cNvPr id="3" name="Vertical Text Placeholder 2"/>
           <p:cNvSpPr>
             <a:spLocks noGrp="1"/>
           </p:cNvSpPr>
@@ -603,8 +2740,8 @@
         </p:nvSpPr>
         <p:spPr>
           <a:xfrm>
-            <a:off x="838200" y="365125"/>
-            <a:ext cx="7734300" cy="5811838"/>
+            <a:off x="677335" y="609600"/>
+            <a:ext cx="7060150" cy="5251450"/>
           </a:xfrm>
         </p:spPr>
         <p:txBody>
@@ -614,7 +2751,7 @@
             <a:pPr lvl="0"/>
             <a:r>
               <a:rPr lang="en-US"/>
-              <a:t>Click to edit Master text styles</a:t>
+              <a:t>Edit Master text styles</a:t>
             </a:r>
           </a:p>
           <a:p>
@@ -644,18 +2781,13 @@
               <a:rPr lang="en-US"/>
               <a:t>Fifth level</a:t>
             </a:r>
-          </a:p>
-        </p:txBody>
-      </p:sp>
-      <p:sp>
-        <p:nvSpPr>
-          <p:cNvPr id="4" name="Date Placeholder 3">
-            <a:extLst>
-              <a:ext uri="{FF2B5EF4-FFF2-40B4-BE49-F238E27FC236}">
-                <a16:creationId xmlns:a16="http://schemas.microsoft.com/office/drawing/2014/main" id="{5E402658-8C8B-4882-A189-5FE4C9C9FDC1}"/>
-              </a:ext>
-            </a:extLst>
-          </p:cNvPr>
+            <a:endParaRPr lang="en-US" dirty="0"/>
+          </a:p>
+        </p:txBody>
+      </p:sp>
+      <p:sp>
+        <p:nvSpPr>
+          <p:cNvPr id="4" name="Date Placeholder 3"/>
           <p:cNvSpPr>
             <a:spLocks noGrp="1"/>
           </p:cNvSpPr>
@@ -670,7 +2802,7 @@
           <a:p>
             <a:fld id="{A8772C97-20F4-4C81-9859-95A3E31E8BE1}" type="datetimeFigureOut">
               <a:rPr lang="en-US" smtClean="0"/>
-              <a:t>12/3/2019</a:t>
+              <a:t>5/8/2020</a:t>
             </a:fld>
             <a:endParaRPr lang="en-US"/>
           </a:p>
@@ -678,13 +2810,7 @@
       </p:sp>
       <p:sp>
         <p:nvSpPr>
-          <p:cNvPr id="5" name="Footer Placeholder 4">
-            <a:extLst>
-              <a:ext uri="{FF2B5EF4-FFF2-40B4-BE49-F238E27FC236}">
-                <a16:creationId xmlns:a16="http://schemas.microsoft.com/office/drawing/2014/main" id="{CDDF475D-F124-4FC6-8749-2F85AE7C818A}"/>
-              </a:ext>
-            </a:extLst>
-          </p:cNvPr>
+          <p:cNvPr id="5" name="Footer Placeholder 4"/>
           <p:cNvSpPr>
             <a:spLocks noGrp="1"/>
           </p:cNvSpPr>
@@ -703,13 +2829,7 @@
       </p:sp>
       <p:sp>
         <p:nvSpPr>
-          <p:cNvPr id="6" name="Slide Number Placeholder 5">
-            <a:extLst>
-              <a:ext uri="{FF2B5EF4-FFF2-40B4-BE49-F238E27FC236}">
-                <a16:creationId xmlns:a16="http://schemas.microsoft.com/office/drawing/2014/main" id="{072B2081-EBFE-49B9-8378-C792794905A2}"/>
-              </a:ext>
-            </a:extLst>
-          </p:cNvPr>
+          <p:cNvPr id="6" name="Slide Number Placeholder 5"/>
           <p:cNvSpPr>
             <a:spLocks noGrp="1"/>
           </p:cNvSpPr>
@@ -733,7 +2853,7 @@
     </p:spTree>
     <p:extLst>
       <p:ext uri="{BB962C8B-B14F-4D97-AF65-F5344CB8AC3E}">
-        <p14:creationId xmlns:p14="http://schemas.microsoft.com/office/powerpoint/2010/main" val="3226750614"/>
+        <p14:creationId xmlns:p14="http://schemas.microsoft.com/office/powerpoint/2010/main" val="2864227844"/>
       </p:ext>
     </p:extLst>
   </p:cSld>
@@ -762,13 +2882,7 @@
       </p:grpSpPr>
       <p:sp>
         <p:nvSpPr>
-          <p:cNvPr id="2" name="Title 1">
-            <a:extLst>
-              <a:ext uri="{FF2B5EF4-FFF2-40B4-BE49-F238E27FC236}">
-                <a16:creationId xmlns:a16="http://schemas.microsoft.com/office/drawing/2014/main" id="{9F2AF40A-B34A-4636-8690-29A6EA5F9CF2}"/>
-              </a:ext>
-            </a:extLst>
-          </p:cNvPr>
+          <p:cNvPr id="2" name="Title 1"/>
           <p:cNvSpPr>
             <a:spLocks noGrp="1"/>
           </p:cNvSpPr>
@@ -778,41 +2892,42 @@
         </p:nvSpPr>
         <p:spPr/>
         <p:txBody>
+          <a:bodyPr>
+            <a:normAutofit/>
+          </a:bodyPr>
+          <a:lstStyle>
+            <a:lvl1pPr>
+              <a:defRPr sz="3600"/>
+            </a:lvl1pPr>
+          </a:lstStyle>
+          <a:p>
+            <a:r>
+              <a:rPr lang="en-US"/>
+              <a:t>Click to edit Master title style</a:t>
+            </a:r>
+            <a:endParaRPr lang="en-US" dirty="0"/>
+          </a:p>
+        </p:txBody>
+      </p:sp>
+      <p:sp>
+        <p:nvSpPr>
+          <p:cNvPr id="3" name="Content Placeholder 2"/>
+          <p:cNvSpPr>
+            <a:spLocks noGrp="1"/>
+          </p:cNvSpPr>
+          <p:nvPr>
+            <p:ph idx="1"/>
+          </p:nvPr>
+        </p:nvSpPr>
+        <p:spPr/>
+        <p:txBody>
           <a:bodyPr/>
           <a:lstStyle/>
           <a:p>
-            <a:r>
-              <a:rPr lang="en-US"/>
-              <a:t>Click to edit Master title style</a:t>
-            </a:r>
-          </a:p>
-        </p:txBody>
-      </p:sp>
-      <p:sp>
-        <p:nvSpPr>
-          <p:cNvPr id="3" name="Content Placeholder 2">
-            <a:extLst>
-              <a:ext uri="{FF2B5EF4-FFF2-40B4-BE49-F238E27FC236}">
-                <a16:creationId xmlns:a16="http://schemas.microsoft.com/office/drawing/2014/main" id="{A8E7D501-A07D-4B07-B15F-157FFD6E4168}"/>
-              </a:ext>
-            </a:extLst>
-          </p:cNvPr>
-          <p:cNvSpPr>
-            <a:spLocks noGrp="1"/>
-          </p:cNvSpPr>
-          <p:nvPr>
-            <p:ph idx="1"/>
-          </p:nvPr>
-        </p:nvSpPr>
-        <p:spPr/>
-        <p:txBody>
-          <a:bodyPr/>
-          <a:lstStyle/>
-          <a:p>
             <a:pPr lvl="0"/>
             <a:r>
               <a:rPr lang="en-US"/>
-              <a:t>Click to edit Master text styles</a:t>
+              <a:t>Edit Master text styles</a:t>
             </a:r>
           </a:p>
           <a:p>
@@ -842,18 +2957,13 @@
               <a:rPr lang="en-US"/>
               <a:t>Fifth level</a:t>
             </a:r>
-          </a:p>
-        </p:txBody>
-      </p:sp>
-      <p:sp>
-        <p:nvSpPr>
-          <p:cNvPr id="4" name="Date Placeholder 3">
-            <a:extLst>
-              <a:ext uri="{FF2B5EF4-FFF2-40B4-BE49-F238E27FC236}">
-                <a16:creationId xmlns:a16="http://schemas.microsoft.com/office/drawing/2014/main" id="{7670A272-C62C-4691-B6DE-E50B46FD29BA}"/>
-              </a:ext>
-            </a:extLst>
-          </p:cNvPr>
+            <a:endParaRPr lang="en-US" dirty="0"/>
+          </a:p>
+        </p:txBody>
+      </p:sp>
+      <p:sp>
+        <p:nvSpPr>
+          <p:cNvPr id="4" name="Date Placeholder 3"/>
           <p:cNvSpPr>
             <a:spLocks noGrp="1"/>
           </p:cNvSpPr>
@@ -868,7 +2978,7 @@
           <a:p>
             <a:fld id="{A8772C97-20F4-4C81-9859-95A3E31E8BE1}" type="datetimeFigureOut">
               <a:rPr lang="en-US" smtClean="0"/>
-              <a:t>12/3/2019</a:t>
+              <a:t>5/8/2020</a:t>
             </a:fld>
             <a:endParaRPr lang="en-US"/>
           </a:p>
@@ -876,13 +2986,7 @@
       </p:sp>
       <p:sp>
         <p:nvSpPr>
-          <p:cNvPr id="5" name="Footer Placeholder 4">
-            <a:extLst>
-              <a:ext uri="{FF2B5EF4-FFF2-40B4-BE49-F238E27FC236}">
-                <a16:creationId xmlns:a16="http://schemas.microsoft.com/office/drawing/2014/main" id="{1B0ACA5B-C4F9-49A0-864F-43038B1C2C27}"/>
-              </a:ext>
-            </a:extLst>
-          </p:cNvPr>
+          <p:cNvPr id="5" name="Footer Placeholder 4"/>
           <p:cNvSpPr>
             <a:spLocks noGrp="1"/>
           </p:cNvSpPr>
@@ -901,13 +3005,7 @@
       </p:sp>
       <p:sp>
         <p:nvSpPr>
-          <p:cNvPr id="6" name="Slide Number Placeholder 5">
-            <a:extLst>
-              <a:ext uri="{FF2B5EF4-FFF2-40B4-BE49-F238E27FC236}">
-                <a16:creationId xmlns:a16="http://schemas.microsoft.com/office/drawing/2014/main" id="{5DBBEC7F-7222-43A7-88ED-F035BE16DDF0}"/>
-              </a:ext>
-            </a:extLst>
-          </p:cNvPr>
+          <p:cNvPr id="6" name="Slide Number Placeholder 5"/>
           <p:cNvSpPr>
             <a:spLocks noGrp="1"/>
           </p:cNvSpPr>
@@ -931,7 +3029,7 @@
     </p:spTree>
     <p:extLst>
       <p:ext uri="{BB962C8B-B14F-4D97-AF65-F5344CB8AC3E}">
-        <p14:creationId xmlns:p14="http://schemas.microsoft.com/office/powerpoint/2010/main" val="829056955"/>
+        <p14:creationId xmlns:p14="http://schemas.microsoft.com/office/powerpoint/2010/main" val="3588066303"/>
       </p:ext>
     </p:extLst>
   </p:cSld>
@@ -960,13 +3058,7 @@
       </p:grpSpPr>
       <p:sp>
         <p:nvSpPr>
-          <p:cNvPr id="2" name="Title 1">
-            <a:extLst>
-              <a:ext uri="{FF2B5EF4-FFF2-40B4-BE49-F238E27FC236}">
-                <a16:creationId xmlns:a16="http://schemas.microsoft.com/office/drawing/2014/main" id="{12499480-ED7A-4DDB-B818-E35CBA7507D5}"/>
-              </a:ext>
-            </a:extLst>
-          </p:cNvPr>
+          <p:cNvPr id="2" name="Title 1"/>
           <p:cNvSpPr>
             <a:spLocks noGrp="1"/>
           </p:cNvSpPr>
@@ -976,15 +3068,15 @@
         </p:nvSpPr>
         <p:spPr>
           <a:xfrm>
-            <a:off x="831850" y="1709738"/>
-            <a:ext cx="10515600" cy="2852737"/>
+            <a:off x="677335" y="2700867"/>
+            <a:ext cx="8596668" cy="1826581"/>
           </a:xfrm>
         </p:spPr>
         <p:txBody>
           <a:bodyPr anchor="b"/>
           <a:lstStyle>
-            <a:lvl1pPr>
-              <a:defRPr sz="6000"/>
+            <a:lvl1pPr algn="l">
+              <a:defRPr sz="4000" b="0" cap="none"/>
             </a:lvl1pPr>
           </a:lstStyle>
           <a:p>
@@ -992,18 +3084,13 @@
               <a:rPr lang="en-US"/>
               <a:t>Click to edit Master title style</a:t>
             </a:r>
-          </a:p>
-        </p:txBody>
-      </p:sp>
-      <p:sp>
-        <p:nvSpPr>
-          <p:cNvPr id="3" name="Text Placeholder 2">
-            <a:extLst>
-              <a:ext uri="{FF2B5EF4-FFF2-40B4-BE49-F238E27FC236}">
-                <a16:creationId xmlns:a16="http://schemas.microsoft.com/office/drawing/2014/main" id="{E2D304BF-9EFB-4F83-A506-E6E65CE49060}"/>
-              </a:ext>
-            </a:extLst>
-          </p:cNvPr>
+            <a:endParaRPr lang="en-US" dirty="0"/>
+          </a:p>
+        </p:txBody>
+      </p:sp>
+      <p:sp>
+        <p:nvSpPr>
+          <p:cNvPr id="3" name="Text Placeholder 2"/>
           <p:cNvSpPr>
             <a:spLocks noGrp="1"/>
           </p:cNvSpPr>
@@ -1013,26 +3100,27 @@
         </p:nvSpPr>
         <p:spPr>
           <a:xfrm>
-            <a:off x="831850" y="4589463"/>
-            <a:ext cx="10515600" cy="1500187"/>
+            <a:off x="677335" y="4527448"/>
+            <a:ext cx="8596668" cy="860400"/>
           </a:xfrm>
         </p:spPr>
         <p:txBody>
-          <a:bodyPr/>
+          <a:bodyPr anchor="t"/>
           <a:lstStyle>
-            <a:lvl1pPr marL="0" indent="0">
-              <a:buNone/>
-              <a:defRPr sz="2400">
+            <a:lvl1pPr marL="0" indent="0" algn="l">
+              <a:buNone/>
+              <a:defRPr sz="2000">
                 <a:solidFill>
                   <a:schemeClr val="tx1">
-                    <a:tint val="75000"/>
+                    <a:lumMod val="50000"/>
+                    <a:lumOff val="50000"/>
                   </a:schemeClr>
                 </a:solidFill>
               </a:defRPr>
             </a:lvl1pPr>
             <a:lvl2pPr marL="457200" indent="0">
               <a:buNone/>
-              <a:defRPr sz="2000">
+              <a:defRPr sz="1800">
                 <a:solidFill>
                   <a:schemeClr val="tx1">
                     <a:tint val="75000"/>
@@ -1042,7 +3130,7 @@
             </a:lvl2pPr>
             <a:lvl3pPr marL="914400" indent="0">
               <a:buNone/>
-              <a:defRPr sz="1800">
+              <a:defRPr sz="1600">
                 <a:solidFill>
                   <a:schemeClr val="tx1">
                     <a:tint val="75000"/>
@@ -1052,7 +3140,7 @@
             </a:lvl3pPr>
             <a:lvl4pPr marL="1371600" indent="0">
               <a:buNone/>
-              <a:defRPr sz="1600">
+              <a:defRPr sz="1400">
                 <a:solidFill>
                   <a:schemeClr val="tx1">
                     <a:tint val="75000"/>
@@ -1062,7 +3150,7 @@
             </a:lvl4pPr>
             <a:lvl5pPr marL="1828800" indent="0">
               <a:buNone/>
-              <a:defRPr sz="1600">
+              <a:defRPr sz="1400">
                 <a:solidFill>
                   <a:schemeClr val="tx1">
                     <a:tint val="75000"/>
@@ -1072,7 +3160,7 @@
             </a:lvl5pPr>
             <a:lvl6pPr marL="2286000" indent="0">
               <a:buNone/>
-              <a:defRPr sz="1600">
+              <a:defRPr sz="1400">
                 <a:solidFill>
                   <a:schemeClr val="tx1">
                     <a:tint val="75000"/>
@@ -1082,7 +3170,7 @@
             </a:lvl6pPr>
             <a:lvl7pPr marL="2743200" indent="0">
               <a:buNone/>
-              <a:defRPr sz="1600">
+              <a:defRPr sz="1400">
                 <a:solidFill>
                   <a:schemeClr val="tx1">
                     <a:tint val="75000"/>
@@ -1092,7 +3180,7 @@
             </a:lvl7pPr>
             <a:lvl8pPr marL="3200400" indent="0">
               <a:buNone/>
-              <a:defRPr sz="1600">
+              <a:defRPr sz="1400">
                 <a:solidFill>
                   <a:schemeClr val="tx1">
                     <a:tint val="75000"/>
@@ -1102,7 +3190,7 @@
             </a:lvl8pPr>
             <a:lvl9pPr marL="3657600" indent="0">
               <a:buNone/>
-              <a:defRPr sz="1600">
+              <a:defRPr sz="1400">
                 <a:solidFill>
                   <a:schemeClr val="tx1">
                     <a:tint val="75000"/>
@@ -1115,20 +3203,14 @@
             <a:pPr lvl="0"/>
             <a:r>
               <a:rPr lang="en-US"/>
-              <a:t>Click to edit Master text styles</a:t>
-            </a:r>
-          </a:p>
-        </p:txBody>
-      </p:sp>
-      <p:sp>
-        <p:nvSpPr>
-          <p:cNvPr id="4" name="Date Placeholder 3">
-            <a:extLst>
-              <a:ext uri="{FF2B5EF4-FFF2-40B4-BE49-F238E27FC236}">
-                <a16:creationId xmlns:a16="http://schemas.microsoft.com/office/drawing/2014/main" id="{1D8BE3DD-48B9-411C-A94B-7F27652A83CA}"/>
-              </a:ext>
-            </a:extLst>
-          </p:cNvPr>
+              <a:t>Edit Master text styles</a:t>
+            </a:r>
+          </a:p>
+        </p:txBody>
+      </p:sp>
+      <p:sp>
+        <p:nvSpPr>
+          <p:cNvPr id="4" name="Date Placeholder 3"/>
           <p:cNvSpPr>
             <a:spLocks noGrp="1"/>
           </p:cNvSpPr>
@@ -1143,7 +3225,7 @@
           <a:p>
             <a:fld id="{A8772C97-20F4-4C81-9859-95A3E31E8BE1}" type="datetimeFigureOut">
               <a:rPr lang="en-US" smtClean="0"/>
-              <a:t>12/3/2019</a:t>
+              <a:t>5/8/2020</a:t>
             </a:fld>
             <a:endParaRPr lang="en-US"/>
           </a:p>
@@ -1151,13 +3233,7 @@
       </p:sp>
       <p:sp>
         <p:nvSpPr>
-          <p:cNvPr id="5" name="Footer Placeholder 4">
-            <a:extLst>
-              <a:ext uri="{FF2B5EF4-FFF2-40B4-BE49-F238E27FC236}">
-                <a16:creationId xmlns:a16="http://schemas.microsoft.com/office/drawing/2014/main" id="{F29253AE-80F1-4FE7-B16C-BAF31F700A6E}"/>
-              </a:ext>
-            </a:extLst>
-          </p:cNvPr>
+          <p:cNvPr id="5" name="Footer Placeholder 4"/>
           <p:cNvSpPr>
             <a:spLocks noGrp="1"/>
           </p:cNvSpPr>
@@ -1176,13 +3252,7 @@
       </p:sp>
       <p:sp>
         <p:nvSpPr>
-          <p:cNvPr id="6" name="Slide Number Placeholder 5">
-            <a:extLst>
-              <a:ext uri="{FF2B5EF4-FFF2-40B4-BE49-F238E27FC236}">
-                <a16:creationId xmlns:a16="http://schemas.microsoft.com/office/drawing/2014/main" id="{1A66C9B5-5045-4BB6-9BF6-737748B8EFD2}"/>
-              </a:ext>
-            </a:extLst>
-          </p:cNvPr>
+          <p:cNvPr id="6" name="Slide Number Placeholder 5"/>
           <p:cNvSpPr>
             <a:spLocks noGrp="1"/>
           </p:cNvSpPr>
@@ -1206,7 +3276,7 @@
     </p:spTree>
     <p:extLst>
       <p:ext uri="{BB962C8B-B14F-4D97-AF65-F5344CB8AC3E}">
-        <p14:creationId xmlns:p14="http://schemas.microsoft.com/office/powerpoint/2010/main" val="3475235980"/>
+        <p14:creationId xmlns:p14="http://schemas.microsoft.com/office/powerpoint/2010/main" val="962969951"/>
       </p:ext>
     </p:extLst>
   </p:cSld>
@@ -1235,13 +3305,7 @@
       </p:grpSpPr>
       <p:sp>
         <p:nvSpPr>
-          <p:cNvPr id="2" name="Title 1">
-            <a:extLst>
-              <a:ext uri="{FF2B5EF4-FFF2-40B4-BE49-F238E27FC236}">
-                <a16:creationId xmlns:a16="http://schemas.microsoft.com/office/drawing/2014/main" id="{3544F85A-32CB-4A6D-A776-D2D502BB59A4}"/>
-              </a:ext>
-            </a:extLst>
-          </p:cNvPr>
+          <p:cNvPr id="2" name="Title 1"/>
           <p:cNvSpPr>
             <a:spLocks noGrp="1"/>
           </p:cNvSpPr>
@@ -1258,18 +3322,13 @@
               <a:rPr lang="en-US"/>
               <a:t>Click to edit Master title style</a:t>
             </a:r>
-          </a:p>
-        </p:txBody>
-      </p:sp>
-      <p:sp>
-        <p:nvSpPr>
-          <p:cNvPr id="3" name="Content Placeholder 2">
-            <a:extLst>
-              <a:ext uri="{FF2B5EF4-FFF2-40B4-BE49-F238E27FC236}">
-                <a16:creationId xmlns:a16="http://schemas.microsoft.com/office/drawing/2014/main" id="{9786A6D9-67EA-4166-8FCA-F305DFC04E0E}"/>
-              </a:ext>
-            </a:extLst>
-          </p:cNvPr>
+            <a:endParaRPr lang="en-US" dirty="0"/>
+          </a:p>
+        </p:txBody>
+      </p:sp>
+      <p:sp>
+        <p:nvSpPr>
+          <p:cNvPr id="3" name="Content Placeholder 2"/>
           <p:cNvSpPr>
             <a:spLocks noGrp="1"/>
           </p:cNvSpPr>
@@ -1279,8 +3338,8 @@
         </p:nvSpPr>
         <p:spPr>
           <a:xfrm>
-            <a:off x="838200" y="1825625"/>
-            <a:ext cx="5181600" cy="4351338"/>
+            <a:off x="677334" y="2160589"/>
+            <a:ext cx="4184035" cy="3880772"/>
           </a:xfrm>
         </p:spPr>
         <p:txBody>
@@ -1290,7 +3349,7 @@
             <a:pPr lvl="0"/>
             <a:r>
               <a:rPr lang="en-US"/>
-              <a:t>Click to edit Master text styles</a:t>
+              <a:t>Edit Master text styles</a:t>
             </a:r>
           </a:p>
           <a:p>
@@ -1320,18 +3379,13 @@
               <a:rPr lang="en-US"/>
               <a:t>Fifth level</a:t>
             </a:r>
-          </a:p>
-        </p:txBody>
-      </p:sp>
-      <p:sp>
-        <p:nvSpPr>
-          <p:cNvPr id="4" name="Content Placeholder 3">
-            <a:extLst>
-              <a:ext uri="{FF2B5EF4-FFF2-40B4-BE49-F238E27FC236}">
-                <a16:creationId xmlns:a16="http://schemas.microsoft.com/office/drawing/2014/main" id="{C4EF1B79-0D6B-40A6-AA4C-AA252AB93313}"/>
-              </a:ext>
-            </a:extLst>
-          </p:cNvPr>
+            <a:endParaRPr lang="en-US" dirty="0"/>
+          </a:p>
+        </p:txBody>
+      </p:sp>
+      <p:sp>
+        <p:nvSpPr>
+          <p:cNvPr id="4" name="Content Placeholder 3"/>
           <p:cNvSpPr>
             <a:spLocks noGrp="1"/>
           </p:cNvSpPr>
@@ -1341,8 +3395,8 @@
         </p:nvSpPr>
         <p:spPr>
           <a:xfrm>
-            <a:off x="6172200" y="1825625"/>
-            <a:ext cx="5181600" cy="4351338"/>
+            <a:off x="5089970" y="2160589"/>
+            <a:ext cx="4184034" cy="3880773"/>
           </a:xfrm>
         </p:spPr>
         <p:txBody>
@@ -1352,7 +3406,7 @@
             <a:pPr lvl="0"/>
             <a:r>
               <a:rPr lang="en-US"/>
-              <a:t>Click to edit Master text styles</a:t>
+              <a:t>Edit Master text styles</a:t>
             </a:r>
           </a:p>
           <a:p>
@@ -1382,18 +3436,13 @@
               <a:rPr lang="en-US"/>
               <a:t>Fifth level</a:t>
             </a:r>
-          </a:p>
-        </p:txBody>
-      </p:sp>
-      <p:sp>
-        <p:nvSpPr>
-          <p:cNvPr id="5" name="Date Placeholder 4">
-            <a:extLst>
-              <a:ext uri="{FF2B5EF4-FFF2-40B4-BE49-F238E27FC236}">
-                <a16:creationId xmlns:a16="http://schemas.microsoft.com/office/drawing/2014/main" id="{191B5509-200F-449D-A49B-82C97F0F4DCB}"/>
-              </a:ext>
-            </a:extLst>
-          </p:cNvPr>
+            <a:endParaRPr lang="en-US" dirty="0"/>
+          </a:p>
+        </p:txBody>
+      </p:sp>
+      <p:sp>
+        <p:nvSpPr>
+          <p:cNvPr id="5" name="Date Placeholder 4"/>
           <p:cNvSpPr>
             <a:spLocks noGrp="1"/>
           </p:cNvSpPr>
@@ -1408,7 +3457,7 @@
           <a:p>
             <a:fld id="{A8772C97-20F4-4C81-9859-95A3E31E8BE1}" type="datetimeFigureOut">
               <a:rPr lang="en-US" smtClean="0"/>
-              <a:t>12/3/2019</a:t>
+              <a:t>5/8/2020</a:t>
             </a:fld>
             <a:endParaRPr lang="en-US"/>
           </a:p>
@@ -1416,13 +3465,7 @@
       </p:sp>
       <p:sp>
         <p:nvSpPr>
-          <p:cNvPr id="6" name="Footer Placeholder 5">
-            <a:extLst>
-              <a:ext uri="{FF2B5EF4-FFF2-40B4-BE49-F238E27FC236}">
-                <a16:creationId xmlns:a16="http://schemas.microsoft.com/office/drawing/2014/main" id="{AC86A607-0E70-42B6-B91D-E02548AD5C1E}"/>
-              </a:ext>
-            </a:extLst>
-          </p:cNvPr>
+          <p:cNvPr id="6" name="Footer Placeholder 5"/>
           <p:cNvSpPr>
             <a:spLocks noGrp="1"/>
           </p:cNvSpPr>
@@ -1441,13 +3484,7 @@
       </p:sp>
       <p:sp>
         <p:nvSpPr>
-          <p:cNvPr id="7" name="Slide Number Placeholder 6">
-            <a:extLst>
-              <a:ext uri="{FF2B5EF4-FFF2-40B4-BE49-F238E27FC236}">
-                <a16:creationId xmlns:a16="http://schemas.microsoft.com/office/drawing/2014/main" id="{3365FFAD-3214-4577-853E-862A5A723C91}"/>
-              </a:ext>
-            </a:extLst>
-          </p:cNvPr>
+          <p:cNvPr id="7" name="Slide Number Placeholder 6"/>
           <p:cNvSpPr>
             <a:spLocks noGrp="1"/>
           </p:cNvSpPr>
@@ -1471,7 +3508,7 @@
     </p:spTree>
     <p:extLst>
       <p:ext uri="{BB962C8B-B14F-4D97-AF65-F5344CB8AC3E}">
-        <p14:creationId xmlns:p14="http://schemas.microsoft.com/office/powerpoint/2010/main" val="2564754909"/>
+        <p14:creationId xmlns:p14="http://schemas.microsoft.com/office/powerpoint/2010/main" val="3001807853"/>
       </p:ext>
     </p:extLst>
   </p:cSld>
@@ -1500,65 +3537,55 @@
       </p:grpSpPr>
       <p:sp>
         <p:nvSpPr>
-          <p:cNvPr id="2" name="Title 1">
-            <a:extLst>
-              <a:ext uri="{FF2B5EF4-FFF2-40B4-BE49-F238E27FC236}">
-                <a16:creationId xmlns:a16="http://schemas.microsoft.com/office/drawing/2014/main" id="{B97438B8-DD1F-430C-95E3-DD0F8785E5C1}"/>
-              </a:ext>
-            </a:extLst>
-          </p:cNvPr>
+          <p:cNvPr id="2" name="Title 1"/>
           <p:cNvSpPr>
             <a:spLocks noGrp="1"/>
           </p:cNvSpPr>
           <p:nvPr>
             <p:ph type="title"/>
+          </p:nvPr>
+        </p:nvSpPr>
+        <p:spPr/>
+        <p:txBody>
+          <a:bodyPr/>
+          <a:lstStyle>
+            <a:lvl1pPr>
+              <a:defRPr/>
+            </a:lvl1pPr>
+          </a:lstStyle>
+          <a:p>
+            <a:r>
+              <a:rPr lang="en-US"/>
+              <a:t>Click to edit Master title style</a:t>
+            </a:r>
+            <a:endParaRPr lang="en-US" dirty="0"/>
+          </a:p>
+        </p:txBody>
+      </p:sp>
+      <p:sp>
+        <p:nvSpPr>
+          <p:cNvPr id="3" name="Text Placeholder 2"/>
+          <p:cNvSpPr>
+            <a:spLocks noGrp="1"/>
+          </p:cNvSpPr>
+          <p:nvPr>
+            <p:ph type="body" idx="1"/>
           </p:nvPr>
         </p:nvSpPr>
         <p:spPr>
           <a:xfrm>
-            <a:off x="839788" y="365125"/>
-            <a:ext cx="10515600" cy="1325563"/>
+            <a:off x="675745" y="2160983"/>
+            <a:ext cx="4185623" cy="576262"/>
           </a:xfrm>
         </p:spPr>
         <p:txBody>
-          <a:bodyPr/>
-          <a:lstStyle/>
-          <a:p>
-            <a:r>
-              <a:rPr lang="en-US"/>
-              <a:t>Click to edit Master title style</a:t>
-            </a:r>
-          </a:p>
-        </p:txBody>
-      </p:sp>
-      <p:sp>
-        <p:nvSpPr>
-          <p:cNvPr id="3" name="Text Placeholder 2">
-            <a:extLst>
-              <a:ext uri="{FF2B5EF4-FFF2-40B4-BE49-F238E27FC236}">
-                <a16:creationId xmlns:a16="http://schemas.microsoft.com/office/drawing/2014/main" id="{B5D13F75-FFDE-4740-8B68-95DC663BDB54}"/>
-              </a:ext>
-            </a:extLst>
-          </p:cNvPr>
-          <p:cNvSpPr>
-            <a:spLocks noGrp="1"/>
-          </p:cNvSpPr>
-          <p:nvPr>
-            <p:ph type="body" idx="1"/>
-          </p:nvPr>
-        </p:nvSpPr>
-        <p:spPr>
-          <a:xfrm>
-            <a:off x="839788" y="1681163"/>
-            <a:ext cx="5157787" cy="823912"/>
-          </a:xfrm>
-        </p:spPr>
-        <p:txBody>
-          <a:bodyPr anchor="b"/>
+          <a:bodyPr anchor="b">
+            <a:noAutofit/>
+          </a:bodyPr>
           <a:lstStyle>
             <a:lvl1pPr marL="0" indent="0">
               <a:buNone/>
-              <a:defRPr sz="2400" b="1"/>
+              <a:defRPr sz="2400" b="0"/>
             </a:lvl1pPr>
             <a:lvl2pPr marL="457200" indent="0">
               <a:buNone/>
@@ -1597,20 +3624,14 @@
             <a:pPr lvl="0"/>
             <a:r>
               <a:rPr lang="en-US"/>
-              <a:t>Click to edit Master text styles</a:t>
-            </a:r>
-          </a:p>
-        </p:txBody>
-      </p:sp>
-      <p:sp>
-        <p:nvSpPr>
-          <p:cNvPr id="4" name="Content Placeholder 3">
-            <a:extLst>
-              <a:ext uri="{FF2B5EF4-FFF2-40B4-BE49-F238E27FC236}">
-                <a16:creationId xmlns:a16="http://schemas.microsoft.com/office/drawing/2014/main" id="{3F5161DB-D8AE-4F42-B9DA-BB628CC670C5}"/>
-              </a:ext>
-            </a:extLst>
-          </p:cNvPr>
+              <a:t>Edit Master text styles</a:t>
+            </a:r>
+          </a:p>
+        </p:txBody>
+      </p:sp>
+      <p:sp>
+        <p:nvSpPr>
+          <p:cNvPr id="4" name="Content Placeholder 3"/>
           <p:cNvSpPr>
             <a:spLocks noGrp="1"/>
           </p:cNvSpPr>
@@ -1620,18 +3641,20 @@
         </p:nvSpPr>
         <p:spPr>
           <a:xfrm>
-            <a:off x="839788" y="2505075"/>
-            <a:ext cx="5157787" cy="3684588"/>
+            <a:off x="675745" y="2737245"/>
+            <a:ext cx="4185623" cy="3304117"/>
           </a:xfrm>
         </p:spPr>
         <p:txBody>
-          <a:bodyPr/>
+          <a:bodyPr>
+            <a:normAutofit/>
+          </a:bodyPr>
           <a:lstStyle/>
           <a:p>
             <a:pPr lvl="0"/>
             <a:r>
               <a:rPr lang="en-US"/>
-              <a:t>Click to edit Master text styles</a:t>
+              <a:t>Edit Master text styles</a:t>
             </a:r>
           </a:p>
           <a:p>
@@ -1661,18 +3684,13 @@
               <a:rPr lang="en-US"/>
               <a:t>Fifth level</a:t>
             </a:r>
-          </a:p>
-        </p:txBody>
-      </p:sp>
-      <p:sp>
-        <p:nvSpPr>
-          <p:cNvPr id="5" name="Text Placeholder 4">
-            <a:extLst>
-              <a:ext uri="{FF2B5EF4-FFF2-40B4-BE49-F238E27FC236}">
-                <a16:creationId xmlns:a16="http://schemas.microsoft.com/office/drawing/2014/main" id="{1D530482-5278-4115-84EB-18E74FE95B80}"/>
-              </a:ext>
-            </a:extLst>
-          </p:cNvPr>
+            <a:endParaRPr lang="en-US" dirty="0"/>
+          </a:p>
+        </p:txBody>
+      </p:sp>
+      <p:sp>
+        <p:nvSpPr>
+          <p:cNvPr id="5" name="Text Placeholder 4"/>
           <p:cNvSpPr>
             <a:spLocks noGrp="1"/>
           </p:cNvSpPr>
@@ -1682,16 +3700,18 @@
         </p:nvSpPr>
         <p:spPr>
           <a:xfrm>
-            <a:off x="6172200" y="1681163"/>
-            <a:ext cx="5183188" cy="823912"/>
+            <a:off x="5088383" y="2160983"/>
+            <a:ext cx="4185618" cy="576262"/>
           </a:xfrm>
         </p:spPr>
         <p:txBody>
-          <a:bodyPr anchor="b"/>
+          <a:bodyPr anchor="b">
+            <a:noAutofit/>
+          </a:bodyPr>
           <a:lstStyle>
             <a:lvl1pPr marL="0" indent="0">
               <a:buNone/>
-              <a:defRPr sz="2400" b="1"/>
+              <a:defRPr sz="2400" b="0"/>
             </a:lvl1pPr>
             <a:lvl2pPr marL="457200" indent="0">
               <a:buNone/>
@@ -1730,20 +3750,14 @@
             <a:pPr lvl="0"/>
             <a:r>
               <a:rPr lang="en-US"/>
-              <a:t>Click to edit Master text styles</a:t>
-            </a:r>
-          </a:p>
-        </p:txBody>
-      </p:sp>
-      <p:sp>
-        <p:nvSpPr>
-          <p:cNvPr id="6" name="Content Placeholder 5">
-            <a:extLst>
-              <a:ext uri="{FF2B5EF4-FFF2-40B4-BE49-F238E27FC236}">
-                <a16:creationId xmlns:a16="http://schemas.microsoft.com/office/drawing/2014/main" id="{B204D2BF-3F44-43FA-9E9F-17E4ABD05853}"/>
-              </a:ext>
-            </a:extLst>
-          </p:cNvPr>
+              <a:t>Edit Master text styles</a:t>
+            </a:r>
+          </a:p>
+        </p:txBody>
+      </p:sp>
+      <p:sp>
+        <p:nvSpPr>
+          <p:cNvPr id="6" name="Content Placeholder 5"/>
           <p:cNvSpPr>
             <a:spLocks noGrp="1"/>
           </p:cNvSpPr>
@@ -1753,18 +3767,20 @@
         </p:nvSpPr>
         <p:spPr>
           <a:xfrm>
-            <a:off x="6172200" y="2505075"/>
-            <a:ext cx="5183188" cy="3684588"/>
+            <a:off x="5088384" y="2737245"/>
+            <a:ext cx="4185617" cy="3304117"/>
           </a:xfrm>
         </p:spPr>
         <p:txBody>
-          <a:bodyPr/>
+          <a:bodyPr>
+            <a:normAutofit/>
+          </a:bodyPr>
           <a:lstStyle/>
           <a:p>
             <a:pPr lvl="0"/>
             <a:r>
               <a:rPr lang="en-US"/>
-              <a:t>Click to edit Master text styles</a:t>
+              <a:t>Edit Master text styles</a:t>
             </a:r>
           </a:p>
           <a:p>
@@ -1794,18 +3810,13 @@
               <a:rPr lang="en-US"/>
               <a:t>Fifth level</a:t>
             </a:r>
-          </a:p>
-        </p:txBody>
-      </p:sp>
-      <p:sp>
-        <p:nvSpPr>
-          <p:cNvPr id="7" name="Date Placeholder 6">
-            <a:extLst>
-              <a:ext uri="{FF2B5EF4-FFF2-40B4-BE49-F238E27FC236}">
-                <a16:creationId xmlns:a16="http://schemas.microsoft.com/office/drawing/2014/main" id="{25B4C911-FBE2-4FD2-A52E-EF6128CFDC16}"/>
-              </a:ext>
-            </a:extLst>
-          </p:cNvPr>
+            <a:endParaRPr lang="en-US" dirty="0"/>
+          </a:p>
+        </p:txBody>
+      </p:sp>
+      <p:sp>
+        <p:nvSpPr>
+          <p:cNvPr id="7" name="Date Placeholder 6"/>
           <p:cNvSpPr>
             <a:spLocks noGrp="1"/>
           </p:cNvSpPr>
@@ -1820,7 +3831,7 @@
           <a:p>
             <a:fld id="{A8772C97-20F4-4C81-9859-95A3E31E8BE1}" type="datetimeFigureOut">
               <a:rPr lang="en-US" smtClean="0"/>
-              <a:t>12/3/2019</a:t>
+              <a:t>5/8/2020</a:t>
             </a:fld>
             <a:endParaRPr lang="en-US"/>
           </a:p>
@@ -1828,13 +3839,7 @@
       </p:sp>
       <p:sp>
         <p:nvSpPr>
-          <p:cNvPr id="8" name="Footer Placeholder 7">
-            <a:extLst>
-              <a:ext uri="{FF2B5EF4-FFF2-40B4-BE49-F238E27FC236}">
-                <a16:creationId xmlns:a16="http://schemas.microsoft.com/office/drawing/2014/main" id="{699A6863-9DA6-4EC1-90AE-6EE550E9A164}"/>
-              </a:ext>
-            </a:extLst>
-          </p:cNvPr>
+          <p:cNvPr id="8" name="Footer Placeholder 7"/>
           <p:cNvSpPr>
             <a:spLocks noGrp="1"/>
           </p:cNvSpPr>
@@ -1853,13 +3858,7 @@
       </p:sp>
       <p:sp>
         <p:nvSpPr>
-          <p:cNvPr id="9" name="Slide Number Placeholder 8">
-            <a:extLst>
-              <a:ext uri="{FF2B5EF4-FFF2-40B4-BE49-F238E27FC236}">
-                <a16:creationId xmlns:a16="http://schemas.microsoft.com/office/drawing/2014/main" id="{9F2ACD0E-E95F-4A0B-B8F4-43D92873B03F}"/>
-              </a:ext>
-            </a:extLst>
-          </p:cNvPr>
+          <p:cNvPr id="9" name="Slide Number Placeholder 8"/>
           <p:cNvSpPr>
             <a:spLocks noGrp="1"/>
           </p:cNvSpPr>
@@ -1883,7 +3882,7 @@
     </p:spTree>
     <p:extLst>
       <p:ext uri="{BB962C8B-B14F-4D97-AF65-F5344CB8AC3E}">
-        <p14:creationId xmlns:p14="http://schemas.microsoft.com/office/powerpoint/2010/main" val="252439178"/>
+        <p14:creationId xmlns:p14="http://schemas.microsoft.com/office/powerpoint/2010/main" val="2238857279"/>
       </p:ext>
     </p:extLst>
   </p:cSld>
@@ -1912,13 +3911,7 @@
       </p:grpSpPr>
       <p:sp>
         <p:nvSpPr>
-          <p:cNvPr id="2" name="Title 1">
-            <a:extLst>
-              <a:ext uri="{FF2B5EF4-FFF2-40B4-BE49-F238E27FC236}">
-                <a16:creationId xmlns:a16="http://schemas.microsoft.com/office/drawing/2014/main" id="{4E35301F-6878-4F74-8289-E8F47D346A8E}"/>
-              </a:ext>
-            </a:extLst>
-          </p:cNvPr>
+          <p:cNvPr id="2" name="Title 1"/>
           <p:cNvSpPr>
             <a:spLocks noGrp="1"/>
           </p:cNvSpPr>
@@ -1926,7 +3919,12 @@
             <p:ph type="title"/>
           </p:nvPr>
         </p:nvSpPr>
-        <p:spPr/>
+        <p:spPr>
+          <a:xfrm>
+            <a:off x="677334" y="609600"/>
+            <a:ext cx="8596668" cy="1320800"/>
+          </a:xfrm>
+        </p:spPr>
         <p:txBody>
           <a:bodyPr/>
           <a:lstStyle/>
@@ -1935,18 +3933,13 @@
               <a:rPr lang="en-US"/>
               <a:t>Click to edit Master title style</a:t>
             </a:r>
-          </a:p>
-        </p:txBody>
-      </p:sp>
-      <p:sp>
-        <p:nvSpPr>
-          <p:cNvPr id="3" name="Date Placeholder 2">
-            <a:extLst>
-              <a:ext uri="{FF2B5EF4-FFF2-40B4-BE49-F238E27FC236}">
-                <a16:creationId xmlns:a16="http://schemas.microsoft.com/office/drawing/2014/main" id="{B3C39790-774D-4D46-9B60-0982FF221CAB}"/>
-              </a:ext>
-            </a:extLst>
-          </p:cNvPr>
+            <a:endParaRPr lang="en-US" dirty="0"/>
+          </a:p>
+        </p:txBody>
+      </p:sp>
+      <p:sp>
+        <p:nvSpPr>
+          <p:cNvPr id="3" name="Date Placeholder 2"/>
           <p:cNvSpPr>
             <a:spLocks noGrp="1"/>
           </p:cNvSpPr>
@@ -1961,7 +3954,7 @@
           <a:p>
             <a:fld id="{A8772C97-20F4-4C81-9859-95A3E31E8BE1}" type="datetimeFigureOut">
               <a:rPr lang="en-US" smtClean="0"/>
-              <a:t>12/3/2019</a:t>
+              <a:t>5/8/2020</a:t>
             </a:fld>
             <a:endParaRPr lang="en-US"/>
           </a:p>
@@ -1969,13 +3962,7 @@
       </p:sp>
       <p:sp>
         <p:nvSpPr>
-          <p:cNvPr id="4" name="Footer Placeholder 3">
-            <a:extLst>
-              <a:ext uri="{FF2B5EF4-FFF2-40B4-BE49-F238E27FC236}">
-                <a16:creationId xmlns:a16="http://schemas.microsoft.com/office/drawing/2014/main" id="{2AFF7CC8-683F-4DE8-B775-6A1720876F59}"/>
-              </a:ext>
-            </a:extLst>
-          </p:cNvPr>
+          <p:cNvPr id="4" name="Footer Placeholder 3"/>
           <p:cNvSpPr>
             <a:spLocks noGrp="1"/>
           </p:cNvSpPr>
@@ -1994,13 +3981,7 @@
       </p:sp>
       <p:sp>
         <p:nvSpPr>
-          <p:cNvPr id="5" name="Slide Number Placeholder 4">
-            <a:extLst>
-              <a:ext uri="{FF2B5EF4-FFF2-40B4-BE49-F238E27FC236}">
-                <a16:creationId xmlns:a16="http://schemas.microsoft.com/office/drawing/2014/main" id="{DECA82EA-CC19-4747-B8B5-8B3947AF0476}"/>
-              </a:ext>
-            </a:extLst>
-          </p:cNvPr>
+          <p:cNvPr id="5" name="Slide Number Placeholder 4"/>
           <p:cNvSpPr>
             <a:spLocks noGrp="1"/>
           </p:cNvSpPr>
@@ -2024,7 +4005,7 @@
     </p:spTree>
     <p:extLst>
       <p:ext uri="{BB962C8B-B14F-4D97-AF65-F5344CB8AC3E}">
-        <p14:creationId xmlns:p14="http://schemas.microsoft.com/office/powerpoint/2010/main" val="2359010407"/>
+        <p14:creationId xmlns:p14="http://schemas.microsoft.com/office/powerpoint/2010/main" val="3718778558"/>
       </p:ext>
     </p:extLst>
   </p:cSld>
@@ -2053,13 +4034,7 @@
       </p:grpSpPr>
       <p:sp>
         <p:nvSpPr>
-          <p:cNvPr id="2" name="Date Placeholder 1">
-            <a:extLst>
-              <a:ext uri="{FF2B5EF4-FFF2-40B4-BE49-F238E27FC236}">
-                <a16:creationId xmlns:a16="http://schemas.microsoft.com/office/drawing/2014/main" id="{B6F06AE6-C629-41DE-9DD6-293E01DE6AF7}"/>
-              </a:ext>
-            </a:extLst>
-          </p:cNvPr>
+          <p:cNvPr id="2" name="Date Placeholder 1"/>
           <p:cNvSpPr>
             <a:spLocks noGrp="1"/>
           </p:cNvSpPr>
@@ -2074,7 +4049,7 @@
           <a:p>
             <a:fld id="{A8772C97-20F4-4C81-9859-95A3E31E8BE1}" type="datetimeFigureOut">
               <a:rPr lang="en-US" smtClean="0"/>
-              <a:t>12/3/2019</a:t>
+              <a:t>5/8/2020</a:t>
             </a:fld>
             <a:endParaRPr lang="en-US"/>
           </a:p>
@@ -2082,13 +4057,7 @@
       </p:sp>
       <p:sp>
         <p:nvSpPr>
-          <p:cNvPr id="3" name="Footer Placeholder 2">
-            <a:extLst>
-              <a:ext uri="{FF2B5EF4-FFF2-40B4-BE49-F238E27FC236}">
-                <a16:creationId xmlns:a16="http://schemas.microsoft.com/office/drawing/2014/main" id="{FD77B537-6925-4F59-8CF9-2604F426D115}"/>
-              </a:ext>
-            </a:extLst>
-          </p:cNvPr>
+          <p:cNvPr id="3" name="Footer Placeholder 2"/>
           <p:cNvSpPr>
             <a:spLocks noGrp="1"/>
           </p:cNvSpPr>
@@ -2107,13 +4076,7 @@
       </p:sp>
       <p:sp>
         <p:nvSpPr>
-          <p:cNvPr id="4" name="Slide Number Placeholder 3">
-            <a:extLst>
-              <a:ext uri="{FF2B5EF4-FFF2-40B4-BE49-F238E27FC236}">
-                <a16:creationId xmlns:a16="http://schemas.microsoft.com/office/drawing/2014/main" id="{F33BDD51-C0E4-40B0-932E-374B03807D22}"/>
-              </a:ext>
-            </a:extLst>
-          </p:cNvPr>
+          <p:cNvPr id="4" name="Slide Number Placeholder 3"/>
           <p:cNvSpPr>
             <a:spLocks noGrp="1"/>
           </p:cNvSpPr>
@@ -2137,7 +4100,7 @@
     </p:spTree>
     <p:extLst>
       <p:ext uri="{BB962C8B-B14F-4D97-AF65-F5344CB8AC3E}">
-        <p14:creationId xmlns:p14="http://schemas.microsoft.com/office/powerpoint/2010/main" val="1149194651"/>
+        <p14:creationId xmlns:p14="http://schemas.microsoft.com/office/powerpoint/2010/main" val="3571268770"/>
       </p:ext>
     </p:extLst>
   </p:cSld>
@@ -2166,13 +4129,7 @@
       </p:grpSpPr>
       <p:sp>
         <p:nvSpPr>
-          <p:cNvPr id="2" name="Title 1">
-            <a:extLst>
-              <a:ext uri="{FF2B5EF4-FFF2-40B4-BE49-F238E27FC236}">
-                <a16:creationId xmlns:a16="http://schemas.microsoft.com/office/drawing/2014/main" id="{9FED42C6-49E9-462B-A8C0-C148B5420C63}"/>
-              </a:ext>
-            </a:extLst>
-          </p:cNvPr>
+          <p:cNvPr id="2" name="Title 1"/>
           <p:cNvSpPr>
             <a:spLocks noGrp="1"/>
           </p:cNvSpPr>
@@ -2182,15 +4139,17 @@
         </p:nvSpPr>
         <p:spPr>
           <a:xfrm>
-            <a:off x="839788" y="457200"/>
-            <a:ext cx="3932237" cy="1600200"/>
+            <a:off x="677334" y="1498604"/>
+            <a:ext cx="3854528" cy="1278466"/>
           </a:xfrm>
         </p:spPr>
         <p:txBody>
-          <a:bodyPr anchor="b"/>
+          <a:bodyPr anchor="b">
+            <a:normAutofit/>
+          </a:bodyPr>
           <a:lstStyle>
             <a:lvl1pPr>
-              <a:defRPr sz="3200"/>
+              <a:defRPr sz="2000"/>
             </a:lvl1pPr>
           </a:lstStyle>
           <a:p>
@@ -2198,18 +4157,13 @@
               <a:rPr lang="en-US"/>
               <a:t>Click to edit Master title style</a:t>
             </a:r>
-          </a:p>
-        </p:txBody>
-      </p:sp>
-      <p:sp>
-        <p:nvSpPr>
-          <p:cNvPr id="3" name="Content Placeholder 2">
-            <a:extLst>
-              <a:ext uri="{FF2B5EF4-FFF2-40B4-BE49-F238E27FC236}">
-                <a16:creationId xmlns:a16="http://schemas.microsoft.com/office/drawing/2014/main" id="{381CBE41-DE9F-4811-A224-CEB2EE144976}"/>
-              </a:ext>
-            </a:extLst>
-          </p:cNvPr>
+            <a:endParaRPr lang="en-US" dirty="0"/>
+          </a:p>
+        </p:txBody>
+      </p:sp>
+      <p:sp>
+        <p:nvSpPr>
+          <p:cNvPr id="3" name="Content Placeholder 2"/>
           <p:cNvSpPr>
             <a:spLocks noGrp="1"/>
           </p:cNvSpPr>
@@ -2219,46 +4173,20 @@
         </p:nvSpPr>
         <p:spPr>
           <a:xfrm>
-            <a:off x="5183188" y="987425"/>
-            <a:ext cx="6172200" cy="4873625"/>
+            <a:off x="4760461" y="514924"/>
+            <a:ext cx="4513541" cy="5526437"/>
           </a:xfrm>
         </p:spPr>
         <p:txBody>
-          <a:bodyPr/>
-          <a:lstStyle>
-            <a:lvl1pPr>
-              <a:defRPr sz="3200"/>
-            </a:lvl1pPr>
-            <a:lvl2pPr>
-              <a:defRPr sz="2800"/>
-            </a:lvl2pPr>
-            <a:lvl3pPr>
-              <a:defRPr sz="2400"/>
-            </a:lvl3pPr>
-            <a:lvl4pPr>
-              <a:defRPr sz="2000"/>
-            </a:lvl4pPr>
-            <a:lvl5pPr>
-              <a:defRPr sz="2000"/>
-            </a:lvl5pPr>
-            <a:lvl6pPr>
-              <a:defRPr sz="2000"/>
-            </a:lvl6pPr>
-            <a:lvl7pPr>
-              <a:defRPr sz="2000"/>
-            </a:lvl7pPr>
-            <a:lvl8pPr>
-              <a:defRPr sz="2000"/>
-            </a:lvl8pPr>
-            <a:lvl9pPr>
-              <a:defRPr sz="2000"/>
-            </a:lvl9pPr>
-          </a:lstStyle>
+          <a:bodyPr>
+            <a:normAutofit/>
+          </a:bodyPr>
+          <a:lstStyle/>
           <a:p>
             <a:pPr lvl="0"/>
             <a:r>
               <a:rPr lang="en-US"/>
-              <a:t>Click to edit Master text styles</a:t>
+              <a:t>Edit Master text styles</a:t>
             </a:r>
           </a:p>
           <a:p>
@@ -2288,18 +4216,13 @@
               <a:rPr lang="en-US"/>
               <a:t>Fifth level</a:t>
             </a:r>
-          </a:p>
-        </p:txBody>
-      </p:sp>
-      <p:sp>
-        <p:nvSpPr>
-          <p:cNvPr id="4" name="Text Placeholder 3">
-            <a:extLst>
-              <a:ext uri="{FF2B5EF4-FFF2-40B4-BE49-F238E27FC236}">
-                <a16:creationId xmlns:a16="http://schemas.microsoft.com/office/drawing/2014/main" id="{E0C45E27-3DC0-4899-A95F-F329F4D6EF12}"/>
-              </a:ext>
-            </a:extLst>
-          </p:cNvPr>
+            <a:endParaRPr lang="en-US" dirty="0"/>
+          </a:p>
+        </p:txBody>
+      </p:sp>
+      <p:sp>
+        <p:nvSpPr>
+          <p:cNvPr id="4" name="Text Placeholder 3"/>
           <p:cNvSpPr>
             <a:spLocks noGrp="1"/>
           </p:cNvSpPr>
@@ -2309,46 +4232,48 @@
         </p:nvSpPr>
         <p:spPr>
           <a:xfrm>
-            <a:off x="839788" y="2057400"/>
-            <a:ext cx="3932237" cy="3811588"/>
+            <a:off x="677334" y="2777069"/>
+            <a:ext cx="3854528" cy="2584449"/>
           </a:xfrm>
         </p:spPr>
         <p:txBody>
-          <a:bodyPr/>
+          <a:bodyPr>
+            <a:normAutofit/>
+          </a:bodyPr>
           <a:lstStyle>
             <a:lvl1pPr marL="0" indent="0">
               <a:buNone/>
-              <a:defRPr sz="1600"/>
+              <a:defRPr sz="1400"/>
             </a:lvl1pPr>
-            <a:lvl2pPr marL="457200" indent="0">
+            <a:lvl2pPr marL="457063" indent="0">
               <a:buNone/>
               <a:defRPr sz="1400"/>
             </a:lvl2pPr>
-            <a:lvl3pPr marL="914400" indent="0">
+            <a:lvl3pPr marL="914126" indent="0">
               <a:buNone/>
               <a:defRPr sz="1200"/>
             </a:lvl3pPr>
-            <a:lvl4pPr marL="1371600" indent="0">
+            <a:lvl4pPr marL="1371189" indent="0">
               <a:buNone/>
               <a:defRPr sz="1000"/>
             </a:lvl4pPr>
-            <a:lvl5pPr marL="1828800" indent="0">
+            <a:lvl5pPr marL="1828251" indent="0">
               <a:buNone/>
               <a:defRPr sz="1000"/>
             </a:lvl5pPr>
-            <a:lvl6pPr marL="2286000" indent="0">
+            <a:lvl6pPr marL="2285314" indent="0">
               <a:buNone/>
               <a:defRPr sz="1000"/>
             </a:lvl6pPr>
-            <a:lvl7pPr marL="2743200" indent="0">
+            <a:lvl7pPr marL="2742377" indent="0">
               <a:buNone/>
               <a:defRPr sz="1000"/>
             </a:lvl7pPr>
-            <a:lvl8pPr marL="3200400" indent="0">
+            <a:lvl8pPr marL="3199440" indent="0">
               <a:buNone/>
               <a:defRPr sz="1000"/>
             </a:lvl8pPr>
-            <a:lvl9pPr marL="3657600" indent="0">
+            <a:lvl9pPr marL="3656503" indent="0">
               <a:buNone/>
               <a:defRPr sz="1000"/>
             </a:lvl9pPr>
@@ -2357,20 +4282,14 @@
             <a:pPr lvl="0"/>
             <a:r>
               <a:rPr lang="en-US"/>
-              <a:t>Click to edit Master text styles</a:t>
-            </a:r>
-          </a:p>
-        </p:txBody>
-      </p:sp>
-      <p:sp>
-        <p:nvSpPr>
-          <p:cNvPr id="5" name="Date Placeholder 4">
-            <a:extLst>
-              <a:ext uri="{FF2B5EF4-FFF2-40B4-BE49-F238E27FC236}">
-                <a16:creationId xmlns:a16="http://schemas.microsoft.com/office/drawing/2014/main" id="{F05BFF9E-8A77-4C23-AC28-C8DE9F474D77}"/>
-              </a:ext>
-            </a:extLst>
-          </p:cNvPr>
+              <a:t>Edit Master text styles</a:t>
+            </a:r>
+          </a:p>
+        </p:txBody>
+      </p:sp>
+      <p:sp>
+        <p:nvSpPr>
+          <p:cNvPr id="5" name="Date Placeholder 4"/>
           <p:cNvSpPr>
             <a:spLocks noGrp="1"/>
           </p:cNvSpPr>
@@ -2385,7 +4304,7 @@
           <a:p>
             <a:fld id="{A8772C97-20F4-4C81-9859-95A3E31E8BE1}" type="datetimeFigureOut">
               <a:rPr lang="en-US" smtClean="0"/>
-              <a:t>12/3/2019</a:t>
+              <a:t>5/8/2020</a:t>
             </a:fld>
             <a:endParaRPr lang="en-US"/>
           </a:p>
@@ -2393,13 +4312,7 @@
       </p:sp>
       <p:sp>
         <p:nvSpPr>
-          <p:cNvPr id="6" name="Footer Placeholder 5">
-            <a:extLst>
-              <a:ext uri="{FF2B5EF4-FFF2-40B4-BE49-F238E27FC236}">
-                <a16:creationId xmlns:a16="http://schemas.microsoft.com/office/drawing/2014/main" id="{9B8526F2-2898-4DF6-8634-AF3A61899450}"/>
-              </a:ext>
-            </a:extLst>
-          </p:cNvPr>
+          <p:cNvPr id="6" name="Footer Placeholder 5"/>
           <p:cNvSpPr>
             <a:spLocks noGrp="1"/>
           </p:cNvSpPr>
@@ -2418,13 +4331,7 @@
       </p:sp>
       <p:sp>
         <p:nvSpPr>
-          <p:cNvPr id="7" name="Slide Number Placeholder 6">
-            <a:extLst>
-              <a:ext uri="{FF2B5EF4-FFF2-40B4-BE49-F238E27FC236}">
-                <a16:creationId xmlns:a16="http://schemas.microsoft.com/office/drawing/2014/main" id="{CEBA0566-0CED-4F22-BB39-7A6E9EDB0212}"/>
-              </a:ext>
-            </a:extLst>
-          </p:cNvPr>
+          <p:cNvPr id="7" name="Slide Number Placeholder 6"/>
           <p:cNvSpPr>
             <a:spLocks noGrp="1"/>
           </p:cNvSpPr>
@@ -2448,7 +4355,7 @@
     </p:spTree>
     <p:extLst>
       <p:ext uri="{BB962C8B-B14F-4D97-AF65-F5344CB8AC3E}">
-        <p14:creationId xmlns:p14="http://schemas.microsoft.com/office/powerpoint/2010/main" val="1570505334"/>
+        <p14:creationId xmlns:p14="http://schemas.microsoft.com/office/powerpoint/2010/main" val="742065881"/>
       </p:ext>
     </p:extLst>
   </p:cSld>
@@ -2477,13 +4384,7 @@
       </p:grpSpPr>
       <p:sp>
         <p:nvSpPr>
-          <p:cNvPr id="2" name="Title 1">
-            <a:extLst>
-              <a:ext uri="{FF2B5EF4-FFF2-40B4-BE49-F238E27FC236}">
-                <a16:creationId xmlns:a16="http://schemas.microsoft.com/office/drawing/2014/main" id="{9C3E058C-35CD-49EC-A27F-C0BA9E9A4C4D}"/>
-              </a:ext>
-            </a:extLst>
-          </p:cNvPr>
+          <p:cNvPr id="2" name="Title 1"/>
           <p:cNvSpPr>
             <a:spLocks noGrp="1"/>
           </p:cNvSpPr>
@@ -2493,15 +4394,17 @@
         </p:nvSpPr>
         <p:spPr>
           <a:xfrm>
-            <a:off x="839788" y="457200"/>
-            <a:ext cx="3932237" cy="1600200"/>
+            <a:off x="677334" y="4800600"/>
+            <a:ext cx="8596667" cy="566738"/>
           </a:xfrm>
         </p:spPr>
         <p:txBody>
-          <a:bodyPr anchor="b"/>
+          <a:bodyPr anchor="b">
+            <a:normAutofit/>
+          </a:bodyPr>
           <a:lstStyle>
-            <a:lvl1pPr>
-              <a:defRPr sz="3200"/>
+            <a:lvl1pPr algn="l">
+              <a:defRPr sz="2400" b="0"/>
             </a:lvl1pPr>
           </a:lstStyle>
           <a:p>
@@ -2509,20 +4412,15 @@
               <a:rPr lang="en-US"/>
               <a:t>Click to edit Master title style</a:t>
             </a:r>
-          </a:p>
-        </p:txBody>
-      </p:sp>
-      <p:sp>
-        <p:nvSpPr>
-          <p:cNvPr id="3" name="Picture Placeholder 2">
-            <a:extLst>
-              <a:ext uri="{FF2B5EF4-FFF2-40B4-BE49-F238E27FC236}">
-                <a16:creationId xmlns:a16="http://schemas.microsoft.com/office/drawing/2014/main" id="{B842C63B-B408-481B-B014-12060157181E}"/>
-              </a:ext>
-            </a:extLst>
-          </p:cNvPr>
-          <p:cNvSpPr>
-            <a:spLocks noGrp="1"/>
+            <a:endParaRPr lang="en-US" dirty="0"/>
+          </a:p>
+        </p:txBody>
+      </p:sp>
+      <p:sp>
+        <p:nvSpPr>
+          <p:cNvPr id="3" name="Picture Placeholder 2"/>
+          <p:cNvSpPr>
+            <a:spLocks noGrp="1" noChangeAspect="1"/>
           </p:cNvSpPr>
           <p:nvPr>
             <p:ph type="pic" idx="1"/>
@@ -2530,135 +4428,131 @@
         </p:nvSpPr>
         <p:spPr>
           <a:xfrm>
-            <a:off x="5183188" y="987425"/>
-            <a:ext cx="6172200" cy="4873625"/>
+            <a:off x="677334" y="609600"/>
+            <a:ext cx="8596668" cy="3845718"/>
           </a:xfrm>
         </p:spPr>
         <p:txBody>
-          <a:bodyPr/>
+          <a:bodyPr anchor="t">
+            <a:normAutofit/>
+          </a:bodyPr>
           <a:lstStyle>
-            <a:lvl1pPr marL="0" indent="0">
-              <a:buNone/>
-              <a:defRPr sz="3200"/>
-            </a:lvl1pPr>
-            <a:lvl2pPr marL="457200" indent="0">
-              <a:buNone/>
-              <a:defRPr sz="2800"/>
-            </a:lvl2pPr>
-            <a:lvl3pPr marL="914400" indent="0">
-              <a:buNone/>
-              <a:defRPr sz="2400"/>
-            </a:lvl3pPr>
-            <a:lvl4pPr marL="1371600" indent="0">
-              <a:buNone/>
-              <a:defRPr sz="2000"/>
-            </a:lvl4pPr>
-            <a:lvl5pPr marL="1828800" indent="0">
-              <a:buNone/>
-              <a:defRPr sz="2000"/>
-            </a:lvl5pPr>
-            <a:lvl6pPr marL="2286000" indent="0">
-              <a:buNone/>
-              <a:defRPr sz="2000"/>
-            </a:lvl6pPr>
-            <a:lvl7pPr marL="2743200" indent="0">
-              <a:buNone/>
-              <a:defRPr sz="2000"/>
-            </a:lvl7pPr>
-            <a:lvl8pPr marL="3200400" indent="0">
-              <a:buNone/>
-              <a:defRPr sz="2000"/>
-            </a:lvl8pPr>
-            <a:lvl9pPr marL="3657600" indent="0">
-              <a:buNone/>
-              <a:defRPr sz="2000"/>
-            </a:lvl9pPr>
-          </a:lstStyle>
-          <a:p>
-            <a:endParaRPr lang="en-US"/>
-          </a:p>
-        </p:txBody>
-      </p:sp>
-      <p:sp>
-        <p:nvSpPr>
-          <p:cNvPr id="4" name="Text Placeholder 3">
-            <a:extLst>
-              <a:ext uri="{FF2B5EF4-FFF2-40B4-BE49-F238E27FC236}">
-                <a16:creationId xmlns:a16="http://schemas.microsoft.com/office/drawing/2014/main" id="{4C5369C9-7EBA-4D2E-8B8C-49365C706E0A}"/>
-              </a:ext>
-            </a:extLst>
-          </p:cNvPr>
-          <p:cNvSpPr>
-            <a:spLocks noGrp="1"/>
-          </p:cNvSpPr>
-          <p:nvPr>
-            <p:ph type="body" sz="half" idx="2"/>
-          </p:nvPr>
-        </p:nvSpPr>
-        <p:spPr>
-          <a:xfrm>
-            <a:off x="839788" y="2057400"/>
-            <a:ext cx="3932237" cy="3811588"/>
-          </a:xfrm>
-        </p:spPr>
-        <p:txBody>
-          <a:bodyPr/>
-          <a:lstStyle>
-            <a:lvl1pPr marL="0" indent="0">
+            <a:lvl1pPr marL="0" indent="0" algn="ctr">
               <a:buNone/>
               <a:defRPr sz="1600"/>
             </a:lvl1pPr>
             <a:lvl2pPr marL="457200" indent="0">
               <a:buNone/>
-              <a:defRPr sz="1400"/>
+              <a:defRPr sz="1600"/>
             </a:lvl2pPr>
             <a:lvl3pPr marL="914400" indent="0">
               <a:buNone/>
-              <a:defRPr sz="1200"/>
+              <a:defRPr sz="1600"/>
             </a:lvl3pPr>
             <a:lvl4pPr marL="1371600" indent="0">
               <a:buNone/>
-              <a:defRPr sz="1000"/>
+              <a:defRPr sz="1600"/>
             </a:lvl4pPr>
             <a:lvl5pPr marL="1828800" indent="0">
               <a:buNone/>
-              <a:defRPr sz="1000"/>
+              <a:defRPr sz="1600"/>
             </a:lvl5pPr>
             <a:lvl6pPr marL="2286000" indent="0">
               <a:buNone/>
-              <a:defRPr sz="1000"/>
+              <a:defRPr sz="1600"/>
             </a:lvl6pPr>
             <a:lvl7pPr marL="2743200" indent="0">
               <a:buNone/>
-              <a:defRPr sz="1000"/>
+              <a:defRPr sz="1600"/>
             </a:lvl7pPr>
             <a:lvl8pPr marL="3200400" indent="0">
               <a:buNone/>
-              <a:defRPr sz="1000"/>
+              <a:defRPr sz="1600"/>
             </a:lvl8pPr>
             <a:lvl9pPr marL="3657600" indent="0">
               <a:buNone/>
-              <a:defRPr sz="1000"/>
+              <a:defRPr sz="1600"/>
             </a:lvl9pPr>
           </a:lstStyle>
           <a:p>
+            <a:r>
+              <a:rPr lang="en-US"/>
+              <a:t>Click icon to add picture</a:t>
+            </a:r>
+            <a:endParaRPr lang="en-US" dirty="0"/>
+          </a:p>
+        </p:txBody>
+      </p:sp>
+      <p:sp>
+        <p:nvSpPr>
+          <p:cNvPr id="4" name="Text Placeholder 3"/>
+          <p:cNvSpPr>
+            <a:spLocks noGrp="1"/>
+          </p:cNvSpPr>
+          <p:nvPr>
+            <p:ph type="body" sz="half" idx="2"/>
+          </p:nvPr>
+        </p:nvSpPr>
+        <p:spPr>
+          <a:xfrm>
+            <a:off x="677334" y="5367338"/>
+            <a:ext cx="8596667" cy="674024"/>
+          </a:xfrm>
+        </p:spPr>
+        <p:txBody>
+          <a:bodyPr>
+            <a:normAutofit/>
+          </a:bodyPr>
+          <a:lstStyle>
+            <a:lvl1pPr marL="0" indent="0">
+              <a:buNone/>
+              <a:defRPr sz="1200"/>
+            </a:lvl1pPr>
+            <a:lvl2pPr marL="457200" indent="0">
+              <a:buNone/>
+              <a:defRPr sz="1200"/>
+            </a:lvl2pPr>
+            <a:lvl3pPr marL="914400" indent="0">
+              <a:buNone/>
+              <a:defRPr sz="1000"/>
+            </a:lvl3pPr>
+            <a:lvl4pPr marL="1371600" indent="0">
+              <a:buNone/>
+              <a:defRPr sz="900"/>
+            </a:lvl4pPr>
+            <a:lvl5pPr marL="1828800" indent="0">
+              <a:buNone/>
+              <a:defRPr sz="900"/>
+            </a:lvl5pPr>
+            <a:lvl6pPr marL="2286000" indent="0">
+              <a:buNone/>
+              <a:defRPr sz="900"/>
+            </a:lvl6pPr>
+            <a:lvl7pPr marL="2743200" indent="0">
+              <a:buNone/>
+              <a:defRPr sz="900"/>
+            </a:lvl7pPr>
+            <a:lvl8pPr marL="3200400" indent="0">
+              <a:buNone/>
+              <a:defRPr sz="900"/>
+            </a:lvl8pPr>
+            <a:lvl9pPr marL="3657600" indent="0">
+              <a:buNone/>
+              <a:defRPr sz="900"/>
+            </a:lvl9pPr>
+          </a:lstStyle>
+          <a:p>
             <a:pPr lvl="0"/>
             <a:r>
               <a:rPr lang="en-US"/>
-              <a:t>Click to edit Master text styles</a:t>
-            </a:r>
-          </a:p>
-        </p:txBody>
-      </p:sp>
-      <p:sp>
-        <p:nvSpPr>
-          <p:cNvPr id="5" name="Date Placeholder 4">
-            <a:extLst>
-              <a:ext uri="{FF2B5EF4-FFF2-40B4-BE49-F238E27FC236}">
-                <a16:creationId xmlns:a16="http://schemas.microsoft.com/office/drawing/2014/main" id="{03C46156-5F52-434D-A445-4AD541A55CB2}"/>
-              </a:ext>
-            </a:extLst>
-          </p:cNvPr>
+              <a:t>Edit Master text styles</a:t>
+            </a:r>
+          </a:p>
+        </p:txBody>
+      </p:sp>
+      <p:sp>
+        <p:nvSpPr>
+          <p:cNvPr id="5" name="Date Placeholder 4"/>
           <p:cNvSpPr>
             <a:spLocks noGrp="1"/>
           </p:cNvSpPr>
@@ -2673,7 +4567,7 @@
           <a:p>
             <a:fld id="{A8772C97-20F4-4C81-9859-95A3E31E8BE1}" type="datetimeFigureOut">
               <a:rPr lang="en-US" smtClean="0"/>
-              <a:t>12/3/2019</a:t>
+              <a:t>5/8/2020</a:t>
             </a:fld>
             <a:endParaRPr lang="en-US"/>
           </a:p>
@@ -2681,13 +4575,7 @@
       </p:sp>
       <p:sp>
         <p:nvSpPr>
-          <p:cNvPr id="6" name="Footer Placeholder 5">
-            <a:extLst>
-              <a:ext uri="{FF2B5EF4-FFF2-40B4-BE49-F238E27FC236}">
-                <a16:creationId xmlns:a16="http://schemas.microsoft.com/office/drawing/2014/main" id="{539F182D-A304-4092-995B-C6770ED29176}"/>
-              </a:ext>
-            </a:extLst>
-          </p:cNvPr>
+          <p:cNvPr id="6" name="Footer Placeholder 5"/>
           <p:cNvSpPr>
             <a:spLocks noGrp="1"/>
           </p:cNvSpPr>
@@ -2706,13 +4594,7 @@
       </p:sp>
       <p:sp>
         <p:nvSpPr>
-          <p:cNvPr id="7" name="Slide Number Placeholder 6">
-            <a:extLst>
-              <a:ext uri="{FF2B5EF4-FFF2-40B4-BE49-F238E27FC236}">
-                <a16:creationId xmlns:a16="http://schemas.microsoft.com/office/drawing/2014/main" id="{E2967452-E124-44CD-AAB0-7531845825C6}"/>
-              </a:ext>
-            </a:extLst>
-          </p:cNvPr>
+          <p:cNvPr id="7" name="Slide Number Placeholder 6"/>
           <p:cNvSpPr>
             <a:spLocks noGrp="1"/>
           </p:cNvSpPr>
@@ -2736,7 +4618,7 @@
     </p:spTree>
     <p:extLst>
       <p:ext uri="{BB962C8B-B14F-4D97-AF65-F5344CB8AC3E}">
-        <p14:creationId xmlns:p14="http://schemas.microsoft.com/office/powerpoint/2010/main" val="2565532994"/>
+        <p14:creationId xmlns:p14="http://schemas.microsoft.com/office/powerpoint/2010/main" val="2478037729"/>
       </p:ext>
     </p:extLst>
   </p:cSld>
@@ -2768,15 +4650,539 @@
           <a:chExt cx="0" cy="0"/>
         </a:xfrm>
       </p:grpSpPr>
-      <p:sp>
-        <p:nvSpPr>
-          <p:cNvPr id="2" name="Title Placeholder 1">
-            <a:extLst>
-              <a:ext uri="{FF2B5EF4-FFF2-40B4-BE49-F238E27FC236}">
-                <a16:creationId xmlns:a16="http://schemas.microsoft.com/office/drawing/2014/main" id="{02726612-3F75-48BD-A9B9-C05D6F7E18FB}"/>
-              </a:ext>
-            </a:extLst>
-          </p:cNvPr>
+      <p:grpSp>
+        <p:nvGrpSpPr>
+          <p:cNvPr id="7" name="Group 6"/>
+          <p:cNvGrpSpPr/>
+          <p:nvPr/>
+        </p:nvGrpSpPr>
+        <p:grpSpPr>
+          <a:xfrm>
+            <a:off x="0" y="-8467"/>
+            <a:ext cx="12192000" cy="6866467"/>
+            <a:chOff x="0" y="-8467"/>
+            <a:chExt cx="12192000" cy="6866467"/>
+          </a:xfrm>
+        </p:grpSpPr>
+        <p:cxnSp>
+          <p:nvCxnSpPr>
+            <p:cNvPr id="20" name="Straight Connector 19"/>
+            <p:cNvCxnSpPr/>
+            <p:nvPr/>
+          </p:nvCxnSpPr>
+          <p:spPr>
+            <a:xfrm>
+              <a:off x="9371012" y="0"/>
+              <a:ext cx="1219200" cy="6858000"/>
+            </a:xfrm>
+            <a:prstGeom prst="line">
+              <a:avLst/>
+            </a:prstGeom>
+            <a:ln w="9525">
+              <a:solidFill>
+                <a:schemeClr val="bg1">
+                  <a:lumMod val="75000"/>
+                </a:schemeClr>
+              </a:solidFill>
+            </a:ln>
+          </p:spPr>
+          <p:style>
+            <a:lnRef idx="2">
+              <a:schemeClr val="accent1"/>
+            </a:lnRef>
+            <a:fillRef idx="0">
+              <a:schemeClr val="accent1"/>
+            </a:fillRef>
+            <a:effectRef idx="1">
+              <a:schemeClr val="accent1"/>
+            </a:effectRef>
+            <a:fontRef idx="minor">
+              <a:schemeClr val="tx1"/>
+            </a:fontRef>
+          </p:style>
+        </p:cxnSp>
+        <p:cxnSp>
+          <p:nvCxnSpPr>
+            <p:cNvPr id="21" name="Straight Connector 20"/>
+            <p:cNvCxnSpPr/>
+            <p:nvPr/>
+          </p:nvCxnSpPr>
+          <p:spPr>
+            <a:xfrm flipH="1">
+              <a:off x="7425267" y="3681413"/>
+              <a:ext cx="4763558" cy="3176587"/>
+            </a:xfrm>
+            <a:prstGeom prst="line">
+              <a:avLst/>
+            </a:prstGeom>
+            <a:ln w="9525">
+              <a:solidFill>
+                <a:schemeClr val="bg1">
+                  <a:lumMod val="85000"/>
+                </a:schemeClr>
+              </a:solidFill>
+            </a:ln>
+          </p:spPr>
+          <p:style>
+            <a:lnRef idx="2">
+              <a:schemeClr val="accent1"/>
+            </a:lnRef>
+            <a:fillRef idx="0">
+              <a:schemeClr val="accent1"/>
+            </a:fillRef>
+            <a:effectRef idx="1">
+              <a:schemeClr val="accent1"/>
+            </a:effectRef>
+            <a:fontRef idx="minor">
+              <a:schemeClr val="tx1"/>
+            </a:fontRef>
+          </p:style>
+        </p:cxnSp>
+        <p:sp>
+          <p:nvSpPr>
+            <p:cNvPr id="22" name="Rectangle 23"/>
+            <p:cNvSpPr/>
+            <p:nvPr/>
+          </p:nvSpPr>
+          <p:spPr>
+            <a:xfrm>
+              <a:off x="9181476" y="-8467"/>
+              <a:ext cx="3007349" cy="6866467"/>
+            </a:xfrm>
+            <a:custGeom>
+              <a:avLst/>
+              <a:gdLst/>
+              <a:ahLst/>
+              <a:cxnLst/>
+              <a:rect l="l" t="t" r="r" b="b"/>
+              <a:pathLst>
+                <a:path w="3007349" h="6866467">
+                  <a:moveTo>
+                    <a:pt x="2045532" y="0"/>
+                  </a:moveTo>
+                  <a:lnTo>
+                    <a:pt x="3007349" y="0"/>
+                  </a:lnTo>
+                  <a:lnTo>
+                    <a:pt x="3007349" y="6866467"/>
+                  </a:lnTo>
+                  <a:lnTo>
+                    <a:pt x="0" y="6866467"/>
+                  </a:lnTo>
+                  <a:lnTo>
+                    <a:pt x="2045532" y="0"/>
+                  </a:lnTo>
+                  <a:close/>
+                </a:path>
+              </a:pathLst>
+            </a:custGeom>
+            <a:solidFill>
+              <a:schemeClr val="accent1">
+                <a:alpha val="30000"/>
+              </a:schemeClr>
+            </a:solidFill>
+            <a:ln>
+              <a:noFill/>
+            </a:ln>
+            <a:effectLst/>
+          </p:spPr>
+          <p:style>
+            <a:lnRef idx="1">
+              <a:schemeClr val="accent1"/>
+            </a:lnRef>
+            <a:fillRef idx="3">
+              <a:schemeClr val="accent1"/>
+            </a:fillRef>
+            <a:effectRef idx="2">
+              <a:schemeClr val="accent1"/>
+            </a:effectRef>
+            <a:fontRef idx="minor">
+              <a:schemeClr val="lt1"/>
+            </a:fontRef>
+          </p:style>
+        </p:sp>
+        <p:sp>
+          <p:nvSpPr>
+            <p:cNvPr id="23" name="Rectangle 25"/>
+            <p:cNvSpPr/>
+            <p:nvPr/>
+          </p:nvSpPr>
+          <p:spPr>
+            <a:xfrm>
+              <a:off x="9603442" y="-8467"/>
+              <a:ext cx="2588558" cy="6866467"/>
+            </a:xfrm>
+            <a:custGeom>
+              <a:avLst/>
+              <a:gdLst/>
+              <a:ahLst/>
+              <a:cxnLst/>
+              <a:rect l="l" t="t" r="r" b="b"/>
+              <a:pathLst>
+                <a:path w="2573311" h="6866467">
+                  <a:moveTo>
+                    <a:pt x="0" y="0"/>
+                  </a:moveTo>
+                  <a:lnTo>
+                    <a:pt x="2573311" y="0"/>
+                  </a:lnTo>
+                  <a:lnTo>
+                    <a:pt x="2573311" y="6866467"/>
+                  </a:lnTo>
+                  <a:lnTo>
+                    <a:pt x="1202336" y="6866467"/>
+                  </a:lnTo>
+                  <a:lnTo>
+                    <a:pt x="0" y="0"/>
+                  </a:lnTo>
+                  <a:close/>
+                </a:path>
+              </a:pathLst>
+            </a:custGeom>
+            <a:solidFill>
+              <a:schemeClr val="accent1">
+                <a:alpha val="20000"/>
+              </a:schemeClr>
+            </a:solidFill>
+            <a:ln>
+              <a:noFill/>
+            </a:ln>
+            <a:effectLst/>
+          </p:spPr>
+          <p:style>
+            <a:lnRef idx="1">
+              <a:schemeClr val="accent1"/>
+            </a:lnRef>
+            <a:fillRef idx="3">
+              <a:schemeClr val="accent1"/>
+            </a:fillRef>
+            <a:effectRef idx="2">
+              <a:schemeClr val="accent1"/>
+            </a:effectRef>
+            <a:fontRef idx="minor">
+              <a:schemeClr val="lt1"/>
+            </a:fontRef>
+          </p:style>
+        </p:sp>
+        <p:sp>
+          <p:nvSpPr>
+            <p:cNvPr id="24" name="Isosceles Triangle 23"/>
+            <p:cNvSpPr/>
+            <p:nvPr/>
+          </p:nvSpPr>
+          <p:spPr>
+            <a:xfrm>
+              <a:off x="8932333" y="3048000"/>
+              <a:ext cx="3259667" cy="3810000"/>
+            </a:xfrm>
+            <a:prstGeom prst="triangle">
+              <a:avLst>
+                <a:gd name="adj" fmla="val 100000"/>
+              </a:avLst>
+            </a:prstGeom>
+            <a:solidFill>
+              <a:schemeClr val="accent2">
+                <a:alpha val="72000"/>
+              </a:schemeClr>
+            </a:solidFill>
+            <a:ln>
+              <a:noFill/>
+            </a:ln>
+            <a:effectLst/>
+          </p:spPr>
+          <p:style>
+            <a:lnRef idx="1">
+              <a:schemeClr val="accent1"/>
+            </a:lnRef>
+            <a:fillRef idx="3">
+              <a:schemeClr val="accent1"/>
+            </a:fillRef>
+            <a:effectRef idx="2">
+              <a:schemeClr val="accent1"/>
+            </a:effectRef>
+            <a:fontRef idx="minor">
+              <a:schemeClr val="lt1"/>
+            </a:fontRef>
+          </p:style>
+        </p:sp>
+        <p:sp>
+          <p:nvSpPr>
+            <p:cNvPr id="25" name="Rectangle 27"/>
+            <p:cNvSpPr/>
+            <p:nvPr/>
+          </p:nvSpPr>
+          <p:spPr>
+            <a:xfrm>
+              <a:off x="9334500" y="-8467"/>
+              <a:ext cx="2854326" cy="6866467"/>
+            </a:xfrm>
+            <a:custGeom>
+              <a:avLst/>
+              <a:gdLst/>
+              <a:ahLst/>
+              <a:cxnLst/>
+              <a:rect l="l" t="t" r="r" b="b"/>
+              <a:pathLst>
+                <a:path w="2858013" h="6866467">
+                  <a:moveTo>
+                    <a:pt x="0" y="0"/>
+                  </a:moveTo>
+                  <a:lnTo>
+                    <a:pt x="2858013" y="0"/>
+                  </a:lnTo>
+                  <a:lnTo>
+                    <a:pt x="2858013" y="6866467"/>
+                  </a:lnTo>
+                  <a:lnTo>
+                    <a:pt x="2473942" y="6866467"/>
+                  </a:lnTo>
+                  <a:lnTo>
+                    <a:pt x="0" y="0"/>
+                  </a:lnTo>
+                  <a:close/>
+                </a:path>
+              </a:pathLst>
+            </a:custGeom>
+            <a:solidFill>
+              <a:schemeClr val="accent2">
+                <a:lumMod val="75000"/>
+                <a:alpha val="70000"/>
+              </a:schemeClr>
+            </a:solidFill>
+            <a:ln>
+              <a:noFill/>
+            </a:ln>
+            <a:effectLst/>
+          </p:spPr>
+          <p:style>
+            <a:lnRef idx="1">
+              <a:schemeClr val="accent1"/>
+            </a:lnRef>
+            <a:fillRef idx="3">
+              <a:schemeClr val="accent1"/>
+            </a:fillRef>
+            <a:effectRef idx="2">
+              <a:schemeClr val="accent1"/>
+            </a:effectRef>
+            <a:fontRef idx="minor">
+              <a:schemeClr val="lt1"/>
+            </a:fontRef>
+          </p:style>
+        </p:sp>
+        <p:sp>
+          <p:nvSpPr>
+            <p:cNvPr id="26" name="Rectangle 28"/>
+            <p:cNvSpPr/>
+            <p:nvPr/>
+          </p:nvSpPr>
+          <p:spPr>
+            <a:xfrm>
+              <a:off x="10898730" y="-8467"/>
+              <a:ext cx="1290094" cy="6866467"/>
+            </a:xfrm>
+            <a:custGeom>
+              <a:avLst/>
+              <a:gdLst/>
+              <a:ahLst/>
+              <a:cxnLst/>
+              <a:rect l="l" t="t" r="r" b="b"/>
+              <a:pathLst>
+                <a:path w="1290094" h="6858000">
+                  <a:moveTo>
+                    <a:pt x="1019735" y="0"/>
+                  </a:moveTo>
+                  <a:lnTo>
+                    <a:pt x="1290094" y="0"/>
+                  </a:lnTo>
+                  <a:lnTo>
+                    <a:pt x="1290094" y="6858000"/>
+                  </a:lnTo>
+                  <a:lnTo>
+                    <a:pt x="0" y="6858000"/>
+                  </a:lnTo>
+                  <a:lnTo>
+                    <a:pt x="1019735" y="0"/>
+                  </a:lnTo>
+                  <a:close/>
+                </a:path>
+              </a:pathLst>
+            </a:custGeom>
+            <a:solidFill>
+              <a:schemeClr val="accent1">
+                <a:lumMod val="60000"/>
+                <a:lumOff val="40000"/>
+                <a:alpha val="70000"/>
+              </a:schemeClr>
+            </a:solidFill>
+            <a:ln>
+              <a:noFill/>
+            </a:ln>
+            <a:effectLst/>
+          </p:spPr>
+          <p:style>
+            <a:lnRef idx="1">
+              <a:schemeClr val="accent1"/>
+            </a:lnRef>
+            <a:fillRef idx="3">
+              <a:schemeClr val="accent1"/>
+            </a:fillRef>
+            <a:effectRef idx="2">
+              <a:schemeClr val="accent1"/>
+            </a:effectRef>
+            <a:fontRef idx="minor">
+              <a:schemeClr val="lt1"/>
+            </a:fontRef>
+          </p:style>
+        </p:sp>
+        <p:sp>
+          <p:nvSpPr>
+            <p:cNvPr id="27" name="Rectangle 29"/>
+            <p:cNvSpPr/>
+            <p:nvPr/>
+          </p:nvSpPr>
+          <p:spPr>
+            <a:xfrm>
+              <a:off x="10938999" y="-8467"/>
+              <a:ext cx="1249825" cy="6866467"/>
+            </a:xfrm>
+            <a:custGeom>
+              <a:avLst/>
+              <a:gdLst/>
+              <a:ahLst/>
+              <a:cxnLst/>
+              <a:rect l="l" t="t" r="r" b="b"/>
+              <a:pathLst>
+                <a:path w="1249825" h="6858000">
+                  <a:moveTo>
+                    <a:pt x="0" y="0"/>
+                  </a:moveTo>
+                  <a:lnTo>
+                    <a:pt x="1249825" y="0"/>
+                  </a:lnTo>
+                  <a:lnTo>
+                    <a:pt x="1249825" y="6858000"/>
+                  </a:lnTo>
+                  <a:lnTo>
+                    <a:pt x="1109382" y="6858000"/>
+                  </a:lnTo>
+                  <a:lnTo>
+                    <a:pt x="0" y="0"/>
+                  </a:lnTo>
+                  <a:close/>
+                </a:path>
+              </a:pathLst>
+            </a:custGeom>
+            <a:solidFill>
+              <a:schemeClr val="accent1">
+                <a:alpha val="65000"/>
+              </a:schemeClr>
+            </a:solidFill>
+            <a:ln>
+              <a:noFill/>
+            </a:ln>
+            <a:effectLst/>
+          </p:spPr>
+          <p:style>
+            <a:lnRef idx="1">
+              <a:schemeClr val="accent1"/>
+            </a:lnRef>
+            <a:fillRef idx="3">
+              <a:schemeClr val="accent1"/>
+            </a:fillRef>
+            <a:effectRef idx="2">
+              <a:schemeClr val="accent1"/>
+            </a:effectRef>
+            <a:fontRef idx="minor">
+              <a:schemeClr val="lt1"/>
+            </a:fontRef>
+          </p:style>
+        </p:sp>
+        <p:sp>
+          <p:nvSpPr>
+            <p:cNvPr id="28" name="Isosceles Triangle 27"/>
+            <p:cNvSpPr/>
+            <p:nvPr/>
+          </p:nvSpPr>
+          <p:spPr>
+            <a:xfrm>
+              <a:off x="10371666" y="3589867"/>
+              <a:ext cx="1817159" cy="3268133"/>
+            </a:xfrm>
+            <a:prstGeom prst="triangle">
+              <a:avLst>
+                <a:gd name="adj" fmla="val 100000"/>
+              </a:avLst>
+            </a:prstGeom>
+            <a:solidFill>
+              <a:schemeClr val="accent1">
+                <a:alpha val="80000"/>
+              </a:schemeClr>
+            </a:solidFill>
+            <a:ln>
+              <a:noFill/>
+            </a:ln>
+            <a:effectLst/>
+          </p:spPr>
+          <p:style>
+            <a:lnRef idx="1">
+              <a:schemeClr val="accent1"/>
+            </a:lnRef>
+            <a:fillRef idx="3">
+              <a:schemeClr val="accent1"/>
+            </a:fillRef>
+            <a:effectRef idx="2">
+              <a:schemeClr val="accent1"/>
+            </a:effectRef>
+            <a:fontRef idx="minor">
+              <a:schemeClr val="lt1"/>
+            </a:fontRef>
+          </p:style>
+        </p:sp>
+        <p:sp>
+          <p:nvSpPr>
+            <p:cNvPr id="29" name="Isosceles Triangle 28"/>
+            <p:cNvSpPr/>
+            <p:nvPr/>
+          </p:nvSpPr>
+          <p:spPr>
+            <a:xfrm>
+              <a:off x="0" y="4013200"/>
+              <a:ext cx="448733" cy="2844800"/>
+            </a:xfrm>
+            <a:prstGeom prst="triangle">
+              <a:avLst>
+                <a:gd name="adj" fmla="val 0"/>
+              </a:avLst>
+            </a:prstGeom>
+            <a:solidFill>
+              <a:schemeClr val="accent1">
+                <a:alpha val="85000"/>
+              </a:schemeClr>
+            </a:solidFill>
+            <a:ln>
+              <a:noFill/>
+            </a:ln>
+            <a:effectLst/>
+          </p:spPr>
+          <p:style>
+            <a:lnRef idx="1">
+              <a:schemeClr val="accent1"/>
+            </a:lnRef>
+            <a:fillRef idx="3">
+              <a:schemeClr val="accent1"/>
+            </a:fillRef>
+            <a:effectRef idx="2">
+              <a:schemeClr val="accent1"/>
+            </a:effectRef>
+            <a:fontRef idx="minor">
+              <a:schemeClr val="lt1"/>
+            </a:fontRef>
+          </p:style>
+        </p:sp>
+      </p:grpSp>
+      <p:sp>
+        <p:nvSpPr>
+          <p:cNvPr id="2" name="Title Placeholder 1"/>
           <p:cNvSpPr>
             <a:spLocks noGrp="1"/>
           </p:cNvSpPr>
@@ -2786,15 +5192,15 @@
         </p:nvSpPr>
         <p:spPr>
           <a:xfrm>
-            <a:off x="838200" y="365125"/>
-            <a:ext cx="10515600" cy="1325563"/>
+            <a:off x="677334" y="609600"/>
+            <a:ext cx="8596668" cy="1320800"/>
           </a:xfrm>
           <a:prstGeom prst="rect">
             <a:avLst/>
           </a:prstGeom>
         </p:spPr>
         <p:txBody>
-          <a:bodyPr vert="horz" lIns="91440" tIns="45720" rIns="91440" bIns="45720" rtlCol="0" anchor="ctr">
+          <a:bodyPr vert="horz" lIns="91440" tIns="45720" rIns="91440" bIns="45720" rtlCol="0" anchor="t">
             <a:normAutofit/>
           </a:bodyPr>
           <a:lstStyle/>
@@ -2803,18 +5209,13 @@
               <a:rPr lang="en-US"/>
               <a:t>Click to edit Master title style</a:t>
             </a:r>
-          </a:p>
-        </p:txBody>
-      </p:sp>
-      <p:sp>
-        <p:nvSpPr>
-          <p:cNvPr id="3" name="Text Placeholder 2">
-            <a:extLst>
-              <a:ext uri="{FF2B5EF4-FFF2-40B4-BE49-F238E27FC236}">
-                <a16:creationId xmlns:a16="http://schemas.microsoft.com/office/drawing/2014/main" id="{B210EA53-0264-456A-845B-76E9AF28A9F3}"/>
-              </a:ext>
-            </a:extLst>
-          </p:cNvPr>
+            <a:endParaRPr lang="en-US" dirty="0"/>
+          </a:p>
+        </p:txBody>
+      </p:sp>
+      <p:sp>
+        <p:nvSpPr>
+          <p:cNvPr id="3" name="Text Placeholder 2"/>
           <p:cNvSpPr>
             <a:spLocks noGrp="1"/>
           </p:cNvSpPr>
@@ -2824,8 +5225,8 @@
         </p:nvSpPr>
         <p:spPr>
           <a:xfrm>
-            <a:off x="838200" y="1825625"/>
-            <a:ext cx="10515600" cy="4351338"/>
+            <a:off x="677334" y="2160589"/>
+            <a:ext cx="8596668" cy="3880773"/>
           </a:xfrm>
           <a:prstGeom prst="rect">
             <a:avLst/>
@@ -2840,7 +5241,7 @@
             <a:pPr lvl="0"/>
             <a:r>
               <a:rPr lang="en-US"/>
-              <a:t>Click to edit Master text styles</a:t>
+              <a:t>Edit Master text styles</a:t>
             </a:r>
           </a:p>
           <a:p>
@@ -2870,18 +5271,13 @@
               <a:rPr lang="en-US"/>
               <a:t>Fifth level</a:t>
             </a:r>
-          </a:p>
-        </p:txBody>
-      </p:sp>
-      <p:sp>
-        <p:nvSpPr>
-          <p:cNvPr id="4" name="Date Placeholder 3">
-            <a:extLst>
-              <a:ext uri="{FF2B5EF4-FFF2-40B4-BE49-F238E27FC236}">
-                <a16:creationId xmlns:a16="http://schemas.microsoft.com/office/drawing/2014/main" id="{8767CF36-1AC3-44A1-BC5F-0A41317E4119}"/>
-              </a:ext>
-            </a:extLst>
-          </p:cNvPr>
+            <a:endParaRPr lang="en-US" dirty="0"/>
+          </a:p>
+        </p:txBody>
+      </p:sp>
+      <p:sp>
+        <p:nvSpPr>
+          <p:cNvPr id="4" name="Date Placeholder 3"/>
           <p:cNvSpPr>
             <a:spLocks noGrp="1"/>
           </p:cNvSpPr>
@@ -2891,8 +5287,8 @@
         </p:nvSpPr>
         <p:spPr>
           <a:xfrm>
-            <a:off x="838200" y="6356350"/>
-            <a:ext cx="2743200" cy="365125"/>
+            <a:off x="7205133" y="6041362"/>
+            <a:ext cx="911939" cy="365125"/>
           </a:xfrm>
           <a:prstGeom prst="rect">
             <a:avLst/>
@@ -2901,8 +5297,8 @@
         <p:txBody>
           <a:bodyPr vert="horz" lIns="91440" tIns="45720" rIns="91440" bIns="45720" rtlCol="0" anchor="ctr"/>
           <a:lstStyle>
-            <a:lvl1pPr algn="l">
-              <a:defRPr sz="1200">
+            <a:lvl1pPr algn="r">
+              <a:defRPr sz="900">
                 <a:solidFill>
                   <a:schemeClr val="tx1">
                     <a:tint val="75000"/>
@@ -2914,7 +5310,7 @@
           <a:p>
             <a:fld id="{A8772C97-20F4-4C81-9859-95A3E31E8BE1}" type="datetimeFigureOut">
               <a:rPr lang="en-US" smtClean="0"/>
-              <a:t>12/3/2019</a:t>
+              <a:t>5/8/2020</a:t>
             </a:fld>
             <a:endParaRPr lang="en-US"/>
           </a:p>
@@ -2922,13 +5318,7 @@
       </p:sp>
       <p:sp>
         <p:nvSpPr>
-          <p:cNvPr id="5" name="Footer Placeholder 4">
-            <a:extLst>
-              <a:ext uri="{FF2B5EF4-FFF2-40B4-BE49-F238E27FC236}">
-                <a16:creationId xmlns:a16="http://schemas.microsoft.com/office/drawing/2014/main" id="{3A13394E-5CF6-48A0-8D47-4D8C258F1CE1}"/>
-              </a:ext>
-            </a:extLst>
-          </p:cNvPr>
+          <p:cNvPr id="5" name="Footer Placeholder 4"/>
           <p:cNvSpPr>
             <a:spLocks noGrp="1"/>
           </p:cNvSpPr>
@@ -2938,8 +5328,8 @@
         </p:nvSpPr>
         <p:spPr>
           <a:xfrm>
-            <a:off x="4038600" y="6356350"/>
-            <a:ext cx="4114800" cy="365125"/>
+            <a:off x="677334" y="6041362"/>
+            <a:ext cx="6297612" cy="365125"/>
           </a:xfrm>
           <a:prstGeom prst="rect">
             <a:avLst/>
@@ -2948,8 +5338,8 @@
         <p:txBody>
           <a:bodyPr vert="horz" lIns="91440" tIns="45720" rIns="91440" bIns="45720" rtlCol="0" anchor="ctr"/>
           <a:lstStyle>
-            <a:lvl1pPr algn="ctr">
-              <a:defRPr sz="1200">
+            <a:lvl1pPr algn="l">
+              <a:defRPr sz="900">
                 <a:solidFill>
                   <a:schemeClr val="tx1">
                     <a:tint val="75000"/>
@@ -2965,13 +5355,7 @@
       </p:sp>
       <p:sp>
         <p:nvSpPr>
-          <p:cNvPr id="6" name="Slide Number Placeholder 5">
-            <a:extLst>
-              <a:ext uri="{FF2B5EF4-FFF2-40B4-BE49-F238E27FC236}">
-                <a16:creationId xmlns:a16="http://schemas.microsoft.com/office/drawing/2014/main" id="{78CA2D76-40D4-481C-A164-812D2AD553C3}"/>
-              </a:ext>
-            </a:extLst>
-          </p:cNvPr>
+          <p:cNvPr id="6" name="Slide Number Placeholder 5"/>
           <p:cNvSpPr>
             <a:spLocks noGrp="1"/>
           </p:cNvSpPr>
@@ -2981,8 +5365,8 @@
         </p:nvSpPr>
         <p:spPr>
           <a:xfrm>
-            <a:off x="8610600" y="6356350"/>
-            <a:ext cx="2743200" cy="365125"/>
+            <a:off x="8590663" y="6041362"/>
+            <a:ext cx="683339" cy="365125"/>
           </a:xfrm>
           <a:prstGeom prst="rect">
             <a:avLst/>
@@ -2992,11 +5376,9 @@
           <a:bodyPr vert="horz" lIns="91440" tIns="45720" rIns="91440" bIns="45720" rtlCol="0" anchor="ctr"/>
           <a:lstStyle>
             <a:lvl1pPr algn="r">
-              <a:defRPr sz="1200">
-                <a:solidFill>
-                  <a:schemeClr val="tx1">
-                    <a:tint val="75000"/>
-                  </a:schemeClr>
+              <a:defRPr sz="900">
+                <a:solidFill>
+                  <a:schemeClr val="accent1"/>
                 </a:solidFill>
               </a:defRPr>
             </a:lvl1pPr>
@@ -3013,201 +5395,322 @@
     </p:spTree>
     <p:extLst>
       <p:ext uri="{BB962C8B-B14F-4D97-AF65-F5344CB8AC3E}">
-        <p14:creationId xmlns:p14="http://schemas.microsoft.com/office/powerpoint/2010/main" val="1738896954"/>
+        <p14:creationId xmlns:p14="http://schemas.microsoft.com/office/powerpoint/2010/main" val="1847921325"/>
       </p:ext>
     </p:extLst>
   </p:cSld>
   <p:clrMap bg1="lt1" tx1="dk1" bg2="lt2" tx2="dk2" accent1="accent1" accent2="accent2" accent3="accent3" accent4="accent4" accent5="accent5" accent6="accent6" hlink="hlink" folHlink="folHlink"/>
   <p:sldLayoutIdLst>
-    <p:sldLayoutId id="2147483649" r:id="rId1"/>
-    <p:sldLayoutId id="2147483650" r:id="rId2"/>
-    <p:sldLayoutId id="2147483651" r:id="rId3"/>
-    <p:sldLayoutId id="2147483652" r:id="rId4"/>
-    <p:sldLayoutId id="2147483653" r:id="rId5"/>
-    <p:sldLayoutId id="2147483654" r:id="rId6"/>
-    <p:sldLayoutId id="2147483655" r:id="rId7"/>
-    <p:sldLayoutId id="2147483656" r:id="rId8"/>
-    <p:sldLayoutId id="2147483657" r:id="rId9"/>
-    <p:sldLayoutId id="2147483658" r:id="rId10"/>
-    <p:sldLayoutId id="2147483659" r:id="rId11"/>
+    <p:sldLayoutId id="2147483673" r:id="rId1"/>
+    <p:sldLayoutId id="2147483674" r:id="rId2"/>
+    <p:sldLayoutId id="2147483675" r:id="rId3"/>
+    <p:sldLayoutId id="2147483676" r:id="rId4"/>
+    <p:sldLayoutId id="2147483677" r:id="rId5"/>
+    <p:sldLayoutId id="2147483678" r:id="rId6"/>
+    <p:sldLayoutId id="2147483679" r:id="rId7"/>
+    <p:sldLayoutId id="2147483680" r:id="rId8"/>
+    <p:sldLayoutId id="2147483681" r:id="rId9"/>
+    <p:sldLayoutId id="2147483682" r:id="rId10"/>
+    <p:sldLayoutId id="2147483683" r:id="rId11"/>
+    <p:sldLayoutId id="2147483684" r:id="rId12"/>
+    <p:sldLayoutId id="2147483685" r:id="rId13"/>
+    <p:sldLayoutId id="2147483686" r:id="rId14"/>
+    <p:sldLayoutId id="2147483687" r:id="rId15"/>
+    <p:sldLayoutId id="2147483688" r:id="rId16"/>
   </p:sldLayoutIdLst>
   <p:txStyles>
     <p:titleStyle>
-      <a:lvl1pPr algn="l" defTabSz="914400" rtl="0" eaLnBrk="1" latinLnBrk="0" hangingPunct="1">
-        <a:lnSpc>
-          <a:spcPct val="90000"/>
-        </a:lnSpc>
+      <a:lvl1pPr algn="l" defTabSz="457200" rtl="0" eaLnBrk="1" latinLnBrk="0" hangingPunct="1">
         <a:spcBef>
           <a:spcPct val="0"/>
         </a:spcBef>
         <a:buNone/>
-        <a:defRPr sz="4400" kern="1200">
+        <a:defRPr sz="3600" kern="1200">
           <a:solidFill>
-            <a:schemeClr val="tx1"/>
+            <a:schemeClr val="accent1"/>
           </a:solidFill>
           <a:latin typeface="+mj-lt"/>
           <a:ea typeface="+mj-ea"/>
           <a:cs typeface="+mj-cs"/>
         </a:defRPr>
       </a:lvl1pPr>
+      <a:lvl2pPr eaLnBrk="1" hangingPunct="1">
+        <a:defRPr>
+          <a:solidFill>
+            <a:schemeClr val="tx2"/>
+          </a:solidFill>
+        </a:defRPr>
+      </a:lvl2pPr>
+      <a:lvl3pPr eaLnBrk="1" hangingPunct="1">
+        <a:defRPr>
+          <a:solidFill>
+            <a:schemeClr val="tx2"/>
+          </a:solidFill>
+        </a:defRPr>
+      </a:lvl3pPr>
+      <a:lvl4pPr eaLnBrk="1" hangingPunct="1">
+        <a:defRPr>
+          <a:solidFill>
+            <a:schemeClr val="tx2"/>
+          </a:solidFill>
+        </a:defRPr>
+      </a:lvl4pPr>
+      <a:lvl5pPr eaLnBrk="1" hangingPunct="1">
+        <a:defRPr>
+          <a:solidFill>
+            <a:schemeClr val="tx2"/>
+          </a:solidFill>
+        </a:defRPr>
+      </a:lvl5pPr>
+      <a:lvl6pPr eaLnBrk="1" hangingPunct="1">
+        <a:defRPr>
+          <a:solidFill>
+            <a:schemeClr val="tx2"/>
+          </a:solidFill>
+        </a:defRPr>
+      </a:lvl6pPr>
+      <a:lvl7pPr eaLnBrk="1" hangingPunct="1">
+        <a:defRPr>
+          <a:solidFill>
+            <a:schemeClr val="tx2"/>
+          </a:solidFill>
+        </a:defRPr>
+      </a:lvl7pPr>
+      <a:lvl8pPr eaLnBrk="1" hangingPunct="1">
+        <a:defRPr>
+          <a:solidFill>
+            <a:schemeClr val="tx2"/>
+          </a:solidFill>
+        </a:defRPr>
+      </a:lvl8pPr>
+      <a:lvl9pPr eaLnBrk="1" hangingPunct="1">
+        <a:defRPr>
+          <a:solidFill>
+            <a:schemeClr val="tx2"/>
+          </a:solidFill>
+        </a:defRPr>
+      </a:lvl9pPr>
     </p:titleStyle>
     <p:bodyStyle>
-      <a:lvl1pPr marL="228600" indent="-228600" algn="l" defTabSz="914400" rtl="0" eaLnBrk="1" latinLnBrk="0" hangingPunct="1">
-        <a:lnSpc>
-          <a:spcPct val="90000"/>
-        </a:lnSpc>
+      <a:lvl1pPr marL="342900" indent="-342900" algn="l" defTabSz="457200" rtl="0" eaLnBrk="1" latinLnBrk="0" hangingPunct="1">
         <a:spcBef>
           <a:spcPts val="1000"/>
         </a:spcBef>
-        <a:buFont typeface="Arial" panose="020B0604020202020204" pitchFamily="34" charset="0"/>
-        <a:buChar char="•"/>
-        <a:defRPr sz="2800" kern="1200">
+        <a:spcAft>
+          <a:spcPts val="0"/>
+        </a:spcAft>
+        <a:buClr>
+          <a:schemeClr val="accent1"/>
+        </a:buClr>
+        <a:buSzPct val="80000"/>
+        <a:buFont typeface="Wingdings 3" charset="2"/>
+        <a:buChar char=""/>
+        <a:defRPr sz="1800" kern="1200">
           <a:solidFill>
-            <a:schemeClr val="tx1"/>
+            <a:schemeClr val="tx1">
+              <a:lumMod val="75000"/>
+              <a:lumOff val="25000"/>
+            </a:schemeClr>
           </a:solidFill>
           <a:latin typeface="+mn-lt"/>
           <a:ea typeface="+mn-ea"/>
           <a:cs typeface="+mn-cs"/>
         </a:defRPr>
       </a:lvl1pPr>
-      <a:lvl2pPr marL="685800" indent="-228600" algn="l" defTabSz="914400" rtl="0" eaLnBrk="1" latinLnBrk="0" hangingPunct="1">
-        <a:lnSpc>
-          <a:spcPct val="90000"/>
-        </a:lnSpc>
+      <a:lvl2pPr marL="742950" indent="-285750" algn="l" defTabSz="457200" rtl="0" eaLnBrk="1" latinLnBrk="0" hangingPunct="1">
         <a:spcBef>
-          <a:spcPts val="500"/>
+          <a:spcPts val="1000"/>
         </a:spcBef>
-        <a:buFont typeface="Arial" panose="020B0604020202020204" pitchFamily="34" charset="0"/>
-        <a:buChar char="•"/>
-        <a:defRPr sz="2400" kern="1200">
+        <a:spcAft>
+          <a:spcPts val="0"/>
+        </a:spcAft>
+        <a:buClr>
+          <a:schemeClr val="accent1"/>
+        </a:buClr>
+        <a:buSzPct val="80000"/>
+        <a:buFont typeface="Wingdings 3" charset="2"/>
+        <a:buChar char=""/>
+        <a:defRPr sz="1600" kern="1200">
           <a:solidFill>
-            <a:schemeClr val="tx1"/>
+            <a:schemeClr val="tx1">
+              <a:lumMod val="75000"/>
+              <a:lumOff val="25000"/>
+            </a:schemeClr>
           </a:solidFill>
           <a:latin typeface="+mn-lt"/>
           <a:ea typeface="+mn-ea"/>
           <a:cs typeface="+mn-cs"/>
         </a:defRPr>
       </a:lvl2pPr>
-      <a:lvl3pPr marL="1143000" indent="-228600" algn="l" defTabSz="914400" rtl="0" eaLnBrk="1" latinLnBrk="0" hangingPunct="1">
-        <a:lnSpc>
-          <a:spcPct val="90000"/>
-        </a:lnSpc>
+      <a:lvl3pPr marL="1143000" indent="-228600" algn="l" defTabSz="457200" rtl="0" eaLnBrk="1" latinLnBrk="0" hangingPunct="1">
         <a:spcBef>
-          <a:spcPts val="500"/>
+          <a:spcPts val="1000"/>
         </a:spcBef>
-        <a:buFont typeface="Arial" panose="020B0604020202020204" pitchFamily="34" charset="0"/>
-        <a:buChar char="•"/>
-        <a:defRPr sz="2000" kern="1200">
+        <a:spcAft>
+          <a:spcPts val="0"/>
+        </a:spcAft>
+        <a:buClr>
+          <a:schemeClr val="accent1"/>
+        </a:buClr>
+        <a:buSzPct val="80000"/>
+        <a:buFont typeface="Wingdings 3" charset="2"/>
+        <a:buChar char=""/>
+        <a:defRPr sz="1400" kern="1200">
           <a:solidFill>
-            <a:schemeClr val="tx1"/>
+            <a:schemeClr val="tx1">
+              <a:lumMod val="75000"/>
+              <a:lumOff val="25000"/>
+            </a:schemeClr>
           </a:solidFill>
           <a:latin typeface="+mn-lt"/>
           <a:ea typeface="+mn-ea"/>
           <a:cs typeface="+mn-cs"/>
         </a:defRPr>
       </a:lvl3pPr>
-      <a:lvl4pPr marL="1600200" indent="-228600" algn="l" defTabSz="914400" rtl="0" eaLnBrk="1" latinLnBrk="0" hangingPunct="1">
-        <a:lnSpc>
-          <a:spcPct val="90000"/>
-        </a:lnSpc>
+      <a:lvl4pPr marL="1600200" indent="-228600" algn="l" defTabSz="457200" rtl="0" eaLnBrk="1" latinLnBrk="0" hangingPunct="1">
         <a:spcBef>
-          <a:spcPts val="500"/>
+          <a:spcPts val="1000"/>
         </a:spcBef>
-        <a:buFont typeface="Arial" panose="020B0604020202020204" pitchFamily="34" charset="0"/>
-        <a:buChar char="•"/>
-        <a:defRPr sz="1800" kern="1200">
+        <a:spcAft>
+          <a:spcPts val="0"/>
+        </a:spcAft>
+        <a:buClr>
+          <a:schemeClr val="accent1"/>
+        </a:buClr>
+        <a:buSzPct val="80000"/>
+        <a:buFont typeface="Wingdings 3" charset="2"/>
+        <a:buChar char=""/>
+        <a:defRPr sz="1200" kern="1200">
           <a:solidFill>
-            <a:schemeClr val="tx1"/>
+            <a:schemeClr val="tx1">
+              <a:lumMod val="75000"/>
+              <a:lumOff val="25000"/>
+            </a:schemeClr>
           </a:solidFill>
           <a:latin typeface="+mn-lt"/>
           <a:ea typeface="+mn-ea"/>
           <a:cs typeface="+mn-cs"/>
         </a:defRPr>
       </a:lvl4pPr>
-      <a:lvl5pPr marL="2057400" indent="-228600" algn="l" defTabSz="914400" rtl="0" eaLnBrk="1" latinLnBrk="0" hangingPunct="1">
-        <a:lnSpc>
-          <a:spcPct val="90000"/>
-        </a:lnSpc>
+      <a:lvl5pPr marL="2057400" indent="-228600" algn="l" defTabSz="457200" rtl="0" eaLnBrk="1" latinLnBrk="0" hangingPunct="1">
         <a:spcBef>
-          <a:spcPts val="500"/>
+          <a:spcPts val="1000"/>
         </a:spcBef>
-        <a:buFont typeface="Arial" panose="020B0604020202020204" pitchFamily="34" charset="0"/>
-        <a:buChar char="•"/>
-        <a:defRPr sz="1800" kern="1200">
+        <a:spcAft>
+          <a:spcPts val="0"/>
+        </a:spcAft>
+        <a:buClr>
+          <a:schemeClr val="accent1"/>
+        </a:buClr>
+        <a:buSzPct val="80000"/>
+        <a:buFont typeface="Wingdings 3" charset="2"/>
+        <a:buChar char=""/>
+        <a:defRPr sz="1200" kern="1200">
           <a:solidFill>
-            <a:schemeClr val="tx1"/>
+            <a:schemeClr val="tx1">
+              <a:lumMod val="75000"/>
+              <a:lumOff val="25000"/>
+            </a:schemeClr>
           </a:solidFill>
           <a:latin typeface="+mn-lt"/>
           <a:ea typeface="+mn-ea"/>
           <a:cs typeface="+mn-cs"/>
         </a:defRPr>
       </a:lvl5pPr>
-      <a:lvl6pPr marL="2514600" indent="-228600" algn="l" defTabSz="914400" rtl="0" eaLnBrk="1" latinLnBrk="0" hangingPunct="1">
-        <a:lnSpc>
-          <a:spcPct val="90000"/>
-        </a:lnSpc>
+      <a:lvl6pPr marL="2514600" indent="-228600" algn="l" defTabSz="457200" rtl="0" eaLnBrk="1" latinLnBrk="0" hangingPunct="1">
         <a:spcBef>
-          <a:spcPts val="500"/>
+          <a:spcPts val="1000"/>
         </a:spcBef>
-        <a:buFont typeface="Arial" panose="020B0604020202020204" pitchFamily="34" charset="0"/>
-        <a:buChar char="•"/>
-        <a:defRPr sz="1800" kern="1200">
+        <a:spcAft>
+          <a:spcPts val="0"/>
+        </a:spcAft>
+        <a:buClr>
+          <a:schemeClr val="accent1"/>
+        </a:buClr>
+        <a:buSzPct val="80000"/>
+        <a:buFont typeface="Wingdings 3" charset="2"/>
+        <a:buChar char=""/>
+        <a:defRPr sz="1200" kern="1200">
           <a:solidFill>
-            <a:schemeClr val="tx1"/>
+            <a:schemeClr val="tx1">
+              <a:lumMod val="75000"/>
+              <a:lumOff val="25000"/>
+            </a:schemeClr>
           </a:solidFill>
           <a:latin typeface="+mn-lt"/>
           <a:ea typeface="+mn-ea"/>
           <a:cs typeface="+mn-cs"/>
         </a:defRPr>
       </a:lvl6pPr>
-      <a:lvl7pPr marL="2971800" indent="-228600" algn="l" defTabSz="914400" rtl="0" eaLnBrk="1" latinLnBrk="0" hangingPunct="1">
-        <a:lnSpc>
-          <a:spcPct val="90000"/>
-        </a:lnSpc>
+      <a:lvl7pPr marL="2971800" indent="-228600" algn="l" defTabSz="457200" rtl="0" eaLnBrk="1" latinLnBrk="0" hangingPunct="1">
         <a:spcBef>
-          <a:spcPts val="500"/>
+          <a:spcPts val="1000"/>
         </a:spcBef>
-        <a:buFont typeface="Arial" panose="020B0604020202020204" pitchFamily="34" charset="0"/>
-        <a:buChar char="•"/>
-        <a:defRPr sz="1800" kern="1200">
+        <a:spcAft>
+          <a:spcPts val="0"/>
+        </a:spcAft>
+        <a:buClr>
+          <a:schemeClr val="accent1"/>
+        </a:buClr>
+        <a:buSzPct val="80000"/>
+        <a:buFont typeface="Wingdings 3" charset="2"/>
+        <a:buChar char=""/>
+        <a:defRPr sz="1200" kern="1200">
           <a:solidFill>
-            <a:schemeClr val="tx1"/>
+            <a:schemeClr val="tx1">
+              <a:lumMod val="75000"/>
+              <a:lumOff val="25000"/>
+            </a:schemeClr>
           </a:solidFill>
           <a:latin typeface="+mn-lt"/>
           <a:ea typeface="+mn-ea"/>
           <a:cs typeface="+mn-cs"/>
         </a:defRPr>
       </a:lvl7pPr>
-      <a:lvl8pPr marL="3429000" indent="-228600" algn="l" defTabSz="914400" rtl="0" eaLnBrk="1" latinLnBrk="0" hangingPunct="1">
-        <a:lnSpc>
-          <a:spcPct val="90000"/>
-        </a:lnSpc>
+      <a:lvl8pPr marL="3429000" indent="-228600" algn="l" defTabSz="457200" rtl="0" eaLnBrk="1" latinLnBrk="0" hangingPunct="1">
         <a:spcBef>
-          <a:spcPts val="500"/>
+          <a:spcPts val="1000"/>
         </a:spcBef>
-        <a:buFont typeface="Arial" panose="020B0604020202020204" pitchFamily="34" charset="0"/>
-        <a:buChar char="•"/>
-        <a:defRPr sz="1800" kern="1200">
+        <a:spcAft>
+          <a:spcPts val="0"/>
+        </a:spcAft>
+        <a:buClr>
+          <a:schemeClr val="accent1"/>
+        </a:buClr>
+        <a:buSzPct val="80000"/>
+        <a:buFont typeface="Wingdings 3" charset="2"/>
+        <a:buChar char=""/>
+        <a:defRPr sz="1200" kern="1200">
           <a:solidFill>
-            <a:schemeClr val="tx1"/>
+            <a:schemeClr val="tx1">
+              <a:lumMod val="75000"/>
+              <a:lumOff val="25000"/>
+            </a:schemeClr>
           </a:solidFill>
           <a:latin typeface="+mn-lt"/>
           <a:ea typeface="+mn-ea"/>
           <a:cs typeface="+mn-cs"/>
         </a:defRPr>
       </a:lvl8pPr>
-      <a:lvl9pPr marL="3886200" indent="-228600" algn="l" defTabSz="914400" rtl="0" eaLnBrk="1" latinLnBrk="0" hangingPunct="1">
-        <a:lnSpc>
-          <a:spcPct val="90000"/>
-        </a:lnSpc>
+      <a:lvl9pPr marL="3886200" indent="-228600" algn="l" defTabSz="457200" rtl="0" eaLnBrk="1" latinLnBrk="0" hangingPunct="1">
         <a:spcBef>
-          <a:spcPts val="500"/>
+          <a:spcPts val="1000"/>
         </a:spcBef>
-        <a:buFont typeface="Arial" panose="020B0604020202020204" pitchFamily="34" charset="0"/>
-        <a:buChar char="•"/>
-        <a:defRPr sz="1800" kern="1200">
+        <a:spcAft>
+          <a:spcPts val="0"/>
+        </a:spcAft>
+        <a:buClr>
+          <a:schemeClr val="accent1"/>
+        </a:buClr>
+        <a:buSzPct val="80000"/>
+        <a:buFont typeface="Wingdings 3" charset="2"/>
+        <a:buChar char=""/>
+        <a:defRPr sz="1200" kern="1200">
           <a:solidFill>
-            <a:schemeClr val="tx1"/>
+            <a:schemeClr val="tx1">
+              <a:lumMod val="75000"/>
+              <a:lumOff val="25000"/>
+            </a:schemeClr>
           </a:solidFill>
           <a:latin typeface="+mn-lt"/>
           <a:ea typeface="+mn-ea"/>
@@ -3219,7 +5722,7 @@
       <a:defPPr>
         <a:defRPr lang="en-US"/>
       </a:defPPr>
-      <a:lvl1pPr marL="0" algn="l" defTabSz="914400" rtl="0" eaLnBrk="1" latinLnBrk="0" hangingPunct="1">
+      <a:lvl1pPr marL="0" algn="l" defTabSz="457200" rtl="0" eaLnBrk="1" latinLnBrk="0" hangingPunct="1">
         <a:defRPr sz="1800" kern="1200">
           <a:solidFill>
             <a:schemeClr val="tx1"/>
@@ -3229,7 +5732,7 @@
           <a:cs typeface="+mn-cs"/>
         </a:defRPr>
       </a:lvl1pPr>
-      <a:lvl2pPr marL="457200" algn="l" defTabSz="914400" rtl="0" eaLnBrk="1" latinLnBrk="0" hangingPunct="1">
+      <a:lvl2pPr marL="457200" algn="l" defTabSz="457200" rtl="0" eaLnBrk="1" latinLnBrk="0" hangingPunct="1">
         <a:defRPr sz="1800" kern="1200">
           <a:solidFill>
             <a:schemeClr val="tx1"/>
@@ -3239,7 +5742,7 @@
           <a:cs typeface="+mn-cs"/>
         </a:defRPr>
       </a:lvl2pPr>
-      <a:lvl3pPr marL="914400" algn="l" defTabSz="914400" rtl="0" eaLnBrk="1" latinLnBrk="0" hangingPunct="1">
+      <a:lvl3pPr marL="914400" algn="l" defTabSz="457200" rtl="0" eaLnBrk="1" latinLnBrk="0" hangingPunct="1">
         <a:defRPr sz="1800" kern="1200">
           <a:solidFill>
             <a:schemeClr val="tx1"/>
@@ -3249,7 +5752,7 @@
           <a:cs typeface="+mn-cs"/>
         </a:defRPr>
       </a:lvl3pPr>
-      <a:lvl4pPr marL="1371600" algn="l" defTabSz="914400" rtl="0" eaLnBrk="1" latinLnBrk="0" hangingPunct="1">
+      <a:lvl4pPr marL="1371600" algn="l" defTabSz="457200" rtl="0" eaLnBrk="1" latinLnBrk="0" hangingPunct="1">
         <a:defRPr sz="1800" kern="1200">
           <a:solidFill>
             <a:schemeClr val="tx1"/>
@@ -3259,7 +5762,7 @@
           <a:cs typeface="+mn-cs"/>
         </a:defRPr>
       </a:lvl4pPr>
-      <a:lvl5pPr marL="1828800" algn="l" defTabSz="914400" rtl="0" eaLnBrk="1" latinLnBrk="0" hangingPunct="1">
+      <a:lvl5pPr marL="1828800" algn="l" defTabSz="457200" rtl="0" eaLnBrk="1" latinLnBrk="0" hangingPunct="1">
         <a:defRPr sz="1800" kern="1200">
           <a:solidFill>
             <a:schemeClr val="tx1"/>
@@ -3269,7 +5772,7 @@
           <a:cs typeface="+mn-cs"/>
         </a:defRPr>
       </a:lvl5pPr>
-      <a:lvl6pPr marL="2286000" algn="l" defTabSz="914400" rtl="0" eaLnBrk="1" latinLnBrk="0" hangingPunct="1">
+      <a:lvl6pPr marL="2286000" algn="l" defTabSz="457200" rtl="0" eaLnBrk="1" latinLnBrk="0" hangingPunct="1">
         <a:defRPr sz="1800" kern="1200">
           <a:solidFill>
             <a:schemeClr val="tx1"/>
@@ -3279,7 +5782,7 @@
           <a:cs typeface="+mn-cs"/>
         </a:defRPr>
       </a:lvl6pPr>
-      <a:lvl7pPr marL="2743200" algn="l" defTabSz="914400" rtl="0" eaLnBrk="1" latinLnBrk="0" hangingPunct="1">
+      <a:lvl7pPr marL="2743200" algn="l" defTabSz="457200" rtl="0" eaLnBrk="1" latinLnBrk="0" hangingPunct="1">
         <a:defRPr sz="1800" kern="1200">
           <a:solidFill>
             <a:schemeClr val="tx1"/>
@@ -3289,7 +5792,7 @@
           <a:cs typeface="+mn-cs"/>
         </a:defRPr>
       </a:lvl7pPr>
-      <a:lvl8pPr marL="3200400" algn="l" defTabSz="914400" rtl="0" eaLnBrk="1" latinLnBrk="0" hangingPunct="1">
+      <a:lvl8pPr marL="3200400" algn="l" defTabSz="457200" rtl="0" eaLnBrk="1" latinLnBrk="0" hangingPunct="1">
         <a:defRPr sz="1800" kern="1200">
           <a:solidFill>
             <a:schemeClr val="tx1"/>
@@ -3299,7 +5802,7 @@
           <a:cs typeface="+mn-cs"/>
         </a:defRPr>
       </a:lvl8pPr>
-      <a:lvl9pPr marL="3657600" algn="l" defTabSz="914400" rtl="0" eaLnBrk="1" latinLnBrk="0" hangingPunct="1">
+      <a:lvl9pPr marL="3657600" algn="l" defTabSz="457200" rtl="0" eaLnBrk="1" latinLnBrk="0" hangingPunct="1">
         <a:defRPr sz="1800" kern="1200">
           <a:solidFill>
             <a:schemeClr val="tx1"/>
@@ -3354,7 +5857,7 @@
           <a:p>
             <a:r>
               <a:rPr lang="en-US" dirty="0"/>
-              <a:t>&lt;Your Name&gt;</a:t>
+              <a:t>Autumn Ossello</a:t>
             </a:r>
           </a:p>
         </p:txBody>
@@ -3382,7 +5885,7 @@
           <a:p>
             <a:r>
               <a:rPr lang="en-US" dirty="0"/>
-              <a:t>(Feel free to apply color &amp; style to your slides)</a:t>
+              <a:t>It’s a Recipe Book!</a:t>
             </a:r>
           </a:p>
         </p:txBody>
@@ -3440,35 +5943,115 @@
           <a:p>
             <a:r>
               <a:rPr lang="en-US" dirty="0"/>
-              <a:t>Replace this slide with the coolest thing about your program.</a:t>
-            </a:r>
-          </a:p>
-        </p:txBody>
-      </p:sp>
-      <p:sp>
-        <p:nvSpPr>
-          <p:cNvPr id="3" name="Content Placeholder 2">
+              <a:t>It’s all mine!</a:t>
+            </a:r>
+          </a:p>
+        </p:txBody>
+      </p:sp>
+      <p:pic>
+        <p:nvPicPr>
+          <p:cNvPr id="5" name="Content Placeholder 4">
             <a:extLst>
               <a:ext uri="{FF2B5EF4-FFF2-40B4-BE49-F238E27FC236}">
-                <a16:creationId xmlns:a16="http://schemas.microsoft.com/office/drawing/2014/main" id="{7EA27E2C-D665-4032-A65A-ECB7BF1FC9D4}"/>
+                <a16:creationId xmlns:a16="http://schemas.microsoft.com/office/drawing/2014/main" id="{A3331A03-2CDF-4582-A8C3-710C63980CCC}"/>
               </a:ext>
             </a:extLst>
           </p:cNvPr>
-          <p:cNvSpPr>
-            <a:spLocks noGrp="1"/>
-          </p:cNvSpPr>
+          <p:cNvPicPr>
+            <a:picLocks noGrp="1" noChangeAspect="1"/>
+          </p:cNvPicPr>
           <p:nvPr>
             <p:ph idx="1"/>
           </p:nvPr>
-        </p:nvSpPr>
-        <p:spPr/>
-        <p:txBody>
-          <a:bodyPr/>
-          <a:lstStyle/>
-          <a:p>
+        </p:nvPicPr>
+        <p:blipFill>
+          <a:blip r:embed="rId2">
+            <a:extLst>
+              <a:ext uri="{28A0092B-C50C-407E-A947-70E740481C1C}">
+                <a14:useLocalDpi xmlns:a14="http://schemas.microsoft.com/office/drawing/2010/main" val="0"/>
+              </a:ext>
+            </a:extLst>
+          </a:blip>
+          <a:stretch>
+            <a:fillRect/>
+          </a:stretch>
+        </p:blipFill>
+        <p:spPr>
+          <a:xfrm>
+            <a:off x="2811331" y="2160457"/>
+            <a:ext cx="4328674" cy="2537085"/>
+          </a:xfrm>
+          <a:prstGeom prst="rect">
+            <a:avLst/>
+          </a:prstGeom>
+          <a:ln w="190500" cap="sq">
+            <a:solidFill>
+              <a:srgbClr val="C8C6BD"/>
+            </a:solidFill>
+            <a:prstDash val="solid"/>
+            <a:miter lim="800000"/>
+          </a:ln>
+          <a:effectLst>
+            <a:outerShdw blurRad="254000" algn="bl" rotWithShape="0">
+              <a:srgbClr val="000000">
+                <a:alpha val="43000"/>
+              </a:srgbClr>
+            </a:outerShdw>
+          </a:effectLst>
+          <a:scene3d>
+            <a:camera prst="perspectiveFront" fov="5400000"/>
+            <a:lightRig rig="threePt" dir="t">
+              <a:rot lat="0" lon="0" rev="2100000"/>
+            </a:lightRig>
+          </a:scene3d>
+          <a:sp3d extrusionH="25400">
+            <a:bevelT w="304800" h="152400" prst="hardEdge"/>
+            <a:extrusionClr>
+              <a:srgbClr val="000000"/>
+            </a:extrusionClr>
+          </a:sp3d>
+        </p:spPr>
+      </p:pic>
+      <p:sp>
+        <p:nvSpPr>
+          <p:cNvPr id="6" name="TextBox 5">
+            <a:extLst>
+              <a:ext uri="{FF2B5EF4-FFF2-40B4-BE49-F238E27FC236}">
+                <a16:creationId xmlns:a16="http://schemas.microsoft.com/office/drawing/2014/main" id="{75FB65B3-4BAC-4CD9-9245-3C7A94DEE877}"/>
+              </a:ext>
+            </a:extLst>
+          </p:cNvPr>
+          <p:cNvSpPr txBox="1"/>
+          <p:nvPr/>
+        </p:nvSpPr>
+        <p:spPr>
+          <a:xfrm>
+            <a:off x="1138972" y="5291583"/>
+            <a:ext cx="7880740" cy="369332"/>
+          </a:xfrm>
+          <a:prstGeom prst="rect">
+            <a:avLst/>
+          </a:prstGeom>
+          <a:noFill/>
+        </p:spPr>
+        <p:txBody>
+          <a:bodyPr wrap="square" rtlCol="0">
+            <a:spAutoFit/>
+          </a:bodyPr>
+          <a:lstStyle/>
+          <a:p>
+            <a:pPr algn="ctr"/>
             <a:r>
               <a:rPr lang="en-US" dirty="0"/>
-              <a:t>You will introduce your program by talking about the coolest part / thing you’re most proud of</a:t>
+              <a:t>The COOLEST part of my program is that I got to make it look how </a:t>
+            </a:r>
+            <a:r>
+              <a:rPr lang="en-US" i="1" dirty="0"/>
+              <a:t>I</a:t>
+            </a:r>
+            <a:r>
+              <a:rPr lang="en-US" dirty="0"/>
+              <a:t> want.</a:t>
             </a:r>
           </a:p>
         </p:txBody>
@@ -3525,8 +6108,12 @@
           <a:lstStyle/>
           <a:p>
             <a:r>
+              <a:rPr lang="en-US" dirty="0" err="1"/>
+              <a:t>TextBox</a:t>
+            </a:r>
+            <a:r>
               <a:rPr lang="en-US" dirty="0"/>
-              <a:t>Replace this slide with the code that you’re the most proud of </a:t>
+              <a:t> Who?</a:t>
             </a:r>
           </a:p>
         </p:txBody>
@@ -3547,24 +6134,108 @@
             <p:ph idx="1"/>
           </p:nvPr>
         </p:nvSpPr>
-        <p:spPr/>
-        <p:txBody>
-          <a:bodyPr/>
+        <p:spPr>
+          <a:xfrm>
+            <a:off x="5776225" y="1957418"/>
+            <a:ext cx="4115920" cy="537207"/>
+          </a:xfrm>
+        </p:spPr>
+        <p:txBody>
+          <a:bodyPr>
+            <a:normAutofit fontScale="92500" lnSpcReduction="20000"/>
+          </a:bodyPr>
           <a:lstStyle/>
           <a:p>
             <a:r>
               <a:rPr lang="en-US" dirty="0"/>
-              <a:t>You will next talk about the code in your program that you’re the most proud of.</a:t>
-            </a:r>
-          </a:p>
-          <a:p>
-            <a:r>
-              <a:rPr lang="en-US" dirty="0"/>
-              <a:t>Alternatively, you can present a structural system diagram if that’s more to your liking</a:t>
-            </a:r>
-          </a:p>
-        </p:txBody>
-      </p:sp>
+              <a:t>Why name elements if you can just shove them into other elements?</a:t>
+            </a:r>
+          </a:p>
+        </p:txBody>
+      </p:sp>
+      <p:pic>
+        <p:nvPicPr>
+          <p:cNvPr id="5" name="Picture 4">
+            <a:extLst>
+              <a:ext uri="{FF2B5EF4-FFF2-40B4-BE49-F238E27FC236}">
+                <a16:creationId xmlns:a16="http://schemas.microsoft.com/office/drawing/2014/main" id="{11242EC1-D968-44D2-BC53-45F678787738}"/>
+              </a:ext>
+            </a:extLst>
+          </p:cNvPr>
+          <p:cNvPicPr>
+            <a:picLocks noChangeAspect="1"/>
+          </p:cNvPicPr>
+          <p:nvPr/>
+        </p:nvPicPr>
+        <p:blipFill>
+          <a:blip r:embed="rId2">
+            <a:extLst>
+              <a:ext uri="{28A0092B-C50C-407E-A947-70E740481C1C}">
+                <a14:useLocalDpi xmlns:a14="http://schemas.microsoft.com/office/drawing/2010/main" val="0"/>
+              </a:ext>
+            </a:extLst>
+          </a:blip>
+          <a:stretch>
+            <a:fillRect/>
+          </a:stretch>
+        </p:blipFill>
+        <p:spPr>
+          <a:xfrm>
+            <a:off x="677334" y="2680473"/>
+            <a:ext cx="5572738" cy="3471752"/>
+          </a:xfrm>
+          <a:prstGeom prst="rect">
+            <a:avLst/>
+          </a:prstGeom>
+          <a:noFill/>
+          <a:ln>
+            <a:solidFill>
+              <a:schemeClr val="accent1"/>
+            </a:solidFill>
+          </a:ln>
+        </p:spPr>
+      </p:pic>
+      <p:pic>
+        <p:nvPicPr>
+          <p:cNvPr id="7" name="Picture 6">
+            <a:extLst>
+              <a:ext uri="{FF2B5EF4-FFF2-40B4-BE49-F238E27FC236}">
+                <a16:creationId xmlns:a16="http://schemas.microsoft.com/office/drawing/2014/main" id="{C5F43E7A-5208-44AC-871B-42A3669D37AA}"/>
+              </a:ext>
+            </a:extLst>
+          </p:cNvPr>
+          <p:cNvPicPr>
+            <a:picLocks noChangeAspect="1"/>
+          </p:cNvPicPr>
+          <p:nvPr/>
+        </p:nvPicPr>
+        <p:blipFill>
+          <a:blip r:embed="rId3">
+            <a:extLst>
+              <a:ext uri="{28A0092B-C50C-407E-A947-70E740481C1C}">
+                <a14:useLocalDpi xmlns:a14="http://schemas.microsoft.com/office/drawing/2010/main" val="0"/>
+              </a:ext>
+            </a:extLst>
+          </a:blip>
+          <a:stretch>
+            <a:fillRect/>
+          </a:stretch>
+        </p:blipFill>
+        <p:spPr>
+          <a:xfrm>
+            <a:off x="736518" y="1270000"/>
+            <a:ext cx="4857222" cy="1224625"/>
+          </a:xfrm>
+          <a:prstGeom prst="rect">
+            <a:avLst/>
+          </a:prstGeom>
+          <a:ln>
+            <a:solidFill>
+              <a:schemeClr val="accent1"/>
+            </a:solidFill>
+          </a:ln>
+        </p:spPr>
+      </p:pic>
     </p:spTree>
     <p:extLst>
       <p:ext uri="{BB962C8B-B14F-4D97-AF65-F5344CB8AC3E}">
@@ -3595,6 +6266,42 @@
           <a:chExt cx="0" cy="0"/>
         </a:xfrm>
       </p:grpSpPr>
+      <p:pic>
+        <p:nvPicPr>
+          <p:cNvPr id="5" name="Picture 4">
+            <a:extLst>
+              <a:ext uri="{FF2B5EF4-FFF2-40B4-BE49-F238E27FC236}">
+                <a16:creationId xmlns:a16="http://schemas.microsoft.com/office/drawing/2014/main" id="{415639FF-EF4A-4932-8E2B-135615A64373}"/>
+              </a:ext>
+            </a:extLst>
+          </p:cNvPr>
+          <p:cNvPicPr>
+            <a:picLocks noChangeAspect="1"/>
+          </p:cNvPicPr>
+          <p:nvPr/>
+        </p:nvPicPr>
+        <p:blipFill>
+          <a:blip r:embed="rId2">
+            <a:extLst>
+              <a:ext uri="{28A0092B-C50C-407E-A947-70E740481C1C}">
+                <a14:useLocalDpi xmlns:a14="http://schemas.microsoft.com/office/drawing/2010/main" val="0"/>
+              </a:ext>
+            </a:extLst>
+          </a:blip>
+          <a:stretch>
+            <a:fillRect/>
+          </a:stretch>
+        </p:blipFill>
+        <p:spPr>
+          <a:xfrm>
+            <a:off x="677334" y="1473560"/>
+            <a:ext cx="5210902" cy="5029902"/>
+          </a:xfrm>
+          <a:prstGeom prst="rect">
+            <a:avLst/>
+          </a:prstGeom>
+        </p:spPr>
+      </p:pic>
       <p:sp>
         <p:nvSpPr>
           <p:cNvPr id="2" name="Title 1">
@@ -3639,12 +6346,20 @@
             <p:ph idx="1"/>
           </p:nvPr>
         </p:nvSpPr>
-        <p:spPr/>
+        <p:spPr>
+          <a:xfrm>
+            <a:off x="5357091" y="1270000"/>
+            <a:ext cx="3916910" cy="407120"/>
+          </a:xfrm>
+        </p:spPr>
         <p:txBody>
           <a:bodyPr/>
           <a:lstStyle/>
           <a:p>
-            <a:endParaRPr lang="en-US"/>
+            <a:r>
+              <a:rPr lang="en-US" dirty="0"/>
+              <a:t>Not write code until 5am…</a:t>
+            </a:r>
           </a:p>
         </p:txBody>
       </p:sp>
@@ -3694,18 +6409,19 @@
             <p:ph type="title"/>
           </p:nvPr>
         </p:nvSpPr>
-        <p:spPr/>
+        <p:spPr>
+          <a:xfrm>
+            <a:off x="677334" y="609600"/>
+            <a:ext cx="8596668" cy="822036"/>
+          </a:xfrm>
+        </p:spPr>
         <p:txBody>
           <a:bodyPr/>
           <a:lstStyle/>
           <a:p>
             <a:r>
               <a:rPr lang="en-US" dirty="0"/>
-              <a:t>The thing that I learned the </a:t>
-            </a:r>
-            <a:r>
-              <a:rPr lang="en-US"/>
-              <a:t>most was…</a:t>
+              <a:t>The thing that I learned the most was…</a:t>
             </a:r>
           </a:p>
         </p:txBody>
@@ -3726,15 +6442,127 @@
             <p:ph idx="1"/>
           </p:nvPr>
         </p:nvSpPr>
-        <p:spPr/>
+        <p:spPr>
+          <a:xfrm>
+            <a:off x="427952" y="3420323"/>
+            <a:ext cx="4070157" cy="2328283"/>
+          </a:xfrm>
+        </p:spPr>
         <p:txBody>
           <a:bodyPr/>
           <a:lstStyle/>
           <a:p>
-            <a:endParaRPr lang="en-US"/>
-          </a:p>
-        </p:txBody>
-      </p:sp>
+            <a:r>
+              <a:rPr lang="en-US" dirty="0"/>
+              <a:t>WinForms!</a:t>
+            </a:r>
+          </a:p>
+          <a:p>
+            <a:r>
+              <a:rPr lang="en-US" dirty="0"/>
+              <a:t>Documentation!</a:t>
+            </a:r>
+          </a:p>
+          <a:p>
+            <a:r>
+              <a:rPr lang="en-US" dirty="0"/>
+              <a:t>Stack Overflow!</a:t>
+            </a:r>
+          </a:p>
+          <a:p>
+            <a:r>
+              <a:rPr lang="en-US" dirty="0"/>
+              <a:t>My mental limits!</a:t>
+            </a:r>
+          </a:p>
+          <a:p>
+            <a:r>
+              <a:rPr lang="en-US" dirty="0"/>
+              <a:t>How long I can sit on a footstool before loosing feeling in my legs!</a:t>
+            </a:r>
+          </a:p>
+        </p:txBody>
+      </p:sp>
+      <p:pic>
+        <p:nvPicPr>
+          <p:cNvPr id="7" name="Picture 6">
+            <a:extLst>
+              <a:ext uri="{FF2B5EF4-FFF2-40B4-BE49-F238E27FC236}">
+                <a16:creationId xmlns:a16="http://schemas.microsoft.com/office/drawing/2014/main" id="{91721F0E-B2C5-4CFA-B131-A3B0C24F8E23}"/>
+              </a:ext>
+            </a:extLst>
+          </p:cNvPr>
+          <p:cNvPicPr>
+            <a:picLocks noChangeAspect="1"/>
+          </p:cNvPicPr>
+          <p:nvPr/>
+        </p:nvPicPr>
+        <p:blipFill>
+          <a:blip r:embed="rId2">
+            <a:extLst>
+              <a:ext uri="{28A0092B-C50C-407E-A947-70E740481C1C}">
+                <a14:useLocalDpi xmlns:a14="http://schemas.microsoft.com/office/drawing/2010/main" val="0"/>
+              </a:ext>
+            </a:extLst>
+          </a:blip>
+          <a:stretch>
+            <a:fillRect/>
+          </a:stretch>
+        </p:blipFill>
+        <p:spPr>
+          <a:xfrm>
+            <a:off x="2712412" y="1431636"/>
+            <a:ext cx="6452302" cy="3152829"/>
+          </a:xfrm>
+          <a:prstGeom prst="rect">
+            <a:avLst/>
+          </a:prstGeom>
+          <a:ln>
+            <a:noFill/>
+          </a:ln>
+        </p:spPr>
+      </p:pic>
+      <p:pic>
+        <p:nvPicPr>
+          <p:cNvPr id="5" name="Picture 4">
+            <a:extLst>
+              <a:ext uri="{FF2B5EF4-FFF2-40B4-BE49-F238E27FC236}">
+                <a16:creationId xmlns:a16="http://schemas.microsoft.com/office/drawing/2014/main" id="{B17A18F4-CBA3-483C-84CE-3FFE7770642F}"/>
+              </a:ext>
+            </a:extLst>
+          </p:cNvPr>
+          <p:cNvPicPr>
+            <a:picLocks noChangeAspect="1"/>
+          </p:cNvPicPr>
+          <p:nvPr/>
+        </p:nvPicPr>
+        <p:blipFill>
+          <a:blip r:embed="rId3">
+            <a:extLst>
+              <a:ext uri="{28A0092B-C50C-407E-A947-70E740481C1C}">
+                <a14:useLocalDpi xmlns:a14="http://schemas.microsoft.com/office/drawing/2010/main" val="0"/>
+              </a:ext>
+            </a:extLst>
+          </a:blip>
+          <a:stretch>
+            <a:fillRect/>
+          </a:stretch>
+        </p:blipFill>
+        <p:spPr>
+          <a:xfrm>
+            <a:off x="5617767" y="2796496"/>
+            <a:ext cx="6249597" cy="3916056"/>
+          </a:xfrm>
+          <a:prstGeom prst="rect">
+            <a:avLst/>
+          </a:prstGeom>
+          <a:ln>
+            <a:solidFill>
+              <a:schemeClr val="accent1"/>
+            </a:solidFill>
+          </a:ln>
+        </p:spPr>
+      </p:pic>
     </p:spTree>
     <p:extLst>
       <p:ext uri="{BB962C8B-B14F-4D97-AF65-F5344CB8AC3E}">
@@ -3788,7 +6616,7 @@
           <a:p>
             <a:r>
               <a:rPr lang="en-US" dirty="0"/>
-              <a:t>Feel free to add one or two more slides to discuss whatever else you’d like</a:t>
+              <a:t>To the Future -&gt;&gt;&gt;</a:t>
             </a:r>
           </a:p>
         </p:txBody>
@@ -3809,18 +6637,80 @@
             <p:ph idx="1"/>
           </p:nvPr>
         </p:nvSpPr>
-        <p:spPr/>
+        <p:spPr>
+          <a:xfrm>
+            <a:off x="677334" y="1764145"/>
+            <a:ext cx="8596668" cy="4277217"/>
+          </a:xfrm>
+        </p:spPr>
         <p:txBody>
           <a:bodyPr/>
           <a:lstStyle/>
           <a:p>
             <a:r>
               <a:rPr lang="en-US" dirty="0"/>
-              <a:t>(</a:t>
-            </a:r>
-            <a:r>
-              <a:rPr lang="en-US"/>
-              <a:t>not required)</a:t>
+              <a:t>Recipe Editing, Full Recipe View and Cooking View</a:t>
+            </a:r>
+          </a:p>
+          <a:p>
+            <a:endParaRPr lang="en-US" dirty="0"/>
+          </a:p>
+          <a:p>
+            <a:r>
+              <a:rPr lang="en-US" dirty="0"/>
+              <a:t>Additional Features</a:t>
+            </a:r>
+          </a:p>
+          <a:p>
+            <a:pPr lvl="1"/>
+            <a:r>
+              <a:rPr lang="en-US" dirty="0"/>
+              <a:t>Recommended Pairings</a:t>
+            </a:r>
+          </a:p>
+          <a:p>
+            <a:pPr lvl="1"/>
+            <a:r>
+              <a:rPr lang="en-US" dirty="0"/>
+              <a:t>Pantry Log</a:t>
+            </a:r>
+          </a:p>
+          <a:p>
+            <a:pPr lvl="1"/>
+            <a:r>
+              <a:rPr lang="en-US" dirty="0"/>
+              <a:t>Shopping List</a:t>
+            </a:r>
+          </a:p>
+          <a:p>
+            <a:pPr lvl="1"/>
+            <a:endParaRPr lang="en-US" dirty="0"/>
+          </a:p>
+          <a:p>
+            <a:r>
+              <a:rPr lang="en-US" dirty="0"/>
+              <a:t>End Goals</a:t>
+            </a:r>
+          </a:p>
+          <a:p>
+            <a:pPr lvl="1"/>
+            <a:r>
+              <a:rPr lang="en-US" dirty="0"/>
+              <a:t>Meal Planning</a:t>
+            </a:r>
+          </a:p>
+          <a:p>
+            <a:pPr lvl="1"/>
+            <a:r>
+              <a:rPr lang="en-US" dirty="0"/>
+              <a:t>Minimizing Food Waste</a:t>
+            </a:r>
+          </a:p>
+          <a:p>
+            <a:pPr lvl="1"/>
+            <a:r>
+              <a:rPr lang="en-US" dirty="0"/>
+              <a:t>Mobile App</a:t>
             </a:r>
           </a:p>
         </p:txBody>
@@ -3839,9 +6729,9 @@
 </file>
 
 <file path=ppt/theme/theme1.xml><?xml version="1.0" encoding="utf-8"?>
-<a:theme xmlns:a="http://schemas.openxmlformats.org/drawingml/2006/main" name="Office Theme">
+<a:theme xmlns:a="http://schemas.openxmlformats.org/drawingml/2006/main" name="Facet">
   <a:themeElements>
-    <a:clrScheme name="Office">
+    <a:clrScheme name="Facet">
       <a:dk1>
         <a:sysClr val="windowText" lastClr="000000"/>
       </a:dk1>
@@ -3849,52 +6739,52 @@
         <a:sysClr val="window" lastClr="FFFFFF"/>
       </a:lt1>
       <a:dk2>
-        <a:srgbClr val="44546A"/>
+        <a:srgbClr val="2C3C43"/>
       </a:dk2>
       <a:lt2>
-        <a:srgbClr val="E7E6E6"/>
+        <a:srgbClr val="EBEBEB"/>
       </a:lt2>
       <a:accent1>
-        <a:srgbClr val="4472C4"/>
+        <a:srgbClr val="90C226"/>
       </a:accent1>
       <a:accent2>
-        <a:srgbClr val="ED7D31"/>
+        <a:srgbClr val="54A021"/>
       </a:accent2>
       <a:accent3>
-        <a:srgbClr val="A5A5A5"/>
+        <a:srgbClr val="E6B91E"/>
       </a:accent3>
       <a:accent4>
-        <a:srgbClr val="FFC000"/>
+        <a:srgbClr val="E76618"/>
       </a:accent4>
       <a:accent5>
-        <a:srgbClr val="5B9BD5"/>
+        <a:srgbClr val="C42F1A"/>
       </a:accent5>
       <a:accent6>
-        <a:srgbClr val="70AD47"/>
+        <a:srgbClr val="918655"/>
       </a:accent6>
       <a:hlink>
-        <a:srgbClr val="0563C1"/>
+        <a:srgbClr val="99CA3C"/>
       </a:hlink>
       <a:folHlink>
-        <a:srgbClr val="954F72"/>
+        <a:srgbClr val="B9D181"/>
       </a:folHlink>
     </a:clrScheme>
-    <a:fontScheme name="Office">
+    <a:fontScheme name="Facet">
       <a:majorFont>
-        <a:latin typeface="Calibri Light" panose="020F0302020204030204"/>
+        <a:latin typeface="Trebuchet MS" panose="020B0603020202020204"/>
         <a:ea typeface=""/>
         <a:cs typeface=""/>
-        <a:font script="Jpan" typeface="游ゴシック Light"/>
+        <a:font script="Jpan" typeface="メイリオ"/>
         <a:font script="Hang" typeface="맑은 고딕"/>
-        <a:font script="Hans" typeface="等线 Light"/>
-        <a:font script="Hant" typeface="新細明體"/>
-        <a:font script="Arab" typeface="Times New Roman"/>
-        <a:font script="Hebr" typeface="Times New Roman"/>
-        <a:font script="Thai" typeface="Angsana New"/>
+        <a:font script="Hans" typeface="方正姚体"/>
+        <a:font script="Hant" typeface="微軟正黑體"/>
+        <a:font script="Arab" typeface="Tahoma"/>
+        <a:font script="Hebr" typeface="Arial"/>
+        <a:font script="Thai" typeface="Cordia New"/>
         <a:font script="Ethi" typeface="Nyala"/>
         <a:font script="Beng" typeface="Vrinda"/>
         <a:font script="Gujr" typeface="Shruti"/>
-        <a:font script="Khmr" typeface="MoolBoran"/>
+        <a:font script="Khmr" typeface="DaunPenh"/>
         <a:font script="Knda" typeface="Tunga"/>
         <a:font script="Guru" typeface="Raavi"/>
         <a:font script="Cans" typeface="Euphemia"/>
@@ -3911,38 +6801,21 @@
         <a:font script="Laoo" typeface="DokChampa"/>
         <a:font script="Sinh" typeface="Iskoola Pota"/>
         <a:font script="Mong" typeface="Mongolian Baiti"/>
-        <a:font script="Viet" typeface="Times New Roman"/>
+        <a:font script="Viet" typeface="Tahoma"/>
         <a:font script="Uigh" typeface="Microsoft Uighur"/>
         <a:font script="Geor" typeface="Sylfaen"/>
-        <a:font script="Armn" typeface="Arial"/>
-        <a:font script="Bugi" typeface="Leelawadee UI"/>
-        <a:font script="Bopo" typeface="Microsoft JhengHei"/>
-        <a:font script="Java" typeface="Javanese Text"/>
-        <a:font script="Lisu" typeface="Segoe UI"/>
-        <a:font script="Mymr" typeface="Myanmar Text"/>
-        <a:font script="Nkoo" typeface="Ebrima"/>
-        <a:font script="Olck" typeface="Nirmala UI"/>
-        <a:font script="Osma" typeface="Ebrima"/>
-        <a:font script="Phag" typeface="Phagspa"/>
-        <a:font script="Syrn" typeface="Estrangelo Edessa"/>
-        <a:font script="Syrj" typeface="Estrangelo Edessa"/>
-        <a:font script="Syre" typeface="Estrangelo Edessa"/>
-        <a:font script="Sora" typeface="Nirmala UI"/>
-        <a:font script="Tale" typeface="Microsoft Tai Le"/>
-        <a:font script="Talu" typeface="Microsoft New Tai Lue"/>
-        <a:font script="Tfng" typeface="Ebrima"/>
       </a:majorFont>
       <a:minorFont>
-        <a:latin typeface="Calibri" panose="020F0502020204030204"/>
+        <a:latin typeface="Trebuchet MS" panose="020B0603020202020204"/>
         <a:ea typeface=""/>
         <a:cs typeface=""/>
-        <a:font script="Jpan" typeface="游ゴシック"/>
-        <a:font script="Hang" typeface="맑은 고딕"/>
-        <a:font script="Hans" typeface="等线"/>
-        <a:font script="Hant" typeface="新細明體"/>
-        <a:font script="Arab" typeface="Arial"/>
-        <a:font script="Hebr" typeface="Arial"/>
-        <a:font script="Thai" typeface="Cordia New"/>
+        <a:font script="Jpan" typeface="メイリオ"/>
+        <a:font script="Hang" typeface="HY그래픽M"/>
+        <a:font script="Hans" typeface="华文新魏"/>
+        <a:font script="Hant" typeface="微軟正黑體"/>
+        <a:font script="Arab" typeface="Tahoma"/>
+        <a:font script="Hebr" typeface="Gisha"/>
+        <a:font script="Thai" typeface="IrisUPC"/>
         <a:font script="Ethi" typeface="Nyala"/>
         <a:font script="Beng" typeface="Vrinda"/>
         <a:font script="Gujr" typeface="Shruti"/>
@@ -3966,26 +6839,9 @@
         <a:font script="Viet" typeface="Arial"/>
         <a:font script="Uigh" typeface="Microsoft Uighur"/>
         <a:font script="Geor" typeface="Sylfaen"/>
-        <a:font script="Armn" typeface="Arial"/>
-        <a:font script="Bugi" typeface="Leelawadee UI"/>
-        <a:font script="Bopo" typeface="Microsoft JhengHei"/>
-        <a:font script="Java" typeface="Javanese Text"/>
-        <a:font script="Lisu" typeface="Segoe UI"/>
-        <a:font script="Mymr" typeface="Myanmar Text"/>
-        <a:font script="Nkoo" typeface="Ebrima"/>
-        <a:font script="Olck" typeface="Nirmala UI"/>
-        <a:font script="Osma" typeface="Ebrima"/>
-        <a:font script="Phag" typeface="Phagspa"/>
-        <a:font script="Syrn" typeface="Estrangelo Edessa"/>
-        <a:font script="Syrj" typeface="Estrangelo Edessa"/>
-        <a:font script="Syre" typeface="Estrangelo Edessa"/>
-        <a:font script="Sora" typeface="Nirmala UI"/>
-        <a:font script="Tale" typeface="Microsoft Tai Le"/>
-        <a:font script="Talu" typeface="Microsoft New Tai Lue"/>
-        <a:font script="Tfng" typeface="Ebrima"/>
       </a:minorFont>
     </a:fontScheme>
-    <a:fmtScheme name="Office">
+    <a:fmtScheme name="Facet">
       <a:fillStyleLst>
         <a:solidFill>
           <a:schemeClr val="phClr"/>
@@ -3994,23 +6850,13 @@
           <a:gsLst>
             <a:gs pos="0">
               <a:schemeClr val="phClr">
+                <a:tint val="65000"/>
                 <a:lumMod val="110000"/>
-                <a:satMod val="105000"/>
-                <a:tint val="67000"/>
               </a:schemeClr>
             </a:gs>
-            <a:gs pos="50000">
+            <a:gs pos="88000">
               <a:schemeClr val="phClr">
-                <a:lumMod val="105000"/>
-                <a:satMod val="103000"/>
-                <a:tint val="73000"/>
-              </a:schemeClr>
-            </a:gs>
-            <a:gs pos="100000">
-              <a:schemeClr val="phClr">
-                <a:lumMod val="105000"/>
-                <a:satMod val="109000"/>
-                <a:tint val="81000"/>
+                <a:tint val="90000"/>
               </a:schemeClr>
             </a:gs>
           </a:gsLst>
@@ -4020,23 +6866,14 @@
           <a:gsLst>
             <a:gs pos="0">
               <a:schemeClr val="phClr">
-                <a:satMod val="103000"/>
-                <a:lumMod val="102000"/>
-                <a:tint val="94000"/>
+                <a:tint val="96000"/>
+                <a:lumMod val="100000"/>
               </a:schemeClr>
             </a:gs>
-            <a:gs pos="50000">
+            <a:gs pos="78000">
               <a:schemeClr val="phClr">
-                <a:satMod val="110000"/>
-                <a:lumMod val="100000"/>
-                <a:shade val="100000"/>
-              </a:schemeClr>
-            </a:gs>
-            <a:gs pos="100000">
-              <a:schemeClr val="phClr">
-                <a:lumMod val="99000"/>
-                <a:satMod val="120000"/>
-                <a:shade val="78000"/>
+                <a:shade val="94000"/>
+                <a:lumMod val="94000"/>
               </a:schemeClr>
             </a:gs>
           </a:gsLst>
@@ -4044,26 +6881,23 @@
         </a:gradFill>
       </a:fillStyleLst>
       <a:lnStyleLst>
-        <a:ln w="6350" cap="flat" cmpd="sng" algn="ctr">
+        <a:ln w="12700" cap="rnd" cmpd="sng" algn="ctr">
           <a:solidFill>
             <a:schemeClr val="phClr"/>
           </a:solidFill>
           <a:prstDash val="solid"/>
-          <a:miter lim="800000"/>
         </a:ln>
-        <a:ln w="12700" cap="flat" cmpd="sng" algn="ctr">
+        <a:ln w="19050" cap="rnd" cmpd="sng" algn="ctr">
           <a:solidFill>
             <a:schemeClr val="phClr"/>
           </a:solidFill>
           <a:prstDash val="solid"/>
-          <a:miter lim="800000"/>
         </a:ln>
-        <a:ln w="19050" cap="flat" cmpd="sng" algn="ctr">
+        <a:ln w="25400" cap="rnd" cmpd="sng" algn="ctr">
           <a:solidFill>
             <a:schemeClr val="phClr"/>
           </a:solidFill>
           <a:prstDash val="solid"/>
-          <a:miter lim="800000"/>
         </a:ln>
       </a:lnStyleLst>
       <a:effectStyleLst>
@@ -4071,54 +6905,72 @@
           <a:effectLst/>
         </a:effectStyle>
         <a:effectStyle>
-          <a:effectLst/>
+          <a:effectLst>
+            <a:outerShdw blurRad="38100" dist="25400" dir="5400000" rotWithShape="0">
+              <a:srgbClr val="000000">
+                <a:alpha val="35000"/>
+              </a:srgbClr>
+            </a:outerShdw>
+          </a:effectLst>
         </a:effectStyle>
         <a:effectStyle>
           <a:effectLst>
-            <a:outerShdw blurRad="57150" dist="19050" dir="5400000" algn="ctr" rotWithShape="0">
+            <a:outerShdw blurRad="50800" dist="38100" dir="5400000" rotWithShape="0">
               <a:srgbClr val="000000">
-                <a:alpha val="63000"/>
+                <a:alpha val="35000"/>
               </a:srgbClr>
             </a:outerShdw>
           </a:effectLst>
+          <a:scene3d>
+            <a:camera prst="orthographicFront">
+              <a:rot lat="0" lon="0" rev="0"/>
+            </a:camera>
+            <a:lightRig rig="threePt" dir="tl"/>
+          </a:scene3d>
+          <a:sp3d prstMaterial="plastic">
+            <a:bevelT w="0" h="0"/>
+          </a:sp3d>
         </a:effectStyle>
       </a:effectStyleLst>
       <a:bgFillStyleLst>
         <a:solidFill>
           <a:schemeClr val="phClr"/>
         </a:solidFill>
-        <a:solidFill>
-          <a:schemeClr val="phClr">
-            <a:tint val="95000"/>
-            <a:satMod val="170000"/>
-          </a:schemeClr>
-        </a:solidFill>
         <a:gradFill rotWithShape="1">
           <a:gsLst>
             <a:gs pos="0">
               <a:schemeClr val="phClr">
-                <a:tint val="93000"/>
-                <a:satMod val="150000"/>
-                <a:shade val="98000"/>
-                <a:lumMod val="102000"/>
+                <a:tint val="90000"/>
+                <a:lumMod val="104000"/>
               </a:schemeClr>
             </a:gs>
-            <a:gs pos="50000">
+            <a:gs pos="94000">
               <a:schemeClr val="phClr">
-                <a:tint val="98000"/>
-                <a:satMod val="130000"/>
-                <a:shade val="90000"/>
-                <a:lumMod val="103000"/>
+                <a:shade val="96000"/>
+                <a:lumMod val="82000"/>
+              </a:schemeClr>
+            </a:gs>
+          </a:gsLst>
+          <a:lin ang="5400000" scaled="0"/>
+        </a:gradFill>
+        <a:gradFill rotWithShape="1">
+          <a:gsLst>
+            <a:gs pos="0">
+              <a:schemeClr val="phClr">
+                <a:tint val="90000"/>
+                <a:lumMod val="110000"/>
               </a:schemeClr>
             </a:gs>
             <a:gs pos="100000">
               <a:schemeClr val="phClr">
-                <a:shade val="63000"/>
-                <a:satMod val="120000"/>
+                <a:shade val="94000"/>
+                <a:lumMod val="96000"/>
               </a:schemeClr>
             </a:gs>
           </a:gsLst>
-          <a:lin ang="5400000" scaled="0"/>
+          <a:path path="circle">
+            <a:fillToRect l="50000" t="50000" r="100000" b="100000"/>
+          </a:path>
         </a:gradFill>
       </a:bgFillStyleLst>
     </a:fmtScheme>
@@ -4127,7 +6979,7 @@
   <a:extraClrSchemeLst/>
   <a:extLst>
     <a:ext uri="{05A4C25C-085E-4340-85A3-A5531E510DB2}">
-      <thm15:themeFamily xmlns:thm15="http://schemas.microsoft.com/office/thememl/2012/main" name="Office Theme" id="{62F939B6-93AF-4DB8-9C6B-D6C7DFDC589F}" vid="{4A3C46E8-61CC-4603-A589-7422A47A8E4A}"/>
+      <thm15:themeFamily xmlns:thm15="http://schemas.microsoft.com/office/thememl/2012/main" name="Facet" id="{C0C680CD-088A-49FC-A102-D699147F32B2}" vid="{CFBC31BA-B70F-4F30-BCAA-4F3011E16C4D}"/>
     </a:ext>
   </a:extLst>
 </a:theme>
